--- a/Docs/사업계획서.pptx
+++ b/Docs/사업계획서.pptx
@@ -8,15 +8,17 @@
     <p:sldId id="257" r:id="rId2"/>
     <p:sldId id="258" r:id="rId3"/>
     <p:sldId id="263" r:id="rId4"/>
-    <p:sldId id="268" r:id="rId5"/>
-    <p:sldId id="280" r:id="rId6"/>
-    <p:sldId id="269" r:id="rId7"/>
-    <p:sldId id="279" r:id="rId8"/>
-    <p:sldId id="281" r:id="rId9"/>
-    <p:sldId id="277" r:id="rId10"/>
-    <p:sldId id="273" r:id="rId11"/>
-    <p:sldId id="278" r:id="rId12"/>
-    <p:sldId id="267" r:id="rId13"/>
+    <p:sldId id="282" r:id="rId5"/>
+    <p:sldId id="268" r:id="rId6"/>
+    <p:sldId id="280" r:id="rId7"/>
+    <p:sldId id="269" r:id="rId8"/>
+    <p:sldId id="279" r:id="rId9"/>
+    <p:sldId id="281" r:id="rId10"/>
+    <p:sldId id="283" r:id="rId11"/>
+    <p:sldId id="277" r:id="rId12"/>
+    <p:sldId id="273" r:id="rId13"/>
+    <p:sldId id="278" r:id="rId14"/>
+    <p:sldId id="267" r:id="rId15"/>
   </p:sldIdLst>
   <p:sldSz cx="12192000" cy="6858000"/>
   <p:notesSz cx="6858000" cy="9144000"/>
@@ -3862,23 +3864,31 @@
       </p:grpSpPr>
       <p:sp>
         <p:nvSpPr>
-          <p:cNvPr id="4" name="직사각형 3"/>
+          <p:cNvPr id="6" name="타원 5">
+            <a:extLst>
+              <a:ext uri="{FF2B5EF4-FFF2-40B4-BE49-F238E27FC236}">
+                <a16:creationId xmlns:a16="http://schemas.microsoft.com/office/drawing/2014/main" id="{CF334295-8713-4EDB-8010-5505F059E4CD}"/>
+              </a:ext>
+            </a:extLst>
+          </p:cNvPr>
           <p:cNvSpPr/>
           <p:nvPr/>
         </p:nvSpPr>
         <p:spPr>
           <a:xfrm>
-            <a:off x="0" y="0"/>
-            <a:ext cx="12191999" cy="982910"/>
-          </a:xfrm>
-          <a:prstGeom prst="rect">
+            <a:off x="4947685" y="3119202"/>
+            <a:ext cx="2130357" cy="1342417"/>
+          </a:xfrm>
+          <a:prstGeom prst="ellipse">
             <a:avLst/>
           </a:prstGeom>
           <a:solidFill>
             <a:srgbClr val="B7CFCE"/>
           </a:solidFill>
           <a:ln>
-            <a:noFill/>
+            <a:solidFill>
+              <a:srgbClr val="D8E3E5"/>
+            </a:solidFill>
           </a:ln>
         </p:spPr>
         <p:style>
@@ -3902,104 +3912,26 @@
           <a:lstStyle/>
           <a:p>
             <a:pPr algn="ctr"/>
-            <a:endParaRPr lang="ko-KR" altLang="en-US"/>
-          </a:p>
-        </p:txBody>
-      </p:sp>
-      <p:sp>
-        <p:nvSpPr>
-          <p:cNvPr id="50" name="TextBox 49"/>
-          <p:cNvSpPr txBox="1"/>
-          <p:nvPr/>
-        </p:nvSpPr>
-        <p:spPr>
-          <a:xfrm>
-            <a:off x="256199" y="219699"/>
-            <a:ext cx="673776" cy="523220"/>
-          </a:xfrm>
-          <a:prstGeom prst="rect">
-            <a:avLst/>
-          </a:prstGeom>
-          <a:noFill/>
-        </p:spPr>
-        <p:txBody>
-          <a:bodyPr wrap="square" rtlCol="0">
-            <a:spAutoFit/>
-          </a:bodyPr>
-          <a:lstStyle/>
-          <a:p>
-            <a:r>
-              <a:rPr lang="en-US" altLang="ko-KR" sz="2800" dirty="0">
-                <a:solidFill>
-                  <a:srgbClr val="64818D"/>
-                </a:solidFill>
-                <a:latin typeface="KoPub돋움체 Bold" panose="00000800000000000000" pitchFamily="2" charset="-127"/>
-                <a:ea typeface="KoPub돋움체 Bold" panose="00000800000000000000" pitchFamily="2" charset="-127"/>
-              </a:rPr>
-              <a:t>06</a:t>
-            </a:r>
-            <a:endParaRPr lang="ko-KR" altLang="en-US" sz="2800" dirty="0">
-              <a:solidFill>
-                <a:srgbClr val="64818D"/>
-              </a:solidFill>
-              <a:latin typeface="KoPub돋움체 Bold" panose="00000800000000000000" pitchFamily="2" charset="-127"/>
-              <a:ea typeface="KoPub돋움체 Bold" panose="00000800000000000000" pitchFamily="2" charset="-127"/>
-            </a:endParaRPr>
-          </a:p>
-        </p:txBody>
-      </p:sp>
-      <p:sp>
-        <p:nvSpPr>
-          <p:cNvPr id="51" name="TextBox 50"/>
-          <p:cNvSpPr txBox="1"/>
-          <p:nvPr/>
-        </p:nvSpPr>
-        <p:spPr>
-          <a:xfrm>
-            <a:off x="929974" y="255211"/>
-            <a:ext cx="2694533" cy="461665"/>
-          </a:xfrm>
-          <a:prstGeom prst="rect">
-            <a:avLst/>
-          </a:prstGeom>
-          <a:noFill/>
-        </p:spPr>
-        <p:txBody>
-          <a:bodyPr wrap="square" rtlCol="0">
-            <a:spAutoFit/>
-          </a:bodyPr>
-          <a:lstStyle/>
-          <a:p>
-            <a:r>
-              <a:rPr lang="ko-KR" altLang="en-US" sz="2400" dirty="0">
-                <a:latin typeface="KoPub돋움체 Bold" panose="00000800000000000000" pitchFamily="2" charset="-127"/>
-                <a:ea typeface="KoPub돋움체 Bold" panose="00000800000000000000" pitchFamily="2" charset="-127"/>
-              </a:rPr>
-              <a:t>제품수익 모델</a:t>
-            </a:r>
-            <a:endParaRPr lang="ko-KR" altLang="en-US" sz="2800" dirty="0">
-              <a:latin typeface="KoPub돋움체 Bold" panose="00000800000000000000" pitchFamily="2" charset="-127"/>
-              <a:ea typeface="KoPub돋움체 Bold" panose="00000800000000000000" pitchFamily="2" charset="-127"/>
-            </a:endParaRPr>
-          </a:p>
-        </p:txBody>
-      </p:sp>
-      <p:sp>
-        <p:nvSpPr>
-          <p:cNvPr id="55" name="직사각형 54"/>
+            <a:endParaRPr lang="ko-KR" altLang="en-US" dirty="0"/>
+          </a:p>
+        </p:txBody>
+      </p:sp>
+      <p:sp>
+        <p:nvSpPr>
+          <p:cNvPr id="4" name="직사각형 3"/>
           <p:cNvSpPr/>
           <p:nvPr/>
         </p:nvSpPr>
         <p:spPr>
           <a:xfrm>
-            <a:off x="844305" y="327485"/>
-            <a:ext cx="45719" cy="307648"/>
+            <a:off x="0" y="0"/>
+            <a:ext cx="12191999" cy="982910"/>
           </a:xfrm>
           <a:prstGeom prst="rect">
             <a:avLst/>
           </a:prstGeom>
           <a:solidFill>
-            <a:srgbClr val="64818D"/>
+            <a:srgbClr val="B7CFCE"/>
           </a:solidFill>
           <a:ln>
             <a:noFill/>
@@ -4032,10 +3964,349 @@
       </p:sp>
       <p:sp>
         <p:nvSpPr>
+          <p:cNvPr id="50" name="TextBox 49"/>
+          <p:cNvSpPr txBox="1"/>
+          <p:nvPr/>
+        </p:nvSpPr>
+        <p:spPr>
+          <a:xfrm>
+            <a:off x="256199" y="219699"/>
+            <a:ext cx="673776" cy="523220"/>
+          </a:xfrm>
+          <a:prstGeom prst="rect">
+            <a:avLst/>
+          </a:prstGeom>
+          <a:noFill/>
+        </p:spPr>
+        <p:txBody>
+          <a:bodyPr wrap="square" rtlCol="0">
+            <a:spAutoFit/>
+          </a:bodyPr>
+          <a:lstStyle/>
+          <a:p>
+            <a:r>
+              <a:rPr lang="en-US" altLang="ko-KR" sz="2800" dirty="0">
+                <a:solidFill>
+                  <a:srgbClr val="64818D"/>
+                </a:solidFill>
+                <a:latin typeface="KoPub돋움체 Bold" panose="00000800000000000000" pitchFamily="2" charset="-127"/>
+                <a:ea typeface="KoPub돋움체 Bold" panose="00000800000000000000" pitchFamily="2" charset="-127"/>
+              </a:rPr>
+              <a:t>05</a:t>
+            </a:r>
+            <a:endParaRPr lang="ko-KR" altLang="en-US" sz="2800" dirty="0">
+              <a:solidFill>
+                <a:srgbClr val="64818D"/>
+              </a:solidFill>
+              <a:latin typeface="KoPub돋움체 Bold" panose="00000800000000000000" pitchFamily="2" charset="-127"/>
+              <a:ea typeface="KoPub돋움체 Bold" panose="00000800000000000000" pitchFamily="2" charset="-127"/>
+            </a:endParaRPr>
+          </a:p>
+        </p:txBody>
+      </p:sp>
+      <p:sp>
+        <p:nvSpPr>
+          <p:cNvPr id="51" name="TextBox 50"/>
+          <p:cNvSpPr txBox="1"/>
+          <p:nvPr/>
+        </p:nvSpPr>
+        <p:spPr>
+          <a:xfrm>
+            <a:off x="929974" y="255211"/>
+            <a:ext cx="2694533" cy="461665"/>
+          </a:xfrm>
+          <a:prstGeom prst="rect">
+            <a:avLst/>
+          </a:prstGeom>
+          <a:noFill/>
+        </p:spPr>
+        <p:txBody>
+          <a:bodyPr wrap="square" rtlCol="0">
+            <a:spAutoFit/>
+          </a:bodyPr>
+          <a:lstStyle/>
+          <a:p>
+            <a:r>
+              <a:rPr lang="en-US" altLang="ko-KR" sz="2400" dirty="0">
+                <a:latin typeface="KoPub돋움체 Bold" panose="00000800000000000000" pitchFamily="2" charset="-127"/>
+                <a:ea typeface="KoPub돋움체 Bold" panose="00000800000000000000" pitchFamily="2" charset="-127"/>
+              </a:rPr>
+              <a:t>SWOT</a:t>
+            </a:r>
+            <a:r>
+              <a:rPr lang="ko-KR" altLang="en-US" sz="2400" dirty="0">
+                <a:latin typeface="KoPub돋움체 Bold" panose="00000800000000000000" pitchFamily="2" charset="-127"/>
+                <a:ea typeface="KoPub돋움체 Bold" panose="00000800000000000000" pitchFamily="2" charset="-127"/>
+              </a:rPr>
+              <a:t> 분석</a:t>
+            </a:r>
+            <a:endParaRPr lang="ko-KR" altLang="en-US" sz="2800" dirty="0">
+              <a:latin typeface="KoPub돋움체 Bold" panose="00000800000000000000" pitchFamily="2" charset="-127"/>
+              <a:ea typeface="KoPub돋움체 Bold" panose="00000800000000000000" pitchFamily="2" charset="-127"/>
+            </a:endParaRPr>
+          </a:p>
+        </p:txBody>
+      </p:sp>
+      <p:sp>
+        <p:nvSpPr>
+          <p:cNvPr id="55" name="직사각형 54"/>
+          <p:cNvSpPr/>
+          <p:nvPr/>
+        </p:nvSpPr>
+        <p:spPr>
+          <a:xfrm>
+            <a:off x="844305" y="327485"/>
+            <a:ext cx="45719" cy="307648"/>
+          </a:xfrm>
+          <a:prstGeom prst="rect">
+            <a:avLst/>
+          </a:prstGeom>
+          <a:solidFill>
+            <a:srgbClr val="64818D"/>
+          </a:solidFill>
+          <a:ln>
+            <a:noFill/>
+          </a:ln>
+        </p:spPr>
+        <p:style>
+          <a:lnRef idx="2">
+            <a:schemeClr val="accent1">
+              <a:shade val="50000"/>
+            </a:schemeClr>
+          </a:lnRef>
+          <a:fillRef idx="1">
+            <a:schemeClr val="accent1"/>
+          </a:fillRef>
+          <a:effectRef idx="0">
+            <a:schemeClr val="accent1"/>
+          </a:effectRef>
+          <a:fontRef idx="minor">
+            <a:schemeClr val="lt1"/>
+          </a:fontRef>
+        </p:style>
+        <p:txBody>
+          <a:bodyPr rtlCol="0" anchor="ctr"/>
+          <a:lstStyle/>
+          <a:p>
+            <a:pPr algn="ctr"/>
+            <a:endParaRPr lang="ko-KR" altLang="en-US"/>
+          </a:p>
+        </p:txBody>
+      </p:sp>
+      <p:sp>
+        <p:nvSpPr>
+          <p:cNvPr id="5" name="직사각형 4">
+            <a:extLst>
+              <a:ext uri="{FF2B5EF4-FFF2-40B4-BE49-F238E27FC236}">
+                <a16:creationId xmlns:a16="http://schemas.microsoft.com/office/drawing/2014/main" id="{28A2BA29-5888-4DD7-BE6D-3578831E2767}"/>
+              </a:ext>
+            </a:extLst>
+          </p:cNvPr>
+          <p:cNvSpPr/>
+          <p:nvPr/>
+        </p:nvSpPr>
+        <p:spPr>
+          <a:xfrm>
+            <a:off x="2400422" y="1674001"/>
+            <a:ext cx="3604334" cy="2104007"/>
+          </a:xfrm>
+          <a:prstGeom prst="rect">
+            <a:avLst/>
+          </a:prstGeom>
+          <a:noFill/>
+          <a:ln w="38100">
+            <a:solidFill>
+              <a:schemeClr val="bg1"/>
+            </a:solidFill>
+          </a:ln>
+        </p:spPr>
+        <p:style>
+          <a:lnRef idx="2">
+            <a:schemeClr val="accent1">
+              <a:shade val="50000"/>
+            </a:schemeClr>
+          </a:lnRef>
+          <a:fillRef idx="1">
+            <a:schemeClr val="accent1"/>
+          </a:fillRef>
+          <a:effectRef idx="0">
+            <a:schemeClr val="accent1"/>
+          </a:effectRef>
+          <a:fontRef idx="minor">
+            <a:schemeClr val="lt1"/>
+          </a:fontRef>
+        </p:style>
+        <p:txBody>
+          <a:bodyPr rtlCol="0" anchor="ctr"/>
+          <a:lstStyle/>
+          <a:p>
+            <a:pPr algn="ctr"/>
+            <a:endParaRPr lang="ko-KR" altLang="en-US"/>
+          </a:p>
+        </p:txBody>
+      </p:sp>
+      <p:sp>
+        <p:nvSpPr>
+          <p:cNvPr id="10" name="직사각형 9">
+            <a:extLst>
+              <a:ext uri="{FF2B5EF4-FFF2-40B4-BE49-F238E27FC236}">
+                <a16:creationId xmlns:a16="http://schemas.microsoft.com/office/drawing/2014/main" id="{943DAD96-B34A-4071-ABD3-BFCF634081EE}"/>
+              </a:ext>
+            </a:extLst>
+          </p:cNvPr>
+          <p:cNvSpPr/>
+          <p:nvPr/>
+        </p:nvSpPr>
+        <p:spPr>
+          <a:xfrm>
+            <a:off x="2400422" y="3778008"/>
+            <a:ext cx="3604334" cy="2116410"/>
+          </a:xfrm>
+          <a:prstGeom prst="rect">
+            <a:avLst/>
+          </a:prstGeom>
+          <a:noFill/>
+          <a:ln w="38100">
+            <a:solidFill>
+              <a:schemeClr val="bg1"/>
+            </a:solidFill>
+          </a:ln>
+        </p:spPr>
+        <p:style>
+          <a:lnRef idx="2">
+            <a:schemeClr val="accent1">
+              <a:shade val="50000"/>
+            </a:schemeClr>
+          </a:lnRef>
+          <a:fillRef idx="1">
+            <a:schemeClr val="accent1"/>
+          </a:fillRef>
+          <a:effectRef idx="0">
+            <a:schemeClr val="accent1"/>
+          </a:effectRef>
+          <a:fontRef idx="minor">
+            <a:schemeClr val="lt1"/>
+          </a:fontRef>
+        </p:style>
+        <p:txBody>
+          <a:bodyPr rtlCol="0" anchor="ctr"/>
+          <a:lstStyle/>
+          <a:p>
+            <a:pPr algn="ctr"/>
+            <a:endParaRPr lang="ko-KR" altLang="en-US"/>
+          </a:p>
+        </p:txBody>
+      </p:sp>
+      <p:sp>
+        <p:nvSpPr>
+          <p:cNvPr id="11" name="직사각형 10">
+            <a:extLst>
+              <a:ext uri="{FF2B5EF4-FFF2-40B4-BE49-F238E27FC236}">
+                <a16:creationId xmlns:a16="http://schemas.microsoft.com/office/drawing/2014/main" id="{0790C2E0-D268-4B94-92F7-2D6814851D73}"/>
+              </a:ext>
+            </a:extLst>
+          </p:cNvPr>
+          <p:cNvSpPr/>
+          <p:nvPr/>
+        </p:nvSpPr>
+        <p:spPr>
+          <a:xfrm>
+            <a:off x="6004756" y="1674001"/>
+            <a:ext cx="3604334" cy="2104007"/>
+          </a:xfrm>
+          <a:prstGeom prst="rect">
+            <a:avLst/>
+          </a:prstGeom>
+          <a:noFill/>
+          <a:ln w="38100">
+            <a:solidFill>
+              <a:schemeClr val="bg1"/>
+            </a:solidFill>
+          </a:ln>
+        </p:spPr>
+        <p:style>
+          <a:lnRef idx="2">
+            <a:schemeClr val="accent1">
+              <a:shade val="50000"/>
+            </a:schemeClr>
+          </a:lnRef>
+          <a:fillRef idx="1">
+            <a:schemeClr val="accent1"/>
+          </a:fillRef>
+          <a:effectRef idx="0">
+            <a:schemeClr val="accent1"/>
+          </a:effectRef>
+          <a:fontRef idx="minor">
+            <a:schemeClr val="lt1"/>
+          </a:fontRef>
+        </p:style>
+        <p:txBody>
+          <a:bodyPr rtlCol="0" anchor="ctr"/>
+          <a:lstStyle/>
+          <a:p>
+            <a:pPr algn="ctr"/>
+            <a:endParaRPr lang="ko-KR" altLang="en-US"/>
+          </a:p>
+        </p:txBody>
+      </p:sp>
+      <p:sp>
+        <p:nvSpPr>
+          <p:cNvPr id="12" name="직사각형 11">
+            <a:extLst>
+              <a:ext uri="{FF2B5EF4-FFF2-40B4-BE49-F238E27FC236}">
+                <a16:creationId xmlns:a16="http://schemas.microsoft.com/office/drawing/2014/main" id="{3FF324D5-9BD3-499E-8C31-A169C37A0887}"/>
+              </a:ext>
+            </a:extLst>
+          </p:cNvPr>
+          <p:cNvSpPr/>
+          <p:nvPr/>
+        </p:nvSpPr>
+        <p:spPr>
+          <a:xfrm>
+            <a:off x="6004756" y="3790411"/>
+            <a:ext cx="3604334" cy="2104007"/>
+          </a:xfrm>
+          <a:prstGeom prst="rect">
+            <a:avLst/>
+          </a:prstGeom>
+          <a:noFill/>
+          <a:ln w="38100">
+            <a:solidFill>
+              <a:schemeClr val="bg1"/>
+            </a:solidFill>
+          </a:ln>
+        </p:spPr>
+        <p:style>
+          <a:lnRef idx="2">
+            <a:schemeClr val="accent1">
+              <a:shade val="50000"/>
+            </a:schemeClr>
+          </a:lnRef>
+          <a:fillRef idx="1">
+            <a:schemeClr val="accent1"/>
+          </a:fillRef>
+          <a:effectRef idx="0">
+            <a:schemeClr val="accent1"/>
+          </a:effectRef>
+          <a:fontRef idx="minor">
+            <a:schemeClr val="lt1"/>
+          </a:fontRef>
+        </p:style>
+        <p:txBody>
+          <a:bodyPr rtlCol="0" anchor="ctr"/>
+          <a:lstStyle/>
+          <a:p>
+            <a:pPr algn="ctr"/>
+            <a:endParaRPr lang="ko-KR" altLang="en-US"/>
+          </a:p>
+        </p:txBody>
+      </p:sp>
+      <p:sp>
+        <p:nvSpPr>
           <p:cNvPr id="7" name="TextBox 6">
             <a:extLst>
               <a:ext uri="{FF2B5EF4-FFF2-40B4-BE49-F238E27FC236}">
-                <a16:creationId xmlns:a16="http://schemas.microsoft.com/office/drawing/2014/main" id="{CF7958C7-03AB-48FD-B64C-F603097D74F8}"/>
+                <a16:creationId xmlns:a16="http://schemas.microsoft.com/office/drawing/2014/main" id="{87B4FD17-32E5-468D-840C-34786DC7EFD8}"/>
               </a:ext>
             </a:extLst>
           </p:cNvPr>
@@ -4044,8 +4315,8 @@
         </p:nvSpPr>
         <p:spPr>
           <a:xfrm>
-            <a:off x="1018750" y="1766069"/>
-            <a:ext cx="10122725" cy="4485843"/>
+            <a:off x="5245999" y="3248550"/>
+            <a:ext cx="758757" cy="400110"/>
           </a:xfrm>
           <a:prstGeom prst="rect">
             <a:avLst/>
@@ -4059,233 +4330,381 @@
           <a:lstStyle/>
           <a:p>
             <a:r>
-              <a:rPr lang="en-US" altLang="ko-KR" sz="2000" dirty="0"/>
-              <a:t>- </a:t>
-            </a:r>
-            <a:r>
               <a:rPr lang="ko-KR" altLang="en-US" sz="2000" dirty="0"/>
-              <a:t>수익 구조</a:t>
-            </a:r>
-            <a:endParaRPr lang="en-US" altLang="ko-KR" sz="2000" dirty="0"/>
-          </a:p>
-          <a:p>
-            <a:endParaRPr lang="en-US" altLang="ko-KR" sz="1050" dirty="0"/>
-          </a:p>
-          <a:p>
-            <a:r>
-              <a:rPr lang="en-US" altLang="ko-KR" sz="2000" dirty="0"/>
-              <a:t>     1. </a:t>
-            </a:r>
+              <a:t>강점</a:t>
+            </a:r>
+          </a:p>
+        </p:txBody>
+      </p:sp>
+      <p:sp>
+        <p:nvSpPr>
+          <p:cNvPr id="15" name="TextBox 14">
+            <a:extLst>
+              <a:ext uri="{FF2B5EF4-FFF2-40B4-BE49-F238E27FC236}">
+                <a16:creationId xmlns:a16="http://schemas.microsoft.com/office/drawing/2014/main" id="{F41E91B9-6C4D-4F3A-B65D-D853C6001099}"/>
+              </a:ext>
+            </a:extLst>
+          </p:cNvPr>
+          <p:cNvSpPr txBox="1"/>
+          <p:nvPr/>
+        </p:nvSpPr>
+        <p:spPr>
+          <a:xfrm>
+            <a:off x="5245998" y="3830376"/>
+            <a:ext cx="758757" cy="400110"/>
+          </a:xfrm>
+          <a:prstGeom prst="rect">
+            <a:avLst/>
+          </a:prstGeom>
+          <a:noFill/>
+        </p:spPr>
+        <p:txBody>
+          <a:bodyPr wrap="square" rtlCol="0">
+            <a:spAutoFit/>
+          </a:bodyPr>
+          <a:lstStyle/>
+          <a:p>
             <a:r>
               <a:rPr lang="ko-KR" altLang="en-US" sz="2000" dirty="0"/>
-              <a:t>거래 수익모델 </a:t>
-            </a:r>
-            <a:r>
-              <a:rPr lang="en-US" altLang="ko-KR" sz="2000" dirty="0"/>
-              <a:t>– </a:t>
-            </a:r>
+              <a:t>기회</a:t>
+            </a:r>
+          </a:p>
+        </p:txBody>
+      </p:sp>
+      <p:sp>
+        <p:nvSpPr>
+          <p:cNvPr id="16" name="TextBox 15">
+            <a:extLst>
+              <a:ext uri="{FF2B5EF4-FFF2-40B4-BE49-F238E27FC236}">
+                <a16:creationId xmlns:a16="http://schemas.microsoft.com/office/drawing/2014/main" id="{2F5ED264-7357-4B62-A010-FAF01F8D8AD9}"/>
+              </a:ext>
+            </a:extLst>
+          </p:cNvPr>
+          <p:cNvSpPr txBox="1"/>
+          <p:nvPr/>
+        </p:nvSpPr>
+        <p:spPr>
+          <a:xfrm>
+            <a:off x="6082575" y="3830376"/>
+            <a:ext cx="758757" cy="400110"/>
+          </a:xfrm>
+          <a:prstGeom prst="rect">
+            <a:avLst/>
+          </a:prstGeom>
+          <a:noFill/>
+        </p:spPr>
+        <p:txBody>
+          <a:bodyPr wrap="square" rtlCol="0">
+            <a:spAutoFit/>
+          </a:bodyPr>
+          <a:lstStyle/>
+          <a:p>
             <a:r>
               <a:rPr lang="ko-KR" altLang="en-US" sz="2000" dirty="0"/>
-              <a:t>기술 판매</a:t>
-            </a:r>
-          </a:p>
+              <a:t>위협</a:t>
+            </a:r>
+          </a:p>
+        </p:txBody>
+      </p:sp>
+      <p:sp>
+        <p:nvSpPr>
+          <p:cNvPr id="17" name="TextBox 16">
+            <a:extLst>
+              <a:ext uri="{FF2B5EF4-FFF2-40B4-BE49-F238E27FC236}">
+                <a16:creationId xmlns:a16="http://schemas.microsoft.com/office/drawing/2014/main" id="{6E7629B8-CB00-4901-B3C9-A183733ABAAE}"/>
+              </a:ext>
+            </a:extLst>
+          </p:cNvPr>
+          <p:cNvSpPr txBox="1"/>
+          <p:nvPr/>
+        </p:nvSpPr>
+        <p:spPr>
+          <a:xfrm>
+            <a:off x="6079334" y="3248550"/>
+            <a:ext cx="758757" cy="400110"/>
+          </a:xfrm>
+          <a:prstGeom prst="rect">
+            <a:avLst/>
+          </a:prstGeom>
+          <a:noFill/>
+        </p:spPr>
+        <p:txBody>
+          <a:bodyPr wrap="square" rtlCol="0">
+            <a:spAutoFit/>
+          </a:bodyPr>
+          <a:lstStyle/>
           <a:p>
             <a:r>
               <a:rPr lang="ko-KR" altLang="en-US" sz="2000" dirty="0"/>
-              <a:t>     </a:t>
-            </a:r>
-            <a:r>
-              <a:rPr lang="en-US" altLang="ko-KR" sz="2000" dirty="0"/>
-              <a:t>2. </a:t>
-            </a:r>
-            <a:r>
-              <a:rPr lang="ko-KR" altLang="en-US" sz="2000" dirty="0"/>
-              <a:t>구독 모델 </a:t>
-            </a:r>
-            <a:r>
-              <a:rPr lang="en-US" altLang="ko-KR" sz="2000" dirty="0"/>
-              <a:t>+ Premium </a:t>
-            </a:r>
-            <a:r>
-              <a:rPr lang="ko-KR" altLang="en-US" sz="2000" dirty="0"/>
-              <a:t>모델</a:t>
-            </a:r>
-            <a:r>
-              <a:rPr lang="en-US" altLang="ko-KR" sz="2000" dirty="0"/>
-              <a:t> – </a:t>
-            </a:r>
-            <a:r>
-              <a:rPr lang="ko-KR" altLang="en-US" sz="2000" dirty="0"/>
-              <a:t>창업 후 서비스 제공 </a:t>
-            </a:r>
-            <a:r>
-              <a:rPr lang="en-US" altLang="ko-KR" sz="2000" dirty="0"/>
-              <a:t>&amp; </a:t>
-            </a:r>
-            <a:r>
-              <a:rPr lang="ko-KR" altLang="en-US" sz="2000" dirty="0"/>
-              <a:t>유지 보수</a:t>
-            </a:r>
-            <a:endParaRPr lang="en-US" altLang="ko-KR" sz="2000" dirty="0"/>
-          </a:p>
-          <a:p>
+              <a:t>약점</a:t>
+            </a:r>
+          </a:p>
+        </p:txBody>
+      </p:sp>
+      <p:sp>
+        <p:nvSpPr>
+          <p:cNvPr id="14" name="TextBox 13">
+            <a:extLst>
+              <a:ext uri="{FF2B5EF4-FFF2-40B4-BE49-F238E27FC236}">
+                <a16:creationId xmlns:a16="http://schemas.microsoft.com/office/drawing/2014/main" id="{0D6CF7AC-D463-4F67-8FEC-32F6D0E3920E}"/>
+              </a:ext>
+            </a:extLst>
+          </p:cNvPr>
+          <p:cNvSpPr txBox="1"/>
+          <p:nvPr/>
+        </p:nvSpPr>
+        <p:spPr>
+          <a:xfrm>
+            <a:off x="6178496" y="4438512"/>
+            <a:ext cx="3008973" cy="646331"/>
+          </a:xfrm>
+          <a:prstGeom prst="rect">
+            <a:avLst/>
+          </a:prstGeom>
+          <a:noFill/>
+        </p:spPr>
+        <p:txBody>
+          <a:bodyPr wrap="square" rtlCol="0">
+            <a:spAutoFit/>
+          </a:bodyPr>
+          <a:lstStyle/>
+          <a:p>
+            <a:pPr marL="285750" indent="-285750">
+              <a:buFont typeface="Arial" panose="020B0604020202020204" pitchFamily="34" charset="0"/>
+              <a:buChar char="•"/>
+            </a:pPr>
+            <a:r>
+              <a:rPr lang="en-US" altLang="ko-KR" dirty="0"/>
+              <a:t>KT, </a:t>
+            </a:r>
+            <a:r>
+              <a:rPr lang="ko-KR" altLang="en-US" dirty="0" err="1"/>
+              <a:t>에스원</a:t>
+            </a:r>
+            <a:r>
+              <a:rPr lang="ko-KR" altLang="en-US" dirty="0"/>
+              <a:t> 등의 대기업의 시장진출</a:t>
+            </a:r>
+            <a:endParaRPr lang="en-US" altLang="ko-KR" dirty="0"/>
+          </a:p>
+        </p:txBody>
+      </p:sp>
+      <p:sp>
+        <p:nvSpPr>
+          <p:cNvPr id="22" name="TextBox 21">
+            <a:extLst>
+              <a:ext uri="{FF2B5EF4-FFF2-40B4-BE49-F238E27FC236}">
+                <a16:creationId xmlns:a16="http://schemas.microsoft.com/office/drawing/2014/main" id="{E95F4990-E67C-4DD0-BE1F-9B1E962F5B47}"/>
+              </a:ext>
+            </a:extLst>
+          </p:cNvPr>
+          <p:cNvSpPr txBox="1"/>
+          <p:nvPr/>
+        </p:nvSpPr>
+        <p:spPr>
+          <a:xfrm>
+            <a:off x="2416637" y="4168728"/>
+            <a:ext cx="3414379" cy="1600438"/>
+          </a:xfrm>
+          <a:prstGeom prst="rect">
+            <a:avLst/>
+          </a:prstGeom>
+          <a:noFill/>
+        </p:spPr>
+        <p:txBody>
+          <a:bodyPr wrap="square" rtlCol="0">
+            <a:spAutoFit/>
+          </a:bodyPr>
+          <a:lstStyle/>
+          <a:p>
+            <a:pPr marL="285750" indent="-285750">
+              <a:buFont typeface="Arial" panose="020B0604020202020204" pitchFamily="34" charset="0"/>
+              <a:buChar char="•"/>
+            </a:pPr>
+            <a:r>
+              <a:rPr lang="ko-KR" altLang="en-US" dirty="0"/>
+              <a:t>법률 개정</a:t>
+            </a:r>
+            <a:endParaRPr lang="en-US" altLang="ko-KR" dirty="0"/>
+          </a:p>
+          <a:p>
+            <a:r>
+              <a:rPr lang="en-US" altLang="ko-KR" sz="1400" dirty="0"/>
+              <a:t>(</a:t>
+            </a:r>
+            <a:r>
+              <a:rPr lang="ko-KR" altLang="en-US" sz="1400" dirty="0"/>
+              <a:t>단지 내 네트워크 카메라 설치 가능</a:t>
+            </a:r>
+            <a:r>
+              <a:rPr lang="en-US" altLang="ko-KR" sz="1400" dirty="0"/>
+              <a:t>)</a:t>
+            </a:r>
+          </a:p>
+          <a:p>
+            <a:endParaRPr lang="en-US" altLang="ko-KR" sz="1200" dirty="0"/>
+          </a:p>
+          <a:p>
+            <a:pPr marL="285750" indent="-285750">
+              <a:buFont typeface="Arial" panose="020B0604020202020204" pitchFamily="34" charset="0"/>
+              <a:buChar char="•"/>
+            </a:pPr>
+            <a:r>
+              <a:rPr lang="ko-KR" altLang="en-US" dirty="0"/>
+              <a:t>보안 업계 최대 관심인 지능형 영상분석</a:t>
+            </a:r>
+            <a:endParaRPr lang="en-US" altLang="ko-KR" dirty="0"/>
+          </a:p>
+          <a:p>
+            <a:pPr marL="285750" indent="-285750">
+              <a:buFont typeface="Arial" panose="020B0604020202020204" pitchFamily="34" charset="0"/>
+              <a:buChar char="•"/>
+            </a:pPr>
+            <a:endParaRPr lang="ko-KR" altLang="en-US" dirty="0"/>
+          </a:p>
+        </p:txBody>
+      </p:sp>
+      <p:sp>
+        <p:nvSpPr>
+          <p:cNvPr id="23" name="TextBox 22">
+            <a:extLst>
+              <a:ext uri="{FF2B5EF4-FFF2-40B4-BE49-F238E27FC236}">
+                <a16:creationId xmlns:a16="http://schemas.microsoft.com/office/drawing/2014/main" id="{C592FC9F-45A0-481F-92CC-6ABAC6DF735E}"/>
+              </a:ext>
+            </a:extLst>
+          </p:cNvPr>
+          <p:cNvSpPr txBox="1"/>
+          <p:nvPr/>
+        </p:nvSpPr>
+        <p:spPr>
+          <a:xfrm>
+            <a:off x="0" y="6585510"/>
+            <a:ext cx="4401480" cy="261610"/>
+          </a:xfrm>
+          <a:prstGeom prst="rect">
+            <a:avLst/>
+          </a:prstGeom>
+          <a:noFill/>
+        </p:spPr>
+        <p:txBody>
+          <a:bodyPr wrap="square" rtlCol="0">
+            <a:spAutoFit/>
+          </a:bodyPr>
+          <a:lstStyle/>
+          <a:p>
+            <a:r>
+              <a:rPr lang="ko-KR" altLang="en-US" sz="1100" dirty="0"/>
+              <a:t>자료제공</a:t>
+            </a:r>
+            <a:r>
+              <a:rPr lang="en-US" altLang="ko-KR" sz="1100" dirty="0"/>
+              <a:t>: https://www.boannews.com/media/view.asp?idx=70612</a:t>
+            </a:r>
+            <a:endParaRPr lang="ko-KR" altLang="en-US" sz="1100" dirty="0"/>
+          </a:p>
+        </p:txBody>
+      </p:sp>
+      <p:sp>
+        <p:nvSpPr>
+          <p:cNvPr id="18" name="TextBox 17">
+            <a:extLst>
+              <a:ext uri="{FF2B5EF4-FFF2-40B4-BE49-F238E27FC236}">
+                <a16:creationId xmlns:a16="http://schemas.microsoft.com/office/drawing/2014/main" id="{63F03E7C-D966-45D1-942B-CAA9502A305D}"/>
+              </a:ext>
+            </a:extLst>
+          </p:cNvPr>
+          <p:cNvSpPr txBox="1"/>
+          <p:nvPr/>
+        </p:nvSpPr>
+        <p:spPr>
+          <a:xfrm>
+            <a:off x="6178496" y="1946871"/>
+            <a:ext cx="3289189" cy="1369606"/>
+          </a:xfrm>
+          <a:prstGeom prst="rect">
+            <a:avLst/>
+          </a:prstGeom>
+          <a:noFill/>
+        </p:spPr>
+        <p:txBody>
+          <a:bodyPr wrap="square" rtlCol="0">
+            <a:spAutoFit/>
+          </a:bodyPr>
+          <a:lstStyle/>
+          <a:p>
+            <a:pPr marL="285750" indent="-285750">
+              <a:buFont typeface="Arial" panose="020B0604020202020204" pitchFamily="34" charset="0"/>
+              <a:buChar char="•"/>
+            </a:pPr>
+            <a:r>
+              <a:rPr lang="ko-KR" altLang="en-US" dirty="0"/>
+              <a:t>사고 관한 조치는 후속조치만 가능</a:t>
+            </a:r>
+            <a:endParaRPr lang="en-US" altLang="ko-KR" dirty="0"/>
+          </a:p>
+          <a:p>
+            <a:pPr marL="285750" indent="-285750">
+              <a:buFont typeface="Arial" panose="020B0604020202020204" pitchFamily="34" charset="0"/>
+              <a:buChar char="•"/>
+            </a:pPr>
             <a:endParaRPr lang="en-US" altLang="ko-KR" sz="1100" dirty="0"/>
           </a:p>
           <a:p>
-            <a:r>
-              <a:rPr lang="en-US" altLang="ko-KR" sz="1600" dirty="0"/>
-              <a:t>	</a:t>
-            </a:r>
-            <a:r>
-              <a:rPr lang="ko-KR" altLang="en-US" sz="1600" dirty="0"/>
-              <a:t>구독 모델</a:t>
-            </a:r>
-            <a:r>
-              <a:rPr lang="en-US" altLang="ko-KR" sz="1600" dirty="0"/>
-              <a:t>: </a:t>
-            </a:r>
-            <a:r>
-              <a:rPr lang="ko-KR" altLang="en-US" sz="1600" dirty="0"/>
-              <a:t>서비스를 월 단위 혹은 년 단위로 계약</a:t>
-            </a:r>
-            <a:r>
-              <a:rPr lang="en-US" altLang="ko-KR" sz="1600" dirty="0"/>
-              <a:t>.</a:t>
-            </a:r>
-          </a:p>
-          <a:p>
-            <a:r>
-              <a:rPr lang="en-US" altLang="ko-KR" sz="1600" dirty="0"/>
-              <a:t>	Premium </a:t>
-            </a:r>
-            <a:r>
-              <a:rPr lang="ko-KR" altLang="en-US" sz="1600" dirty="0"/>
-              <a:t>모델</a:t>
-            </a:r>
-            <a:r>
-              <a:rPr lang="en-US" altLang="ko-KR" sz="1600" dirty="0"/>
-              <a:t>: </a:t>
-            </a:r>
-            <a:r>
-              <a:rPr lang="ko-KR" altLang="en-US" sz="1600" dirty="0"/>
-              <a:t>구독 모델에 추가 금액 지불 시 부가 기능 추가 가능</a:t>
-            </a:r>
-            <a:r>
-              <a:rPr lang="en-US" altLang="ko-KR" sz="1600" dirty="0"/>
-              <a:t> </a:t>
-            </a:r>
-          </a:p>
-          <a:p>
-            <a:endParaRPr lang="en-US" altLang="ko-KR" sz="2000" dirty="0"/>
-          </a:p>
-          <a:p>
-            <a:endParaRPr lang="ko-KR" altLang="en-US" dirty="0"/>
-          </a:p>
-          <a:p>
-            <a:r>
-              <a:rPr lang="en-US" altLang="ko-KR" sz="2000" dirty="0"/>
-              <a:t>- </a:t>
-            </a:r>
-            <a:r>
-              <a:rPr lang="ko-KR" altLang="en-US" sz="2000" dirty="0"/>
-              <a:t>창업 및 운영 전략</a:t>
-            </a:r>
-            <a:endParaRPr lang="en-US" altLang="ko-KR" sz="2000" dirty="0"/>
-          </a:p>
-          <a:p>
-            <a:endParaRPr lang="en-US" altLang="ko-KR" sz="1200" dirty="0"/>
-          </a:p>
-          <a:p>
-            <a:r>
-              <a:rPr lang="en-US" altLang="ko-KR" sz="2000" dirty="0"/>
-              <a:t>     1. </a:t>
-            </a:r>
-            <a:r>
-              <a:rPr lang="ko-KR" altLang="en-US" sz="2000" dirty="0"/>
-              <a:t>투자자금 확보 </a:t>
-            </a:r>
-            <a:r>
-              <a:rPr lang="en-US" altLang="ko-KR" sz="2000" dirty="0"/>
-              <a:t>(</a:t>
-            </a:r>
-            <a:r>
-              <a:rPr lang="ko-KR" altLang="en-US" sz="2000" dirty="0"/>
-              <a:t>중소기업청에서 </a:t>
-            </a:r>
-            <a:r>
-              <a:rPr lang="en-US" altLang="ko-KR" sz="2000" dirty="0"/>
-              <a:t>IT </a:t>
-            </a:r>
-            <a:r>
-              <a:rPr lang="ko-KR" altLang="en-US" sz="2000" dirty="0" err="1"/>
-              <a:t>스타트업</a:t>
-            </a:r>
-            <a:r>
-              <a:rPr lang="ko-KR" altLang="en-US" sz="2000" dirty="0"/>
-              <a:t> 지원 등</a:t>
-            </a:r>
-            <a:r>
-              <a:rPr lang="en-US" altLang="ko-KR" sz="2000" dirty="0"/>
-              <a:t>)</a:t>
-            </a:r>
-          </a:p>
-          <a:p>
-            <a:r>
-              <a:rPr lang="en-US" altLang="ko-KR" sz="2000" dirty="0"/>
-              <a:t>     2. </a:t>
-            </a:r>
-            <a:r>
-              <a:rPr lang="ko-KR" altLang="en-US" sz="2000" dirty="0"/>
-              <a:t>사업 홍보 </a:t>
-            </a:r>
-            <a:r>
-              <a:rPr lang="en-US" altLang="ko-KR" sz="2000" dirty="0"/>
-              <a:t>(</a:t>
-            </a:r>
-            <a:r>
-              <a:rPr lang="ko-KR" altLang="en-US" sz="2000" dirty="0"/>
-              <a:t>서울 창업박람회 등</a:t>
-            </a:r>
-            <a:r>
-              <a:rPr lang="en-US" altLang="ko-KR" sz="2000" dirty="0"/>
-              <a:t>)</a:t>
-            </a:r>
-          </a:p>
-          <a:p>
-            <a:r>
-              <a:rPr lang="en-US" altLang="ko-KR" sz="2000" dirty="0"/>
-              <a:t>     3. </a:t>
-            </a:r>
-            <a:r>
-              <a:rPr lang="ko-KR" altLang="en-US" sz="2000" dirty="0"/>
-              <a:t>기존</a:t>
-            </a:r>
-            <a:r>
-              <a:rPr lang="en-US" altLang="ko-KR" sz="2000" dirty="0"/>
-              <a:t>, </a:t>
-            </a:r>
-            <a:r>
-              <a:rPr lang="ko-KR" altLang="en-US" sz="2000" dirty="0"/>
-              <a:t>신축 대단위 아파트와 계약 및 유지 보수</a:t>
-            </a:r>
-            <a:endParaRPr lang="en-US" altLang="ko-KR" sz="2000" dirty="0"/>
-          </a:p>
-          <a:p>
-            <a:endParaRPr lang="ko-KR" altLang="en-US" sz="2000" dirty="0"/>
-          </a:p>
-          <a:p>
-            <a:r>
-              <a:rPr lang="ko-KR" altLang="en-US" sz="2000" dirty="0"/>
-              <a:t> </a:t>
-            </a:r>
-            <a:endParaRPr lang="en-US" altLang="ko-KR" sz="2000" dirty="0"/>
+            <a:pPr marL="285750" indent="-285750">
+              <a:buFont typeface="Arial" panose="020B0604020202020204" pitchFamily="34" charset="0"/>
+              <a:buChar char="•"/>
+            </a:pPr>
+            <a:r>
+              <a:rPr lang="ko-KR" altLang="en-US" dirty="0"/>
+              <a:t>대기업과 달리 신뢰성 있는 협회의 인증 부족</a:t>
+            </a:r>
+          </a:p>
+        </p:txBody>
+      </p:sp>
+      <p:sp>
+        <p:nvSpPr>
+          <p:cNvPr id="25" name="TextBox 24">
+            <a:extLst>
+              <a:ext uri="{FF2B5EF4-FFF2-40B4-BE49-F238E27FC236}">
+                <a16:creationId xmlns:a16="http://schemas.microsoft.com/office/drawing/2014/main" id="{20F29232-DBAA-4E79-A1F2-270BAFED654C}"/>
+              </a:ext>
+            </a:extLst>
+          </p:cNvPr>
+          <p:cNvSpPr txBox="1"/>
+          <p:nvPr/>
+        </p:nvSpPr>
+        <p:spPr>
+          <a:xfrm>
+            <a:off x="2400422" y="2223837"/>
+            <a:ext cx="3289189" cy="923330"/>
+          </a:xfrm>
+          <a:prstGeom prst="rect">
+            <a:avLst/>
+          </a:prstGeom>
+          <a:noFill/>
+        </p:spPr>
+        <p:txBody>
+          <a:bodyPr wrap="square" rtlCol="0">
+            <a:spAutoFit/>
+          </a:bodyPr>
+          <a:lstStyle/>
+          <a:p>
+            <a:pPr marL="285750" indent="-285750">
+              <a:buFont typeface="Arial" panose="020B0604020202020204" pitchFamily="34" charset="0"/>
+              <a:buChar char="•"/>
+            </a:pPr>
+            <a:r>
+              <a:rPr lang="ko-KR" altLang="en-US" dirty="0"/>
+              <a:t>단일 서비스 모델이 아닌 프리미엄을 통한 맞춤형 서비스 제공가능</a:t>
+            </a:r>
+            <a:endParaRPr lang="en-US" altLang="ko-KR" dirty="0"/>
           </a:p>
         </p:txBody>
       </p:sp>
     </p:spTree>
     <p:extLst>
       <p:ext uri="{BB962C8B-B14F-4D97-AF65-F5344CB8AC3E}">
-        <p14:creationId xmlns:p14="http://schemas.microsoft.com/office/powerpoint/2010/main" val="2449262119"/>
+        <p14:creationId xmlns:p14="http://schemas.microsoft.com/office/powerpoint/2010/main" val="3203783649"/>
       </p:ext>
     </p:extLst>
   </p:cSld>
@@ -4388,7 +4807,1244 @@
                 <a:latin typeface="KoPub돋움체 Bold" panose="00000800000000000000" pitchFamily="2" charset="-127"/>
                 <a:ea typeface="KoPub돋움체 Bold" panose="00000800000000000000" pitchFamily="2" charset="-127"/>
               </a:rPr>
+              <a:t>06</a:t>
+            </a:r>
+            <a:endParaRPr lang="ko-KR" altLang="en-US" sz="2800" dirty="0">
+              <a:solidFill>
+                <a:srgbClr val="64818D"/>
+              </a:solidFill>
+              <a:latin typeface="KoPub돋움체 Bold" panose="00000800000000000000" pitchFamily="2" charset="-127"/>
+              <a:ea typeface="KoPub돋움체 Bold" panose="00000800000000000000" pitchFamily="2" charset="-127"/>
+            </a:endParaRPr>
+          </a:p>
+        </p:txBody>
+      </p:sp>
+      <p:sp>
+        <p:nvSpPr>
+          <p:cNvPr id="51" name="TextBox 50"/>
+          <p:cNvSpPr txBox="1"/>
+          <p:nvPr/>
+        </p:nvSpPr>
+        <p:spPr>
+          <a:xfrm>
+            <a:off x="929974" y="255211"/>
+            <a:ext cx="2694533" cy="461665"/>
+          </a:xfrm>
+          <a:prstGeom prst="rect">
+            <a:avLst/>
+          </a:prstGeom>
+          <a:noFill/>
+        </p:spPr>
+        <p:txBody>
+          <a:bodyPr wrap="square" rtlCol="0">
+            <a:spAutoFit/>
+          </a:bodyPr>
+          <a:lstStyle/>
+          <a:p>
+            <a:r>
+              <a:rPr lang="ko-KR" altLang="en-US" sz="2400" dirty="0">
+                <a:latin typeface="KoPub돋움체 Bold" panose="00000800000000000000" pitchFamily="2" charset="-127"/>
+                <a:ea typeface="KoPub돋움체 Bold" panose="00000800000000000000" pitchFamily="2" charset="-127"/>
+              </a:rPr>
+              <a:t>경쟁업체</a:t>
+            </a:r>
+            <a:endParaRPr lang="ko-KR" altLang="en-US" sz="2800" dirty="0">
+              <a:latin typeface="KoPub돋움체 Bold" panose="00000800000000000000" pitchFamily="2" charset="-127"/>
+              <a:ea typeface="KoPub돋움체 Bold" panose="00000800000000000000" pitchFamily="2" charset="-127"/>
+            </a:endParaRPr>
+          </a:p>
+        </p:txBody>
+      </p:sp>
+      <p:sp>
+        <p:nvSpPr>
+          <p:cNvPr id="55" name="직사각형 54"/>
+          <p:cNvSpPr/>
+          <p:nvPr/>
+        </p:nvSpPr>
+        <p:spPr>
+          <a:xfrm>
+            <a:off x="844305" y="327485"/>
+            <a:ext cx="45719" cy="307648"/>
+          </a:xfrm>
+          <a:prstGeom prst="rect">
+            <a:avLst/>
+          </a:prstGeom>
+          <a:solidFill>
+            <a:srgbClr val="64818D"/>
+          </a:solidFill>
+          <a:ln>
+            <a:noFill/>
+          </a:ln>
+        </p:spPr>
+        <p:style>
+          <a:lnRef idx="2">
+            <a:schemeClr val="accent1">
+              <a:shade val="50000"/>
+            </a:schemeClr>
+          </a:lnRef>
+          <a:fillRef idx="1">
+            <a:schemeClr val="accent1"/>
+          </a:fillRef>
+          <a:effectRef idx="0">
+            <a:schemeClr val="accent1"/>
+          </a:effectRef>
+          <a:fontRef idx="minor">
+            <a:schemeClr val="lt1"/>
+          </a:fontRef>
+        </p:style>
+        <p:txBody>
+          <a:bodyPr rtlCol="0" anchor="ctr"/>
+          <a:lstStyle/>
+          <a:p>
+            <a:pPr algn="ctr"/>
+            <a:endParaRPr lang="ko-KR" altLang="en-US"/>
+          </a:p>
+        </p:txBody>
+      </p:sp>
+      <p:graphicFrame>
+        <p:nvGraphicFramePr>
+          <p:cNvPr id="3" name="표 2">
+            <a:extLst>
+              <a:ext uri="{FF2B5EF4-FFF2-40B4-BE49-F238E27FC236}">
+                <a16:creationId xmlns:a16="http://schemas.microsoft.com/office/drawing/2014/main" id="{4AF33FA3-0E34-4583-8841-51C6CC8F5A89}"/>
+              </a:ext>
+            </a:extLst>
+          </p:cNvPr>
+          <p:cNvGraphicFramePr>
+            <a:graphicFrameLocks noGrp="1"/>
+          </p:cNvGraphicFramePr>
+          <p:nvPr>
+            <p:extLst>
+              <p:ext uri="{D42A27DB-BD31-4B8C-83A1-F6EECF244321}">
+                <p14:modId xmlns:p14="http://schemas.microsoft.com/office/powerpoint/2010/main" val="3773139280"/>
+              </p:ext>
+            </p:extLst>
+          </p:nvPr>
+        </p:nvGraphicFramePr>
+        <p:xfrm>
+          <a:off x="1148565" y="1211161"/>
+          <a:ext cx="9894867" cy="3904943"/>
+        </p:xfrm>
+        <a:graphic>
+          <a:graphicData uri="http://schemas.openxmlformats.org/drawingml/2006/table">
+            <a:tbl>
+              <a:tblPr firstRow="1" bandRow="1">
+                <a:tableStyleId>{5C22544A-7EE6-4342-B048-85BDC9FD1C3A}</a:tableStyleId>
+              </a:tblPr>
+              <a:tblGrid>
+                <a:gridCol w="3298289">
+                  <a:extLst>
+                    <a:ext uri="{9D8B030D-6E8A-4147-A177-3AD203B41FA5}">
+                      <a16:colId xmlns:a16="http://schemas.microsoft.com/office/drawing/2014/main" val="3938485811"/>
+                    </a:ext>
+                  </a:extLst>
+                </a:gridCol>
+                <a:gridCol w="3298289">
+                  <a:extLst>
+                    <a:ext uri="{9D8B030D-6E8A-4147-A177-3AD203B41FA5}">
+                      <a16:colId xmlns:a16="http://schemas.microsoft.com/office/drawing/2014/main" val="1614459584"/>
+                    </a:ext>
+                  </a:extLst>
+                </a:gridCol>
+                <a:gridCol w="3298289">
+                  <a:extLst>
+                    <a:ext uri="{9D8B030D-6E8A-4147-A177-3AD203B41FA5}">
+                      <a16:colId xmlns:a16="http://schemas.microsoft.com/office/drawing/2014/main" val="1457949304"/>
+                    </a:ext>
+                  </a:extLst>
+                </a:gridCol>
+              </a:tblGrid>
+              <a:tr h="354319">
+                <a:tc>
+                  <a:txBody>
+                    <a:bodyPr/>
+                    <a:lstStyle/>
+                    <a:p>
+                      <a:pPr algn="ctr" latinLnBrk="1"/>
+                      <a:r>
+                        <a:rPr lang="ko-KR" altLang="en-US" dirty="0">
+                          <a:solidFill>
+                            <a:schemeClr val="tx1"/>
+                          </a:solidFill>
+                        </a:rPr>
+                        <a:t>기가 아이즈</a:t>
+                      </a:r>
+                    </a:p>
+                  </a:txBody>
+                  <a:tcPr>
+                    <a:solidFill>
+                      <a:srgbClr val="B7CFCE"/>
+                    </a:solidFill>
+                  </a:tcPr>
+                </a:tc>
+                <a:tc>
+                  <a:txBody>
+                    <a:bodyPr/>
+                    <a:lstStyle/>
+                    <a:p>
+                      <a:pPr algn="ctr" latinLnBrk="1"/>
+                      <a:r>
+                        <a:rPr lang="ko-KR" altLang="en-US" dirty="0" err="1">
+                          <a:solidFill>
+                            <a:schemeClr val="tx1"/>
+                          </a:solidFill>
+                        </a:rPr>
+                        <a:t>에스원</a:t>
+                      </a:r>
+                      <a:endParaRPr lang="ko-KR" altLang="en-US" dirty="0">
+                        <a:solidFill>
+                          <a:schemeClr val="tx1"/>
+                        </a:solidFill>
+                      </a:endParaRPr>
+                    </a:p>
+                  </a:txBody>
+                  <a:tcPr>
+                    <a:solidFill>
+                      <a:srgbClr val="B7CFCE"/>
+                    </a:solidFill>
+                  </a:tcPr>
+                </a:tc>
+                <a:tc>
+                  <a:txBody>
+                    <a:bodyPr/>
+                    <a:lstStyle/>
+                    <a:p>
+                      <a:pPr algn="ctr" latinLnBrk="1"/>
+                      <a:r>
+                        <a:rPr lang="ko-KR" altLang="en-US" dirty="0" err="1">
+                          <a:solidFill>
+                            <a:schemeClr val="tx1"/>
+                          </a:solidFill>
+                        </a:rPr>
+                        <a:t>일리시스</a:t>
+                      </a:r>
+                      <a:endParaRPr lang="ko-KR" altLang="en-US" dirty="0">
+                        <a:solidFill>
+                          <a:schemeClr val="tx1"/>
+                        </a:solidFill>
+                      </a:endParaRPr>
+                    </a:p>
+                  </a:txBody>
+                  <a:tcPr>
+                    <a:solidFill>
+                      <a:srgbClr val="B7CFCE"/>
+                    </a:solidFill>
+                  </a:tcPr>
+                </a:tc>
+                <a:extLst>
+                  <a:ext uri="{0D108BD9-81ED-4DB2-BD59-A6C34878D82A}">
+                    <a16:rowId xmlns:a16="http://schemas.microsoft.com/office/drawing/2014/main" val="1506682631"/>
+                  </a:ext>
+                </a:extLst>
+              </a:tr>
+              <a:tr h="1856168">
+                <a:tc>
+                  <a:txBody>
+                    <a:bodyPr/>
+                    <a:lstStyle/>
+                    <a:p>
+                      <a:pPr algn="ctr" latinLnBrk="1"/>
+                      <a:endParaRPr lang="ko-KR" altLang="en-US" dirty="0"/>
+                    </a:p>
+                  </a:txBody>
+                  <a:tcPr>
+                    <a:blipFill>
+                      <a:blip r:embed="rId2"/>
+                      <a:stretch>
+                        <a:fillRect/>
+                      </a:stretch>
+                    </a:blipFill>
+                  </a:tcPr>
+                </a:tc>
+                <a:tc>
+                  <a:txBody>
+                    <a:bodyPr/>
+                    <a:lstStyle/>
+                    <a:p>
+                      <a:pPr algn="ctr" latinLnBrk="1"/>
+                      <a:endParaRPr lang="ko-KR" altLang="en-US" dirty="0"/>
+                    </a:p>
+                  </a:txBody>
+                  <a:tcPr>
+                    <a:blipFill>
+                      <a:blip r:embed="rId3"/>
+                      <a:stretch>
+                        <a:fillRect/>
+                      </a:stretch>
+                    </a:blipFill>
+                  </a:tcPr>
+                </a:tc>
+                <a:tc>
+                  <a:txBody>
+                    <a:bodyPr/>
+                    <a:lstStyle/>
+                    <a:p>
+                      <a:pPr algn="ctr" latinLnBrk="1"/>
+                      <a:endParaRPr lang="ko-KR" altLang="en-US" dirty="0"/>
+                    </a:p>
+                  </a:txBody>
+                  <a:tcPr>
+                    <a:blipFill>
+                      <a:blip r:embed="rId4"/>
+                      <a:stretch>
+                        <a:fillRect/>
+                      </a:stretch>
+                    </a:blipFill>
+                  </a:tcPr>
+                </a:tc>
+                <a:extLst>
+                  <a:ext uri="{0D108BD9-81ED-4DB2-BD59-A6C34878D82A}">
+                    <a16:rowId xmlns:a16="http://schemas.microsoft.com/office/drawing/2014/main" val="2321513984"/>
+                  </a:ext>
+                </a:extLst>
+              </a:tr>
+              <a:tr h="1683015">
+                <a:tc>
+                  <a:txBody>
+                    <a:bodyPr/>
+                    <a:lstStyle/>
+                    <a:p>
+                      <a:pPr marL="0" indent="0" algn="l" latinLnBrk="1">
+                        <a:buFontTx/>
+                        <a:buNone/>
+                      </a:pPr>
+                      <a:endParaRPr lang="en-US" altLang="ko-KR" sz="700" dirty="0"/>
+                    </a:p>
+                    <a:p>
+                      <a:pPr marL="285750" indent="-285750" algn="l" latinLnBrk="1">
+                        <a:buFontTx/>
+                        <a:buChar char="-"/>
+                      </a:pPr>
+                      <a:r>
+                        <a:rPr lang="ko-KR" altLang="en-US" dirty="0"/>
+                        <a:t>‘</a:t>
+                      </a:r>
+                      <a:r>
+                        <a:rPr lang="en-US" altLang="ko-KR" dirty="0"/>
+                        <a:t>KT’</a:t>
+                      </a:r>
+                      <a:r>
+                        <a:rPr lang="ko-KR" altLang="en-US" dirty="0"/>
+                        <a:t>에서 출시한 제품</a:t>
+                      </a:r>
+                      <a:endParaRPr lang="en-US" altLang="ko-KR" dirty="0"/>
+                    </a:p>
+                    <a:p>
+                      <a:pPr marL="0" indent="0" algn="l" latinLnBrk="1">
+                        <a:buFontTx/>
+                        <a:buNone/>
+                      </a:pPr>
+                      <a:endParaRPr lang="en-US" altLang="ko-KR" sz="700" dirty="0"/>
+                    </a:p>
+                    <a:p>
+                      <a:pPr marL="285750" indent="-285750" algn="l" latinLnBrk="1">
+                        <a:buFontTx/>
+                        <a:buChar char="-"/>
+                      </a:pPr>
+                      <a:r>
+                        <a:rPr lang="ko-KR" altLang="en-US" dirty="0"/>
+                        <a:t>침입감지</a:t>
+                      </a:r>
+                      <a:r>
+                        <a:rPr lang="en-US" altLang="ko-KR" dirty="0"/>
+                        <a:t>, </a:t>
+                      </a:r>
+                      <a:r>
+                        <a:rPr lang="ko-KR" altLang="en-US" dirty="0" err="1"/>
+                        <a:t>피플카운트</a:t>
+                      </a:r>
+                      <a:r>
+                        <a:rPr lang="en-US" altLang="ko-KR" dirty="0"/>
+                        <a:t>, </a:t>
+                      </a:r>
+                      <a:r>
+                        <a:rPr lang="ko-KR" altLang="en-US" dirty="0"/>
+                        <a:t>체류시간분석</a:t>
+                      </a:r>
+                      <a:r>
+                        <a:rPr lang="en-US" altLang="ko-KR" dirty="0"/>
+                        <a:t>, </a:t>
+                      </a:r>
+                      <a:r>
+                        <a:rPr lang="ko-KR" altLang="en-US" dirty="0"/>
+                        <a:t>카메라 훼손감지 기능제공</a:t>
+                      </a:r>
+                      <a:endParaRPr lang="en-US" altLang="ko-KR" dirty="0"/>
+                    </a:p>
+                  </a:txBody>
+                  <a:tcPr>
+                    <a:solidFill>
+                      <a:srgbClr val="D8E3E5"/>
+                    </a:solidFill>
+                  </a:tcPr>
+                </a:tc>
+                <a:tc>
+                  <a:txBody>
+                    <a:bodyPr/>
+                    <a:lstStyle/>
+                    <a:p>
+                      <a:pPr marL="0" indent="0" algn="l" latinLnBrk="1">
+                        <a:buFontTx/>
+                        <a:buNone/>
+                      </a:pPr>
+                      <a:endParaRPr lang="en-US" altLang="ko-KR" sz="700" dirty="0"/>
+                    </a:p>
+                    <a:p>
+                      <a:pPr marL="285750" indent="-285750" algn="l" latinLnBrk="1">
+                        <a:buFontTx/>
+                        <a:buChar char="-"/>
+                      </a:pPr>
+                      <a:r>
+                        <a:rPr lang="en-US" altLang="ko-KR" dirty="0"/>
+                        <a:t>‘</a:t>
+                      </a:r>
+                      <a:r>
+                        <a:rPr lang="ko-KR" altLang="en-US" dirty="0" err="1"/>
+                        <a:t>에스원</a:t>
+                      </a:r>
+                      <a:r>
+                        <a:rPr lang="en-US" altLang="ko-KR" dirty="0"/>
+                        <a:t>’</a:t>
+                      </a:r>
+                      <a:r>
+                        <a:rPr lang="ko-KR" altLang="en-US" dirty="0"/>
+                        <a:t>에서 출시한 제품</a:t>
+                      </a:r>
+                      <a:endParaRPr lang="en-US" altLang="ko-KR" dirty="0"/>
+                    </a:p>
+                    <a:p>
+                      <a:pPr marL="0" indent="0" algn="l" latinLnBrk="1">
+                        <a:buFontTx/>
+                        <a:buNone/>
+                      </a:pPr>
+                      <a:endParaRPr lang="en-US" altLang="ko-KR" sz="700" dirty="0"/>
+                    </a:p>
+                    <a:p>
+                      <a:pPr marL="285750" indent="-285750" algn="l" latinLnBrk="1">
+                        <a:buFontTx/>
+                        <a:buChar char="-"/>
+                      </a:pPr>
+                      <a:r>
+                        <a:rPr lang="ko-KR" altLang="en-US" dirty="0"/>
+                        <a:t>침입감지</a:t>
+                      </a:r>
+                      <a:r>
+                        <a:rPr lang="en-US" altLang="ko-KR" dirty="0"/>
+                        <a:t>, </a:t>
+                      </a:r>
+                      <a:r>
+                        <a:rPr lang="ko-KR" altLang="en-US" dirty="0"/>
+                        <a:t>가상펜스</a:t>
+                      </a:r>
+                      <a:r>
+                        <a:rPr lang="en-US" altLang="ko-KR" dirty="0"/>
+                        <a:t>, </a:t>
+                      </a:r>
+                      <a:r>
+                        <a:rPr lang="ko-KR" altLang="en-US" dirty="0"/>
+                        <a:t>도난</a:t>
+                      </a:r>
+                      <a:r>
+                        <a:rPr lang="en-US" altLang="ko-KR" dirty="0"/>
+                        <a:t>, </a:t>
+                      </a:r>
+                      <a:r>
+                        <a:rPr lang="ko-KR" altLang="en-US" dirty="0"/>
+                        <a:t>번호판 인식</a:t>
+                      </a:r>
+                      <a:r>
+                        <a:rPr lang="en-US" altLang="ko-KR" dirty="0"/>
+                        <a:t>, </a:t>
+                      </a:r>
+                      <a:r>
+                        <a:rPr lang="ko-KR" altLang="en-US" dirty="0"/>
+                        <a:t>넘어짐 감지 기능제공</a:t>
+                      </a:r>
+                    </a:p>
+                  </a:txBody>
+                  <a:tcPr>
+                    <a:solidFill>
+                      <a:srgbClr val="D8E3E5"/>
+                    </a:solidFill>
+                  </a:tcPr>
+                </a:tc>
+                <a:tc>
+                  <a:txBody>
+                    <a:bodyPr/>
+                    <a:lstStyle/>
+                    <a:p>
+                      <a:pPr marL="0" indent="0" algn="l" latinLnBrk="1">
+                        <a:buFontTx/>
+                        <a:buNone/>
+                      </a:pPr>
+                      <a:endParaRPr lang="en-US" altLang="ko-KR" sz="700" dirty="0"/>
+                    </a:p>
+                    <a:p>
+                      <a:pPr marL="285750" indent="-285750" algn="l" latinLnBrk="1">
+                        <a:buFontTx/>
+                        <a:buChar char="-"/>
+                      </a:pPr>
+                      <a:r>
+                        <a:rPr lang="en-US" altLang="ko-KR" dirty="0"/>
+                        <a:t>‘</a:t>
+                      </a:r>
+                      <a:r>
+                        <a:rPr lang="ko-KR" altLang="en-US" dirty="0" err="1"/>
+                        <a:t>일리시스</a:t>
+                      </a:r>
+                      <a:r>
+                        <a:rPr lang="en-US" altLang="ko-KR" dirty="0"/>
+                        <a:t>’</a:t>
+                      </a:r>
+                      <a:r>
+                        <a:rPr lang="ko-KR" altLang="en-US" dirty="0"/>
+                        <a:t>에서 출시한 제품</a:t>
+                      </a:r>
+                      <a:endParaRPr lang="en-US" altLang="ko-KR" dirty="0"/>
+                    </a:p>
+                    <a:p>
+                      <a:pPr marL="285750" indent="-285750" algn="l" latinLnBrk="1">
+                        <a:buFontTx/>
+                        <a:buChar char="-"/>
+                      </a:pPr>
+                      <a:endParaRPr lang="en-US" altLang="ko-KR" sz="700" dirty="0"/>
+                    </a:p>
+                    <a:p>
+                      <a:pPr marL="285750" indent="-285750" algn="l" latinLnBrk="1">
+                        <a:buFontTx/>
+                        <a:buChar char="-"/>
+                      </a:pPr>
+                      <a:r>
+                        <a:rPr lang="ko-KR" altLang="en-US" dirty="0"/>
+                        <a:t>실시간 보행자 감지</a:t>
+                      </a:r>
+                      <a:r>
+                        <a:rPr lang="en-US" altLang="ko-KR" dirty="0"/>
+                        <a:t>, </a:t>
+                      </a:r>
+                      <a:r>
+                        <a:rPr lang="ko-KR" altLang="en-US" dirty="0"/>
+                        <a:t>사물식별</a:t>
+                      </a:r>
+                      <a:r>
+                        <a:rPr lang="en-US" altLang="ko-KR" dirty="0"/>
+                        <a:t> </a:t>
+                      </a:r>
+                      <a:r>
+                        <a:rPr lang="ko-KR" altLang="en-US" dirty="0"/>
+                        <a:t>기능제공</a:t>
+                      </a:r>
+                      <a:endParaRPr lang="en-US" altLang="ko-KR" dirty="0"/>
+                    </a:p>
+                    <a:p>
+                      <a:pPr marL="285750" indent="-285750" algn="l" latinLnBrk="1">
+                        <a:buFontTx/>
+                        <a:buChar char="-"/>
+                      </a:pPr>
+                      <a:endParaRPr lang="en-US" altLang="ko-KR" dirty="0"/>
+                    </a:p>
+                    <a:p>
+                      <a:pPr marL="285750" indent="-285750" algn="l" latinLnBrk="1">
+                        <a:buFontTx/>
+                        <a:buChar char="-"/>
+                      </a:pPr>
+                      <a:endParaRPr lang="ko-KR" altLang="en-US" dirty="0"/>
+                    </a:p>
+                  </a:txBody>
+                  <a:tcPr>
+                    <a:solidFill>
+                      <a:srgbClr val="D8E3E5"/>
+                    </a:solidFill>
+                  </a:tcPr>
+                </a:tc>
+                <a:extLst>
+                  <a:ext uri="{0D108BD9-81ED-4DB2-BD59-A6C34878D82A}">
+                    <a16:rowId xmlns:a16="http://schemas.microsoft.com/office/drawing/2014/main" val="4161032376"/>
+                  </a:ext>
+                </a:extLst>
+              </a:tr>
+            </a:tbl>
+          </a:graphicData>
+        </a:graphic>
+      </p:graphicFrame>
+      <p:sp>
+        <p:nvSpPr>
+          <p:cNvPr id="2" name="TextBox 1">
+            <a:extLst>
+              <a:ext uri="{FF2B5EF4-FFF2-40B4-BE49-F238E27FC236}">
+                <a16:creationId xmlns:a16="http://schemas.microsoft.com/office/drawing/2014/main" id="{9C545382-C469-4C20-8FDF-5031AAE76625}"/>
+              </a:ext>
+            </a:extLst>
+          </p:cNvPr>
+          <p:cNvSpPr txBox="1"/>
+          <p:nvPr/>
+        </p:nvSpPr>
+        <p:spPr>
+          <a:xfrm>
+            <a:off x="1630532" y="5291087"/>
+            <a:ext cx="8930935" cy="1177245"/>
+          </a:xfrm>
+          <a:prstGeom prst="rect">
+            <a:avLst/>
+          </a:prstGeom>
+          <a:noFill/>
+        </p:spPr>
+        <p:txBody>
+          <a:bodyPr wrap="square" rtlCol="0">
+            <a:spAutoFit/>
+          </a:bodyPr>
+          <a:lstStyle/>
+          <a:p>
+            <a:r>
+              <a:rPr lang="ko-KR" altLang="en-US" sz="2400" b="1" dirty="0"/>
+              <a:t>경쟁업체에 대한 강점</a:t>
+            </a:r>
+            <a:endParaRPr lang="ko-KR" altLang="en-US" sz="2000" dirty="0"/>
+          </a:p>
+          <a:p>
+            <a:pPr marL="285750" indent="-285750">
+              <a:buFontTx/>
+              <a:buChar char="-"/>
+            </a:pPr>
+            <a:endParaRPr lang="en-US" altLang="ko-KR" sz="1000" dirty="0"/>
+          </a:p>
+          <a:p>
+            <a:pPr marL="285750" indent="-285750">
+              <a:buFontTx/>
+              <a:buChar char="-"/>
+            </a:pPr>
+            <a:r>
+              <a:rPr lang="ko-KR" altLang="en-US" dirty="0"/>
+              <a:t>운영 및 홍보 비용이 포함되지 않아 보다 저렴한 비용으로 서비스를 제공한다</a:t>
+            </a:r>
+            <a:r>
+              <a:rPr lang="en-US" altLang="ko-KR" dirty="0"/>
+              <a:t>.</a:t>
+            </a:r>
+          </a:p>
+          <a:p>
+            <a:pPr marL="285750" indent="-285750">
+              <a:buFontTx/>
+              <a:buChar char="-"/>
+            </a:pPr>
+            <a:endParaRPr lang="ko-KR" altLang="en-US" dirty="0"/>
+          </a:p>
+        </p:txBody>
+      </p:sp>
+    </p:spTree>
+    <p:extLst>
+      <p:ext uri="{BB962C8B-B14F-4D97-AF65-F5344CB8AC3E}">
+        <p14:creationId xmlns:p14="http://schemas.microsoft.com/office/powerpoint/2010/main" val="1421510249"/>
+      </p:ext>
+    </p:extLst>
+  </p:cSld>
+  <p:clrMapOvr>
+    <a:masterClrMapping/>
+  </p:clrMapOvr>
+</p:sld>
+</file>
+
+<file path=ppt/slides/slide12.xml><?xml version="1.0" encoding="utf-8"?>
+<p:sld xmlns:a="http://schemas.openxmlformats.org/drawingml/2006/main" xmlns:r="http://schemas.openxmlformats.org/officeDocument/2006/relationships" xmlns:p="http://schemas.openxmlformats.org/presentationml/2006/main">
+  <p:cSld>
+    <p:spTree>
+      <p:nvGrpSpPr>
+        <p:cNvPr id="1" name=""/>
+        <p:cNvGrpSpPr/>
+        <p:nvPr/>
+      </p:nvGrpSpPr>
+      <p:grpSpPr>
+        <a:xfrm>
+          <a:off x="0" y="0"/>
+          <a:ext cx="0" cy="0"/>
+          <a:chOff x="0" y="0"/>
+          <a:chExt cx="0" cy="0"/>
+        </a:xfrm>
+      </p:grpSpPr>
+      <p:sp>
+        <p:nvSpPr>
+          <p:cNvPr id="4" name="직사각형 3"/>
+          <p:cNvSpPr/>
+          <p:nvPr/>
+        </p:nvSpPr>
+        <p:spPr>
+          <a:xfrm>
+            <a:off x="0" y="0"/>
+            <a:ext cx="12191999" cy="982910"/>
+          </a:xfrm>
+          <a:prstGeom prst="rect">
+            <a:avLst/>
+          </a:prstGeom>
+          <a:solidFill>
+            <a:srgbClr val="B7CFCE"/>
+          </a:solidFill>
+          <a:ln>
+            <a:noFill/>
+          </a:ln>
+        </p:spPr>
+        <p:style>
+          <a:lnRef idx="2">
+            <a:schemeClr val="accent1">
+              <a:shade val="50000"/>
+            </a:schemeClr>
+          </a:lnRef>
+          <a:fillRef idx="1">
+            <a:schemeClr val="accent1"/>
+          </a:fillRef>
+          <a:effectRef idx="0">
+            <a:schemeClr val="accent1"/>
+          </a:effectRef>
+          <a:fontRef idx="minor">
+            <a:schemeClr val="lt1"/>
+          </a:fontRef>
+        </p:style>
+        <p:txBody>
+          <a:bodyPr rtlCol="0" anchor="ctr"/>
+          <a:lstStyle/>
+          <a:p>
+            <a:pPr algn="ctr"/>
+            <a:endParaRPr lang="ko-KR" altLang="en-US"/>
+          </a:p>
+        </p:txBody>
+      </p:sp>
+      <p:sp>
+        <p:nvSpPr>
+          <p:cNvPr id="50" name="TextBox 49"/>
+          <p:cNvSpPr txBox="1"/>
+          <p:nvPr/>
+        </p:nvSpPr>
+        <p:spPr>
+          <a:xfrm>
+            <a:off x="256199" y="219699"/>
+            <a:ext cx="673776" cy="523220"/>
+          </a:xfrm>
+          <a:prstGeom prst="rect">
+            <a:avLst/>
+          </a:prstGeom>
+          <a:noFill/>
+        </p:spPr>
+        <p:txBody>
+          <a:bodyPr wrap="square" rtlCol="0">
+            <a:spAutoFit/>
+          </a:bodyPr>
+          <a:lstStyle/>
+          <a:p>
+            <a:r>
+              <a:rPr lang="en-US" altLang="ko-KR" sz="2800" dirty="0">
+                <a:solidFill>
+                  <a:srgbClr val="64818D"/>
+                </a:solidFill>
+                <a:latin typeface="KoPub돋움체 Bold" panose="00000800000000000000" pitchFamily="2" charset="-127"/>
+                <a:ea typeface="KoPub돋움체 Bold" panose="00000800000000000000" pitchFamily="2" charset="-127"/>
+              </a:rPr>
               <a:t>07</a:t>
+            </a:r>
+            <a:endParaRPr lang="ko-KR" altLang="en-US" sz="2800" dirty="0">
+              <a:solidFill>
+                <a:srgbClr val="64818D"/>
+              </a:solidFill>
+              <a:latin typeface="KoPub돋움체 Bold" panose="00000800000000000000" pitchFamily="2" charset="-127"/>
+              <a:ea typeface="KoPub돋움체 Bold" panose="00000800000000000000" pitchFamily="2" charset="-127"/>
+            </a:endParaRPr>
+          </a:p>
+        </p:txBody>
+      </p:sp>
+      <p:sp>
+        <p:nvSpPr>
+          <p:cNvPr id="51" name="TextBox 50"/>
+          <p:cNvSpPr txBox="1"/>
+          <p:nvPr/>
+        </p:nvSpPr>
+        <p:spPr>
+          <a:xfrm>
+            <a:off x="929974" y="255211"/>
+            <a:ext cx="2694533" cy="461665"/>
+          </a:xfrm>
+          <a:prstGeom prst="rect">
+            <a:avLst/>
+          </a:prstGeom>
+          <a:noFill/>
+        </p:spPr>
+        <p:txBody>
+          <a:bodyPr wrap="square" rtlCol="0">
+            <a:spAutoFit/>
+          </a:bodyPr>
+          <a:lstStyle/>
+          <a:p>
+            <a:r>
+              <a:rPr lang="ko-KR" altLang="en-US" sz="2400" dirty="0">
+                <a:latin typeface="KoPub돋움체 Bold" panose="00000800000000000000" pitchFamily="2" charset="-127"/>
+                <a:ea typeface="KoPub돋움체 Bold" panose="00000800000000000000" pitchFamily="2" charset="-127"/>
+              </a:rPr>
+              <a:t>제품수익 모델</a:t>
+            </a:r>
+            <a:endParaRPr lang="ko-KR" altLang="en-US" sz="2800" dirty="0">
+              <a:latin typeface="KoPub돋움체 Bold" panose="00000800000000000000" pitchFamily="2" charset="-127"/>
+              <a:ea typeface="KoPub돋움체 Bold" panose="00000800000000000000" pitchFamily="2" charset="-127"/>
+            </a:endParaRPr>
+          </a:p>
+        </p:txBody>
+      </p:sp>
+      <p:sp>
+        <p:nvSpPr>
+          <p:cNvPr id="55" name="직사각형 54"/>
+          <p:cNvSpPr/>
+          <p:nvPr/>
+        </p:nvSpPr>
+        <p:spPr>
+          <a:xfrm>
+            <a:off x="844305" y="327485"/>
+            <a:ext cx="45719" cy="307648"/>
+          </a:xfrm>
+          <a:prstGeom prst="rect">
+            <a:avLst/>
+          </a:prstGeom>
+          <a:solidFill>
+            <a:srgbClr val="64818D"/>
+          </a:solidFill>
+          <a:ln>
+            <a:noFill/>
+          </a:ln>
+        </p:spPr>
+        <p:style>
+          <a:lnRef idx="2">
+            <a:schemeClr val="accent1">
+              <a:shade val="50000"/>
+            </a:schemeClr>
+          </a:lnRef>
+          <a:fillRef idx="1">
+            <a:schemeClr val="accent1"/>
+          </a:fillRef>
+          <a:effectRef idx="0">
+            <a:schemeClr val="accent1"/>
+          </a:effectRef>
+          <a:fontRef idx="minor">
+            <a:schemeClr val="lt1"/>
+          </a:fontRef>
+        </p:style>
+        <p:txBody>
+          <a:bodyPr rtlCol="0" anchor="ctr"/>
+          <a:lstStyle/>
+          <a:p>
+            <a:pPr algn="ctr"/>
+            <a:endParaRPr lang="ko-KR" altLang="en-US"/>
+          </a:p>
+        </p:txBody>
+      </p:sp>
+      <p:sp>
+        <p:nvSpPr>
+          <p:cNvPr id="7" name="TextBox 6">
+            <a:extLst>
+              <a:ext uri="{FF2B5EF4-FFF2-40B4-BE49-F238E27FC236}">
+                <a16:creationId xmlns:a16="http://schemas.microsoft.com/office/drawing/2014/main" id="{CF7958C7-03AB-48FD-B64C-F603097D74F8}"/>
+              </a:ext>
+            </a:extLst>
+          </p:cNvPr>
+          <p:cNvSpPr txBox="1"/>
+          <p:nvPr/>
+        </p:nvSpPr>
+        <p:spPr>
+          <a:xfrm>
+            <a:off x="1018750" y="1766069"/>
+            <a:ext cx="10122725" cy="4824398"/>
+          </a:xfrm>
+          <a:prstGeom prst="rect">
+            <a:avLst/>
+          </a:prstGeom>
+          <a:noFill/>
+        </p:spPr>
+        <p:txBody>
+          <a:bodyPr wrap="square" rtlCol="0">
+            <a:spAutoFit/>
+          </a:bodyPr>
+          <a:lstStyle/>
+          <a:p>
+            <a:r>
+              <a:rPr lang="en-US" altLang="ko-KR" sz="2000" dirty="0"/>
+              <a:t>- </a:t>
+            </a:r>
+            <a:r>
+              <a:rPr lang="ko-KR" altLang="en-US" sz="2400" dirty="0"/>
+              <a:t>수익 구조</a:t>
+            </a:r>
+            <a:endParaRPr lang="en-US" altLang="ko-KR" dirty="0"/>
+          </a:p>
+          <a:p>
+            <a:endParaRPr lang="en-US" altLang="ko-KR" sz="1050" dirty="0"/>
+          </a:p>
+          <a:p>
+            <a:r>
+              <a:rPr lang="en-US" altLang="ko-KR" sz="2000" dirty="0"/>
+              <a:t>     1. </a:t>
+            </a:r>
+            <a:r>
+              <a:rPr lang="ko-KR" altLang="en-US" sz="2000" dirty="0"/>
+              <a:t>거래 수익모델 </a:t>
+            </a:r>
+            <a:r>
+              <a:rPr lang="en-US" altLang="ko-KR" sz="2000" dirty="0"/>
+              <a:t>– </a:t>
+            </a:r>
+            <a:r>
+              <a:rPr lang="ko-KR" altLang="en-US" sz="2000" dirty="0"/>
+              <a:t>기술 판매</a:t>
+            </a:r>
+          </a:p>
+          <a:p>
+            <a:r>
+              <a:rPr lang="ko-KR" altLang="en-US" sz="2000" dirty="0"/>
+              <a:t>     </a:t>
+            </a:r>
+            <a:r>
+              <a:rPr lang="en-US" altLang="ko-KR" sz="2000" dirty="0"/>
+              <a:t>2. </a:t>
+            </a:r>
+            <a:r>
+              <a:rPr lang="ko-KR" altLang="en-US" sz="2000" dirty="0"/>
+              <a:t>구독 모델 </a:t>
+            </a:r>
+            <a:r>
+              <a:rPr lang="en-US" altLang="ko-KR" sz="2000" dirty="0"/>
+              <a:t>+ Premium </a:t>
+            </a:r>
+            <a:r>
+              <a:rPr lang="ko-KR" altLang="en-US" sz="2000" dirty="0"/>
+              <a:t>모델</a:t>
+            </a:r>
+            <a:r>
+              <a:rPr lang="en-US" altLang="ko-KR" sz="2000" dirty="0"/>
+              <a:t> – </a:t>
+            </a:r>
+            <a:r>
+              <a:rPr lang="ko-KR" altLang="en-US" sz="2000" dirty="0"/>
+              <a:t>창업 후 서비스 제공 </a:t>
+            </a:r>
+            <a:r>
+              <a:rPr lang="en-US" altLang="ko-KR" sz="2000" dirty="0"/>
+              <a:t>&amp; </a:t>
+            </a:r>
+            <a:r>
+              <a:rPr lang="ko-KR" altLang="en-US" sz="2000" dirty="0"/>
+              <a:t>유지 보수</a:t>
+            </a:r>
+            <a:endParaRPr lang="en-US" altLang="ko-KR" sz="2000" dirty="0"/>
+          </a:p>
+          <a:p>
+            <a:endParaRPr lang="en-US" altLang="ko-KR" sz="1100" dirty="0"/>
+          </a:p>
+          <a:p>
+            <a:r>
+              <a:rPr lang="en-US" altLang="ko-KR" sz="1600" dirty="0"/>
+              <a:t>	</a:t>
+            </a:r>
+            <a:r>
+              <a:rPr lang="ko-KR" altLang="en-US" sz="1600" dirty="0"/>
+              <a:t>구독 모델</a:t>
+            </a:r>
+            <a:r>
+              <a:rPr lang="en-US" altLang="ko-KR" sz="1600" dirty="0"/>
+              <a:t>: </a:t>
+            </a:r>
+            <a:r>
+              <a:rPr lang="ko-KR" altLang="en-US" sz="1600" dirty="0"/>
+              <a:t>서비스를 월 단위 혹은 년 단위로 계약</a:t>
+            </a:r>
+            <a:r>
+              <a:rPr lang="en-US" altLang="ko-KR" sz="1600" dirty="0"/>
+              <a:t>.</a:t>
+            </a:r>
+          </a:p>
+          <a:p>
+            <a:r>
+              <a:rPr lang="en-US" altLang="ko-KR" sz="1600" dirty="0"/>
+              <a:t>	Premium </a:t>
+            </a:r>
+            <a:r>
+              <a:rPr lang="ko-KR" altLang="en-US" sz="1600" dirty="0"/>
+              <a:t>모델</a:t>
+            </a:r>
+            <a:r>
+              <a:rPr lang="en-US" altLang="ko-KR" sz="1600" dirty="0"/>
+              <a:t>: </a:t>
+            </a:r>
+            <a:r>
+              <a:rPr lang="ko-KR" altLang="en-US" sz="1600" dirty="0"/>
+              <a:t>구독 모델에 추가 금액 지불 시 부가 기능 추가 가능</a:t>
+            </a:r>
+            <a:r>
+              <a:rPr lang="en-US" altLang="ko-KR" sz="1600" dirty="0"/>
+              <a:t> </a:t>
+            </a:r>
+          </a:p>
+          <a:p>
+            <a:r>
+              <a:rPr lang="en-US" altLang="ko-KR" sz="1600" dirty="0"/>
+              <a:t>	</a:t>
+            </a:r>
+            <a:r>
+              <a:rPr lang="en-US" altLang="ko-KR" sz="1100" dirty="0"/>
+              <a:t>(</a:t>
+            </a:r>
+            <a:r>
+              <a:rPr lang="ko-KR" altLang="en-US" sz="1100" dirty="0"/>
+              <a:t>추가기능 </a:t>
+            </a:r>
+            <a:r>
+              <a:rPr lang="en-US" altLang="ko-KR" sz="1100" dirty="0"/>
+              <a:t>– </a:t>
+            </a:r>
+            <a:r>
+              <a:rPr lang="ko-KR" altLang="en-US" sz="1100" dirty="0"/>
+              <a:t>화재감지</a:t>
+            </a:r>
+            <a:r>
+              <a:rPr lang="en-US" altLang="ko-KR" sz="1100" dirty="0"/>
+              <a:t>, </a:t>
+            </a:r>
+            <a:r>
+              <a:rPr lang="ko-KR" altLang="en-US" sz="1100" dirty="0" err="1"/>
+              <a:t>배회자</a:t>
+            </a:r>
+            <a:r>
+              <a:rPr lang="ko-KR" altLang="en-US" sz="1100" dirty="0"/>
+              <a:t> 및 </a:t>
+            </a:r>
+            <a:r>
+              <a:rPr lang="ko-KR" altLang="en-US" sz="1100" dirty="0" err="1"/>
+              <a:t>주정차</a:t>
+            </a:r>
+            <a:r>
+              <a:rPr lang="ko-KR" altLang="en-US" sz="1100" dirty="0"/>
+              <a:t> 단속</a:t>
+            </a:r>
+            <a:r>
+              <a:rPr lang="en-US" altLang="ko-KR" sz="1100" dirty="0"/>
+              <a:t>  </a:t>
+            </a:r>
+            <a:r>
+              <a:rPr lang="ko-KR" altLang="en-US" sz="1100" dirty="0"/>
+              <a:t>등</a:t>
+            </a:r>
+            <a:r>
+              <a:rPr lang="en-US" altLang="ko-KR" sz="1100" dirty="0"/>
+              <a:t>)</a:t>
+            </a:r>
+            <a:endParaRPr lang="en-US" altLang="ko-KR" sz="1600" dirty="0"/>
+          </a:p>
+          <a:p>
+            <a:endParaRPr lang="en-US" altLang="ko-KR" sz="2000" dirty="0"/>
+          </a:p>
+          <a:p>
+            <a:endParaRPr lang="ko-KR" altLang="en-US" dirty="0"/>
+          </a:p>
+          <a:p>
+            <a:r>
+              <a:rPr lang="en-US" altLang="ko-KR" sz="2000" dirty="0"/>
+              <a:t>- </a:t>
+            </a:r>
+            <a:r>
+              <a:rPr lang="ko-KR" altLang="en-US" sz="2400" dirty="0"/>
+              <a:t>창업 및 운영 전략</a:t>
+            </a:r>
+            <a:endParaRPr lang="en-US" altLang="ko-KR" sz="2000" dirty="0"/>
+          </a:p>
+          <a:p>
+            <a:endParaRPr lang="en-US" altLang="ko-KR" sz="1200" dirty="0"/>
+          </a:p>
+          <a:p>
+            <a:r>
+              <a:rPr lang="en-US" altLang="ko-KR" sz="2000" dirty="0"/>
+              <a:t>     1. </a:t>
+            </a:r>
+            <a:r>
+              <a:rPr lang="ko-KR" altLang="en-US" sz="2000" dirty="0"/>
+              <a:t>투자자금 확보 </a:t>
+            </a:r>
+            <a:r>
+              <a:rPr lang="en-US" altLang="ko-KR" sz="2000" dirty="0"/>
+              <a:t>(</a:t>
+            </a:r>
+            <a:r>
+              <a:rPr lang="ko-KR" altLang="en-US" sz="2000" dirty="0"/>
+              <a:t>중소기업청에서 </a:t>
+            </a:r>
+            <a:r>
+              <a:rPr lang="en-US" altLang="ko-KR" sz="2000" dirty="0"/>
+              <a:t>IT </a:t>
+            </a:r>
+            <a:r>
+              <a:rPr lang="ko-KR" altLang="en-US" sz="2000" dirty="0" err="1"/>
+              <a:t>스타트업</a:t>
+            </a:r>
+            <a:r>
+              <a:rPr lang="ko-KR" altLang="en-US" sz="2000" dirty="0"/>
+              <a:t> 지원 등</a:t>
+            </a:r>
+            <a:r>
+              <a:rPr lang="en-US" altLang="ko-KR" sz="2000" dirty="0"/>
+              <a:t>)</a:t>
+            </a:r>
+          </a:p>
+          <a:p>
+            <a:r>
+              <a:rPr lang="en-US" altLang="ko-KR" sz="2000" dirty="0"/>
+              <a:t>     2. </a:t>
+            </a:r>
+            <a:r>
+              <a:rPr lang="ko-KR" altLang="en-US" sz="2000" dirty="0"/>
+              <a:t>사업 홍보 </a:t>
+            </a:r>
+            <a:r>
+              <a:rPr lang="en-US" altLang="ko-KR" sz="2000" dirty="0"/>
+              <a:t>(</a:t>
+            </a:r>
+            <a:r>
+              <a:rPr lang="ko-KR" altLang="en-US" sz="2000" dirty="0"/>
+              <a:t>서울 창업박람회 등</a:t>
+            </a:r>
+            <a:r>
+              <a:rPr lang="en-US" altLang="ko-KR" sz="2000" dirty="0"/>
+              <a:t>)</a:t>
+            </a:r>
+          </a:p>
+          <a:p>
+            <a:r>
+              <a:rPr lang="en-US" altLang="ko-KR" sz="2000" dirty="0"/>
+              <a:t>     3. </a:t>
+            </a:r>
+            <a:r>
+              <a:rPr lang="ko-KR" altLang="en-US" sz="2000" dirty="0"/>
+              <a:t>기존</a:t>
+            </a:r>
+            <a:r>
+              <a:rPr lang="en-US" altLang="ko-KR" sz="2000" dirty="0"/>
+              <a:t>, </a:t>
+            </a:r>
+            <a:r>
+              <a:rPr lang="ko-KR" altLang="en-US" sz="2000" dirty="0"/>
+              <a:t>신축 대단위 아파트와 계약 및 유지 보수</a:t>
+            </a:r>
+            <a:endParaRPr lang="en-US" altLang="ko-KR" sz="2000" dirty="0"/>
+          </a:p>
+          <a:p>
+            <a:endParaRPr lang="ko-KR" altLang="en-US" sz="2000" dirty="0"/>
+          </a:p>
+          <a:p>
+            <a:r>
+              <a:rPr lang="ko-KR" altLang="en-US" sz="2000" dirty="0"/>
+              <a:t> </a:t>
+            </a:r>
+            <a:endParaRPr lang="en-US" altLang="ko-KR" sz="2000" dirty="0"/>
+          </a:p>
+        </p:txBody>
+      </p:sp>
+    </p:spTree>
+    <p:extLst>
+      <p:ext uri="{BB962C8B-B14F-4D97-AF65-F5344CB8AC3E}">
+        <p14:creationId xmlns:p14="http://schemas.microsoft.com/office/powerpoint/2010/main" val="2449262119"/>
+      </p:ext>
+    </p:extLst>
+  </p:cSld>
+  <p:clrMapOvr>
+    <a:masterClrMapping/>
+  </p:clrMapOvr>
+</p:sld>
+</file>
+
+<file path=ppt/slides/slide13.xml><?xml version="1.0" encoding="utf-8"?>
+<p:sld xmlns:a="http://schemas.openxmlformats.org/drawingml/2006/main" xmlns:r="http://schemas.openxmlformats.org/officeDocument/2006/relationships" xmlns:p="http://schemas.openxmlformats.org/presentationml/2006/main">
+  <p:cSld>
+    <p:spTree>
+      <p:nvGrpSpPr>
+        <p:cNvPr id="1" name=""/>
+        <p:cNvGrpSpPr/>
+        <p:nvPr/>
+      </p:nvGrpSpPr>
+      <p:grpSpPr>
+        <a:xfrm>
+          <a:off x="0" y="0"/>
+          <a:ext cx="0" cy="0"/>
+          <a:chOff x="0" y="0"/>
+          <a:chExt cx="0" cy="0"/>
+        </a:xfrm>
+      </p:grpSpPr>
+      <p:sp>
+        <p:nvSpPr>
+          <p:cNvPr id="4" name="직사각형 3"/>
+          <p:cNvSpPr/>
+          <p:nvPr/>
+        </p:nvSpPr>
+        <p:spPr>
+          <a:xfrm>
+            <a:off x="0" y="0"/>
+            <a:ext cx="12191999" cy="982910"/>
+          </a:xfrm>
+          <a:prstGeom prst="rect">
+            <a:avLst/>
+          </a:prstGeom>
+          <a:solidFill>
+            <a:srgbClr val="B7CFCE"/>
+          </a:solidFill>
+          <a:ln>
+            <a:noFill/>
+          </a:ln>
+        </p:spPr>
+        <p:style>
+          <a:lnRef idx="2">
+            <a:schemeClr val="accent1">
+              <a:shade val="50000"/>
+            </a:schemeClr>
+          </a:lnRef>
+          <a:fillRef idx="1">
+            <a:schemeClr val="accent1"/>
+          </a:fillRef>
+          <a:effectRef idx="0">
+            <a:schemeClr val="accent1"/>
+          </a:effectRef>
+          <a:fontRef idx="minor">
+            <a:schemeClr val="lt1"/>
+          </a:fontRef>
+        </p:style>
+        <p:txBody>
+          <a:bodyPr rtlCol="0" anchor="ctr"/>
+          <a:lstStyle/>
+          <a:p>
+            <a:pPr algn="ctr"/>
+            <a:endParaRPr lang="ko-KR" altLang="en-US"/>
+          </a:p>
+        </p:txBody>
+      </p:sp>
+      <p:sp>
+        <p:nvSpPr>
+          <p:cNvPr id="50" name="TextBox 49"/>
+          <p:cNvSpPr txBox="1"/>
+          <p:nvPr/>
+        </p:nvSpPr>
+        <p:spPr>
+          <a:xfrm>
+            <a:off x="256199" y="219699"/>
+            <a:ext cx="673776" cy="523220"/>
+          </a:xfrm>
+          <a:prstGeom prst="rect">
+            <a:avLst/>
+          </a:prstGeom>
+          <a:noFill/>
+        </p:spPr>
+        <p:txBody>
+          <a:bodyPr wrap="square" rtlCol="0">
+            <a:spAutoFit/>
+          </a:bodyPr>
+          <a:lstStyle/>
+          <a:p>
+            <a:r>
+              <a:rPr lang="en-US" altLang="ko-KR" sz="2800" dirty="0">
+                <a:solidFill>
+                  <a:srgbClr val="64818D"/>
+                </a:solidFill>
+                <a:latin typeface="KoPub돋움체 Bold" panose="00000800000000000000" pitchFamily="2" charset="-127"/>
+                <a:ea typeface="KoPub돋움체 Bold" panose="00000800000000000000" pitchFamily="2" charset="-127"/>
+              </a:rPr>
+              <a:t>08</a:t>
             </a:r>
             <a:endParaRPr lang="ko-KR" altLang="en-US" sz="2800" dirty="0">
               <a:solidFill>
@@ -5555,7 +7211,7 @@
 </p:sld>
 </file>
 
-<file path=ppt/slides/slide12.xml><?xml version="1.0" encoding="utf-8"?>
+<file path=ppt/slides/slide14.xml><?xml version="1.0" encoding="utf-8"?>
 <p:sld xmlns:a="http://schemas.openxmlformats.org/drawingml/2006/main" xmlns:r="http://schemas.openxmlformats.org/officeDocument/2006/relationships" xmlns:p="http://schemas.openxmlformats.org/presentationml/2006/main">
   <p:cSld>
     <p:spTree>
@@ -7274,7 +8930,68 @@
                   <a:srgbClr val="64818D"/>
                 </a:solidFill>
               </a:rPr>
-              <a:t>05</a:t>
+              <a:t>04</a:t>
+            </a:r>
+            <a:r>
+              <a:rPr lang="ko-KR" altLang="en-US" sz="3600" dirty="0">
+                <a:solidFill>
+                  <a:srgbClr val="3F3F3F"/>
+                </a:solidFill>
+              </a:rPr>
+              <a:t> </a:t>
+            </a:r>
+            <a:endParaRPr lang="en-US" altLang="ko-KR" sz="3600" dirty="0">
+              <a:solidFill>
+                <a:srgbClr val="3F3F3F"/>
+              </a:solidFill>
+            </a:endParaRPr>
+          </a:p>
+          <a:p>
+            <a:r>
+              <a:rPr lang="ko-KR" altLang="en-US" dirty="0">
+                <a:solidFill>
+                  <a:srgbClr val="3F3F3F"/>
+                </a:solidFill>
+              </a:rPr>
+              <a:t>      </a:t>
+            </a:r>
+            <a:r>
+              <a:rPr lang="en-US" altLang="ko-KR" dirty="0">
+                <a:solidFill>
+                  <a:srgbClr val="3F3F3F"/>
+                </a:solidFill>
+              </a:rPr>
+              <a:t>SWOT </a:t>
+            </a:r>
+            <a:r>
+              <a:rPr lang="ko-KR" altLang="en-US" dirty="0">
+                <a:solidFill>
+                  <a:srgbClr val="3F3F3F"/>
+                </a:solidFill>
+              </a:rPr>
+              <a:t>분석</a:t>
+            </a:r>
+            <a:endParaRPr lang="en-US" altLang="ko-KR" dirty="0">
+              <a:solidFill>
+                <a:srgbClr val="3F3F3F"/>
+              </a:solidFill>
+            </a:endParaRPr>
+          </a:p>
+          <a:p>
+            <a:endParaRPr lang="en-US" altLang="ko-KR" dirty="0">
+              <a:solidFill>
+                <a:srgbClr val="64818D"/>
+              </a:solidFill>
+            </a:endParaRPr>
+          </a:p>
+          <a:p>
+            <a:r>
+              <a:rPr lang="en-US" altLang="ko-KR" sz="4000" dirty="0">
+                <a:solidFill>
+                  <a:srgbClr val="64818D"/>
+                </a:solidFill>
+              </a:rPr>
+              <a:t>06</a:t>
             </a:r>
             <a:r>
               <a:rPr lang="en-US" altLang="ko-KR" sz="3200" dirty="0">
@@ -7319,7 +9036,7 @@
                   <a:srgbClr val="64818D"/>
                 </a:solidFill>
               </a:rPr>
-              <a:t>06</a:t>
+              <a:t>07</a:t>
             </a:r>
             <a:endParaRPr lang="en-US" altLang="ko-KR" dirty="0">
               <a:solidFill>
@@ -7356,7 +9073,7 @@
                   <a:srgbClr val="64818D"/>
                 </a:solidFill>
               </a:rPr>
-              <a:t>07</a:t>
+              <a:t>08</a:t>
             </a:r>
             <a:endParaRPr lang="en-US" altLang="ko-KR" dirty="0">
               <a:solidFill>
@@ -7374,54 +9091,6 @@
               <a:t>      조직구성원</a:t>
             </a:r>
             <a:endParaRPr lang="en-US" altLang="ko-KR" dirty="0">
-              <a:solidFill>
-                <a:srgbClr val="3F3F3F"/>
-              </a:solidFill>
-            </a:endParaRPr>
-          </a:p>
-          <a:p>
-            <a:endParaRPr lang="en-US" altLang="ko-KR" sz="1600" dirty="0">
-              <a:solidFill>
-                <a:srgbClr val="64818D"/>
-              </a:solidFill>
-            </a:endParaRPr>
-          </a:p>
-          <a:p>
-            <a:r>
-              <a:rPr lang="en-US" altLang="ko-KR" sz="4000" dirty="0">
-                <a:solidFill>
-                  <a:srgbClr val="64818D"/>
-                </a:solidFill>
-              </a:rPr>
-              <a:t>08</a:t>
-            </a:r>
-          </a:p>
-          <a:p>
-            <a:r>
-              <a:rPr lang="en-US" altLang="ko-KR" dirty="0">
-                <a:solidFill>
-                  <a:srgbClr val="3F3F3F"/>
-                </a:solidFill>
-              </a:rPr>
-              <a:t> </a:t>
-            </a:r>
-            <a:r>
-              <a:rPr lang="ko-KR" altLang="en-US" dirty="0">
-                <a:solidFill>
-                  <a:srgbClr val="3F3F3F"/>
-                </a:solidFill>
-              </a:rPr>
-              <a:t>     </a:t>
-            </a:r>
-            <a:r>
-              <a:rPr lang="en-US" altLang="ko-KR" dirty="0">
-                <a:solidFill>
-                  <a:srgbClr val="3F3F3F"/>
-                </a:solidFill>
-              </a:rPr>
-              <a:t>Q/A</a:t>
-            </a:r>
-            <a:endParaRPr lang="ko-KR" altLang="en-US" dirty="0">
               <a:solidFill>
                 <a:srgbClr val="3F3F3F"/>
               </a:solidFill>
@@ -7849,6 +9518,692 @@
                 <a:latin typeface="KoPub돋움체 Bold" panose="00000800000000000000" pitchFamily="2" charset="-127"/>
                 <a:ea typeface="KoPub돋움체 Bold" panose="00000800000000000000" pitchFamily="2" charset="-127"/>
               </a:rPr>
+              <a:t>01</a:t>
+            </a:r>
+            <a:endParaRPr lang="ko-KR" altLang="en-US" sz="2800" dirty="0">
+              <a:solidFill>
+                <a:srgbClr val="64818D"/>
+              </a:solidFill>
+              <a:latin typeface="KoPub돋움체 Bold" panose="00000800000000000000" pitchFamily="2" charset="-127"/>
+              <a:ea typeface="KoPub돋움체 Bold" panose="00000800000000000000" pitchFamily="2" charset="-127"/>
+            </a:endParaRPr>
+          </a:p>
+        </p:txBody>
+      </p:sp>
+      <p:sp>
+        <p:nvSpPr>
+          <p:cNvPr id="51" name="TextBox 50"/>
+          <p:cNvSpPr txBox="1"/>
+          <p:nvPr/>
+        </p:nvSpPr>
+        <p:spPr>
+          <a:xfrm>
+            <a:off x="929974" y="255211"/>
+            <a:ext cx="2694533" cy="461665"/>
+          </a:xfrm>
+          <a:prstGeom prst="rect">
+            <a:avLst/>
+          </a:prstGeom>
+          <a:noFill/>
+        </p:spPr>
+        <p:txBody>
+          <a:bodyPr wrap="square" rtlCol="0">
+            <a:spAutoFit/>
+          </a:bodyPr>
+          <a:lstStyle/>
+          <a:p>
+            <a:r>
+              <a:rPr lang="ko-KR" altLang="en-US" sz="2400" dirty="0">
+                <a:latin typeface="KoPub돋움체 Bold" panose="00000800000000000000" pitchFamily="2" charset="-127"/>
+                <a:ea typeface="KoPub돋움체 Bold" panose="00000800000000000000" pitchFamily="2" charset="-127"/>
+              </a:rPr>
+              <a:t>사업소개</a:t>
+            </a:r>
+            <a:endParaRPr lang="ko-KR" altLang="en-US" sz="2800" dirty="0">
+              <a:latin typeface="KoPub돋움체 Bold" panose="00000800000000000000" pitchFamily="2" charset="-127"/>
+              <a:ea typeface="KoPub돋움체 Bold" panose="00000800000000000000" pitchFamily="2" charset="-127"/>
+            </a:endParaRPr>
+          </a:p>
+        </p:txBody>
+      </p:sp>
+      <p:sp>
+        <p:nvSpPr>
+          <p:cNvPr id="55" name="직사각형 54"/>
+          <p:cNvSpPr/>
+          <p:nvPr/>
+        </p:nvSpPr>
+        <p:spPr>
+          <a:xfrm>
+            <a:off x="844305" y="327485"/>
+            <a:ext cx="45719" cy="307648"/>
+          </a:xfrm>
+          <a:prstGeom prst="rect">
+            <a:avLst/>
+          </a:prstGeom>
+          <a:solidFill>
+            <a:srgbClr val="64818D"/>
+          </a:solidFill>
+          <a:ln>
+            <a:noFill/>
+          </a:ln>
+        </p:spPr>
+        <p:style>
+          <a:lnRef idx="2">
+            <a:schemeClr val="accent1">
+              <a:shade val="50000"/>
+            </a:schemeClr>
+          </a:lnRef>
+          <a:fillRef idx="1">
+            <a:schemeClr val="accent1"/>
+          </a:fillRef>
+          <a:effectRef idx="0">
+            <a:schemeClr val="accent1"/>
+          </a:effectRef>
+          <a:fontRef idx="minor">
+            <a:schemeClr val="lt1"/>
+          </a:fontRef>
+        </p:style>
+        <p:txBody>
+          <a:bodyPr rtlCol="0" anchor="ctr"/>
+          <a:lstStyle/>
+          <a:p>
+            <a:pPr algn="ctr"/>
+            <a:endParaRPr lang="ko-KR" altLang="en-US"/>
+          </a:p>
+        </p:txBody>
+      </p:sp>
+      <p:pic>
+        <p:nvPicPr>
+          <p:cNvPr id="6" name="그림 5">
+            <a:extLst>
+              <a:ext uri="{FF2B5EF4-FFF2-40B4-BE49-F238E27FC236}">
+                <a16:creationId xmlns:a16="http://schemas.microsoft.com/office/drawing/2014/main" id="{12E72A20-8BB1-4879-91CD-713B233FA041}"/>
+              </a:ext>
+            </a:extLst>
+          </p:cNvPr>
+          <p:cNvPicPr>
+            <a:picLocks noChangeAspect="1"/>
+          </p:cNvPicPr>
+          <p:nvPr/>
+        </p:nvPicPr>
+        <p:blipFill>
+          <a:blip r:embed="rId2">
+            <a:extLst>
+              <a:ext uri="{28A0092B-C50C-407E-A947-70E740481C1C}">
+                <a14:useLocalDpi xmlns:a14="http://schemas.microsoft.com/office/drawing/2010/main" val="0"/>
+              </a:ext>
+            </a:extLst>
+          </a:blip>
+          <a:stretch>
+            <a:fillRect/>
+          </a:stretch>
+        </p:blipFill>
+        <p:spPr>
+          <a:xfrm>
+            <a:off x="1746884" y="1343746"/>
+            <a:ext cx="8698229" cy="1775460"/>
+          </a:xfrm>
+          <a:prstGeom prst="rect">
+            <a:avLst/>
+          </a:prstGeom>
+        </p:spPr>
+      </p:pic>
+      <p:sp>
+        <p:nvSpPr>
+          <p:cNvPr id="11" name="TextBox 10">
+            <a:extLst>
+              <a:ext uri="{FF2B5EF4-FFF2-40B4-BE49-F238E27FC236}">
+                <a16:creationId xmlns:a16="http://schemas.microsoft.com/office/drawing/2014/main" id="{3E6439CD-7882-46C8-B612-5FD1370F263F}"/>
+              </a:ext>
+            </a:extLst>
+          </p:cNvPr>
+          <p:cNvSpPr txBox="1"/>
+          <p:nvPr/>
+        </p:nvSpPr>
+        <p:spPr>
+          <a:xfrm>
+            <a:off x="6002231" y="6497323"/>
+            <a:ext cx="5820981" cy="261610"/>
+          </a:xfrm>
+          <a:prstGeom prst="rect">
+            <a:avLst/>
+          </a:prstGeom>
+          <a:noFill/>
+        </p:spPr>
+        <p:txBody>
+          <a:bodyPr wrap="square" rtlCol="0">
+            <a:spAutoFit/>
+          </a:bodyPr>
+          <a:lstStyle/>
+          <a:p>
+            <a:pPr algn="r"/>
+            <a:r>
+              <a:rPr lang="ko-KR" altLang="en-US" sz="1100" dirty="0"/>
+              <a:t>자료제공</a:t>
+            </a:r>
+            <a:r>
+              <a:rPr lang="en-US" altLang="ko-KR" sz="1100" dirty="0"/>
+              <a:t>: </a:t>
+            </a:r>
+            <a:r>
+              <a:rPr lang="ko-KR" altLang="en-US" sz="1100" dirty="0"/>
+              <a:t>한국디지털</a:t>
+            </a:r>
+            <a:r>
+              <a:rPr lang="en-US" altLang="ko-KR" sz="1100" dirty="0"/>
+              <a:t>CCTV</a:t>
+            </a:r>
+            <a:r>
+              <a:rPr lang="ko-KR" altLang="en-US" sz="1100" dirty="0"/>
+              <a:t>연구조합</a:t>
+            </a:r>
+            <a:r>
+              <a:rPr lang="en-US" altLang="ko-KR" sz="1100" dirty="0">
+                <a:hlinkClick r:id="rId3"/>
+              </a:rPr>
+              <a:t> </a:t>
+            </a:r>
+            <a:endParaRPr lang="ko-KR" altLang="en-US" sz="1100" dirty="0"/>
+          </a:p>
+        </p:txBody>
+      </p:sp>
+      <p:sp>
+        <p:nvSpPr>
+          <p:cNvPr id="7" name="직사각형 6">
+            <a:extLst>
+              <a:ext uri="{FF2B5EF4-FFF2-40B4-BE49-F238E27FC236}">
+                <a16:creationId xmlns:a16="http://schemas.microsoft.com/office/drawing/2014/main" id="{CF8104FE-5FF9-4DF5-812A-A1C7BAC1A57E}"/>
+              </a:ext>
+            </a:extLst>
+          </p:cNvPr>
+          <p:cNvSpPr/>
+          <p:nvPr/>
+        </p:nvSpPr>
+        <p:spPr>
+          <a:xfrm>
+            <a:off x="1746884" y="3385240"/>
+            <a:ext cx="2465887" cy="2872380"/>
+          </a:xfrm>
+          <a:prstGeom prst="rect">
+            <a:avLst/>
+          </a:prstGeom>
+          <a:noFill/>
+          <a:ln w="34925">
+            <a:solidFill>
+              <a:schemeClr val="tx1"/>
+            </a:solidFill>
+          </a:ln>
+        </p:spPr>
+        <p:style>
+          <a:lnRef idx="2">
+            <a:schemeClr val="accent1">
+              <a:shade val="50000"/>
+            </a:schemeClr>
+          </a:lnRef>
+          <a:fillRef idx="1">
+            <a:schemeClr val="accent1"/>
+          </a:fillRef>
+          <a:effectRef idx="0">
+            <a:schemeClr val="accent1"/>
+          </a:effectRef>
+          <a:fontRef idx="minor">
+            <a:schemeClr val="lt1"/>
+          </a:fontRef>
+        </p:style>
+        <p:txBody>
+          <a:bodyPr rtlCol="0" anchor="ctr"/>
+          <a:lstStyle/>
+          <a:p>
+            <a:pPr algn="ctr"/>
+            <a:endParaRPr lang="ko-KR" altLang="en-US"/>
+          </a:p>
+        </p:txBody>
+      </p:sp>
+      <p:sp>
+        <p:nvSpPr>
+          <p:cNvPr id="14" name="직사각형 13">
+            <a:extLst>
+              <a:ext uri="{FF2B5EF4-FFF2-40B4-BE49-F238E27FC236}">
+                <a16:creationId xmlns:a16="http://schemas.microsoft.com/office/drawing/2014/main" id="{42783FB7-C88B-433A-A7BB-146E86FE2365}"/>
+              </a:ext>
+            </a:extLst>
+          </p:cNvPr>
+          <p:cNvSpPr/>
+          <p:nvPr/>
+        </p:nvSpPr>
+        <p:spPr>
+          <a:xfrm>
+            <a:off x="4215354" y="3385240"/>
+            <a:ext cx="3763877" cy="2872380"/>
+          </a:xfrm>
+          <a:prstGeom prst="rect">
+            <a:avLst/>
+          </a:prstGeom>
+          <a:noFill/>
+          <a:ln w="38100">
+            <a:solidFill>
+              <a:schemeClr val="tx1"/>
+            </a:solidFill>
+          </a:ln>
+        </p:spPr>
+        <p:style>
+          <a:lnRef idx="2">
+            <a:schemeClr val="accent1">
+              <a:shade val="50000"/>
+            </a:schemeClr>
+          </a:lnRef>
+          <a:fillRef idx="1">
+            <a:schemeClr val="accent1"/>
+          </a:fillRef>
+          <a:effectRef idx="0">
+            <a:schemeClr val="accent1"/>
+          </a:effectRef>
+          <a:fontRef idx="minor">
+            <a:schemeClr val="lt1"/>
+          </a:fontRef>
+        </p:style>
+        <p:txBody>
+          <a:bodyPr rtlCol="0" anchor="ctr"/>
+          <a:lstStyle/>
+          <a:p>
+            <a:pPr algn="ctr"/>
+            <a:endParaRPr lang="ko-KR" altLang="en-US"/>
+          </a:p>
+        </p:txBody>
+      </p:sp>
+      <p:sp>
+        <p:nvSpPr>
+          <p:cNvPr id="15" name="직사각형 14">
+            <a:extLst>
+              <a:ext uri="{FF2B5EF4-FFF2-40B4-BE49-F238E27FC236}">
+                <a16:creationId xmlns:a16="http://schemas.microsoft.com/office/drawing/2014/main" id="{467402FC-1BF6-4005-8489-A2E1CD8337B7}"/>
+              </a:ext>
+            </a:extLst>
+          </p:cNvPr>
+          <p:cNvSpPr/>
+          <p:nvPr/>
+        </p:nvSpPr>
+        <p:spPr>
+          <a:xfrm>
+            <a:off x="7979231" y="3385240"/>
+            <a:ext cx="2465887" cy="2872380"/>
+          </a:xfrm>
+          <a:prstGeom prst="rect">
+            <a:avLst/>
+          </a:prstGeom>
+          <a:noFill/>
+          <a:ln w="38100">
+            <a:solidFill>
+              <a:schemeClr val="tx1"/>
+            </a:solidFill>
+          </a:ln>
+        </p:spPr>
+        <p:style>
+          <a:lnRef idx="2">
+            <a:schemeClr val="accent1">
+              <a:shade val="50000"/>
+            </a:schemeClr>
+          </a:lnRef>
+          <a:fillRef idx="1">
+            <a:schemeClr val="accent1"/>
+          </a:fillRef>
+          <a:effectRef idx="0">
+            <a:schemeClr val="accent1"/>
+          </a:effectRef>
+          <a:fontRef idx="minor">
+            <a:schemeClr val="lt1"/>
+          </a:fontRef>
+        </p:style>
+        <p:txBody>
+          <a:bodyPr rtlCol="0" anchor="ctr"/>
+          <a:lstStyle/>
+          <a:p>
+            <a:pPr algn="ctr"/>
+            <a:endParaRPr lang="ko-KR" altLang="en-US"/>
+          </a:p>
+        </p:txBody>
+      </p:sp>
+      <p:sp>
+        <p:nvSpPr>
+          <p:cNvPr id="8" name="TextBox 7">
+            <a:extLst>
+              <a:ext uri="{FF2B5EF4-FFF2-40B4-BE49-F238E27FC236}">
+                <a16:creationId xmlns:a16="http://schemas.microsoft.com/office/drawing/2014/main" id="{959EC1AE-E70A-49D9-8AFB-9F5C30AECDEC}"/>
+              </a:ext>
+            </a:extLst>
+          </p:cNvPr>
+          <p:cNvSpPr txBox="1"/>
+          <p:nvPr/>
+        </p:nvSpPr>
+        <p:spPr>
+          <a:xfrm>
+            <a:off x="1746884" y="3385240"/>
+            <a:ext cx="2465887" cy="1661993"/>
+          </a:xfrm>
+          <a:prstGeom prst="rect">
+            <a:avLst/>
+          </a:prstGeom>
+          <a:noFill/>
+        </p:spPr>
+        <p:txBody>
+          <a:bodyPr wrap="square" rtlCol="0">
+            <a:spAutoFit/>
+          </a:bodyPr>
+          <a:lstStyle/>
+          <a:p>
+            <a:r>
+              <a:rPr lang="en-US" altLang="ko-KR" b="1" dirty="0"/>
+              <a:t>1</a:t>
+            </a:r>
+            <a:r>
+              <a:rPr lang="ko-KR" altLang="en-US" b="1" dirty="0"/>
+              <a:t>차 변혁</a:t>
+            </a:r>
+            <a:r>
+              <a:rPr lang="en-US" altLang="ko-KR" b="1" dirty="0"/>
+              <a:t>: </a:t>
+            </a:r>
+            <a:r>
+              <a:rPr lang="ko-KR" altLang="en-US" b="1" dirty="0"/>
+              <a:t>디지털화</a:t>
+            </a:r>
+            <a:endParaRPr lang="en-US" altLang="ko-KR" b="1" dirty="0"/>
+          </a:p>
+          <a:p>
+            <a:endParaRPr lang="en-US" altLang="ko-KR" sz="1100" b="1" dirty="0"/>
+          </a:p>
+          <a:p>
+            <a:pPr marL="285750" indent="-285750">
+              <a:buFontTx/>
+              <a:buChar char="-"/>
+            </a:pPr>
+            <a:r>
+              <a:rPr lang="ko-KR" altLang="en-US" dirty="0"/>
+              <a:t>비디오테이프를 사용한 녹화방식에서 디지털로 영상을 저장하는 </a:t>
+            </a:r>
+            <a:r>
+              <a:rPr lang="en-US" altLang="ko-KR" dirty="0"/>
+              <a:t>DVR</a:t>
+            </a:r>
+            <a:r>
+              <a:rPr lang="ko-KR" altLang="en-US" dirty="0"/>
+              <a:t>로 발달</a:t>
+            </a:r>
+          </a:p>
+        </p:txBody>
+      </p:sp>
+      <p:sp>
+        <p:nvSpPr>
+          <p:cNvPr id="17" name="TextBox 16">
+            <a:extLst>
+              <a:ext uri="{FF2B5EF4-FFF2-40B4-BE49-F238E27FC236}">
+                <a16:creationId xmlns:a16="http://schemas.microsoft.com/office/drawing/2014/main" id="{249608FE-E834-402F-A85D-91640CE6F104}"/>
+              </a:ext>
+            </a:extLst>
+          </p:cNvPr>
+          <p:cNvSpPr txBox="1"/>
+          <p:nvPr/>
+        </p:nvSpPr>
+        <p:spPr>
+          <a:xfrm>
+            <a:off x="4212771" y="3394118"/>
+            <a:ext cx="3763877" cy="2100575"/>
+          </a:xfrm>
+          <a:prstGeom prst="rect">
+            <a:avLst/>
+          </a:prstGeom>
+          <a:noFill/>
+        </p:spPr>
+        <p:txBody>
+          <a:bodyPr wrap="square" rtlCol="0">
+            <a:spAutoFit/>
+          </a:bodyPr>
+          <a:lstStyle/>
+          <a:p>
+            <a:r>
+              <a:rPr lang="en-US" altLang="ko-KR" b="1" dirty="0"/>
+              <a:t>2</a:t>
+            </a:r>
+            <a:r>
+              <a:rPr lang="ko-KR" altLang="en-US" b="1" dirty="0"/>
+              <a:t>차 변혁</a:t>
+            </a:r>
+            <a:r>
+              <a:rPr lang="en-US" altLang="ko-KR" b="1" dirty="0"/>
+              <a:t>: </a:t>
+            </a:r>
+            <a:r>
+              <a:rPr lang="ko-KR" altLang="en-US" b="1" dirty="0"/>
+              <a:t>네트워크화</a:t>
+            </a:r>
+            <a:endParaRPr lang="en-US" altLang="ko-KR" b="1" dirty="0"/>
+          </a:p>
+          <a:p>
+            <a:endParaRPr lang="en-US" altLang="ko-KR" sz="1050" b="1" dirty="0"/>
+          </a:p>
+          <a:p>
+            <a:pPr marL="285750" indent="-285750">
+              <a:buFontTx/>
+              <a:buChar char="-"/>
+            </a:pPr>
+            <a:r>
+              <a:rPr lang="ko-KR" altLang="en-US" dirty="0"/>
+              <a:t>인터넷 네트워크를 통하여 영상을 전송하는 </a:t>
+            </a:r>
+            <a:r>
+              <a:rPr lang="en-US" altLang="ko-KR" dirty="0"/>
+              <a:t>IP</a:t>
+            </a:r>
+            <a:r>
+              <a:rPr lang="ko-KR" altLang="en-US" dirty="0"/>
+              <a:t>카메라가 등장</a:t>
+            </a:r>
+            <a:endParaRPr lang="en-US" altLang="ko-KR" dirty="0"/>
+          </a:p>
+          <a:p>
+            <a:endParaRPr lang="en-US" altLang="ko-KR" sz="1100" dirty="0"/>
+          </a:p>
+          <a:p>
+            <a:pPr marL="285750" indent="-285750">
+              <a:buFontTx/>
+              <a:buChar char="-"/>
+            </a:pPr>
+            <a:r>
+              <a:rPr lang="ko-KR" altLang="en-US" dirty="0"/>
+              <a:t>다수의 </a:t>
+            </a:r>
+            <a:r>
+              <a:rPr lang="en-US" altLang="ko-KR" dirty="0"/>
+              <a:t>CCTV</a:t>
+            </a:r>
+            <a:r>
+              <a:rPr lang="ko-KR" altLang="en-US" dirty="0"/>
+              <a:t>영상을 통합 관제함에 따라 사건발생 상황을 놓치는 문제 발생</a:t>
+            </a:r>
+          </a:p>
+        </p:txBody>
+      </p:sp>
+      <p:sp>
+        <p:nvSpPr>
+          <p:cNvPr id="18" name="TextBox 17">
+            <a:extLst>
+              <a:ext uri="{FF2B5EF4-FFF2-40B4-BE49-F238E27FC236}">
+                <a16:creationId xmlns:a16="http://schemas.microsoft.com/office/drawing/2014/main" id="{5928F1C2-FCE3-4E13-BDA2-AB4183E0C1E5}"/>
+              </a:ext>
+            </a:extLst>
+          </p:cNvPr>
+          <p:cNvSpPr txBox="1"/>
+          <p:nvPr/>
+        </p:nvSpPr>
+        <p:spPr>
+          <a:xfrm>
+            <a:off x="7979230" y="3385240"/>
+            <a:ext cx="2465887" cy="2646878"/>
+          </a:xfrm>
+          <a:prstGeom prst="rect">
+            <a:avLst/>
+          </a:prstGeom>
+          <a:noFill/>
+        </p:spPr>
+        <p:txBody>
+          <a:bodyPr wrap="square" rtlCol="0">
+            <a:spAutoFit/>
+          </a:bodyPr>
+          <a:lstStyle/>
+          <a:p>
+            <a:r>
+              <a:rPr lang="en-US" altLang="ko-KR" b="1" dirty="0"/>
+              <a:t>3</a:t>
+            </a:r>
+            <a:r>
+              <a:rPr lang="ko-KR" altLang="en-US" b="1" dirty="0"/>
+              <a:t>차 변혁</a:t>
+            </a:r>
+            <a:r>
+              <a:rPr lang="en-US" altLang="ko-KR" b="1" dirty="0"/>
+              <a:t>: </a:t>
+            </a:r>
+            <a:r>
+              <a:rPr lang="ko-KR" altLang="en-US" b="1" dirty="0"/>
+              <a:t>지능형</a:t>
+            </a:r>
+            <a:endParaRPr lang="en-US" altLang="ko-KR" b="1" dirty="0"/>
+          </a:p>
+          <a:p>
+            <a:endParaRPr lang="en-US" altLang="ko-KR" sz="1100" b="1" dirty="0"/>
+          </a:p>
+          <a:p>
+            <a:pPr marL="285750" indent="-285750">
+              <a:buFontTx/>
+              <a:buChar char="-"/>
+            </a:pPr>
+            <a:r>
+              <a:rPr lang="ko-KR" altLang="en-US" dirty="0"/>
+              <a:t>디지털 네트워크화를 통해 영상감시가 자동으로 이뤄지는 지능형 솔루션 탑재</a:t>
+            </a:r>
+            <a:endParaRPr lang="en-US" altLang="ko-KR" dirty="0"/>
+          </a:p>
+          <a:p>
+            <a:endParaRPr lang="en-US" altLang="ko-KR" sz="1100" dirty="0"/>
+          </a:p>
+          <a:p>
+            <a:pPr marL="285750" indent="-285750">
+              <a:buFontTx/>
+              <a:buChar char="-"/>
+            </a:pPr>
+            <a:r>
+              <a:rPr lang="ko-KR" altLang="en-US" dirty="0"/>
+              <a:t>시스템이 자동으로 알려주는 자동감시형으로 변화 중</a:t>
+            </a:r>
+          </a:p>
+        </p:txBody>
+      </p:sp>
+    </p:spTree>
+    <p:extLst>
+      <p:ext uri="{BB962C8B-B14F-4D97-AF65-F5344CB8AC3E}">
+        <p14:creationId xmlns:p14="http://schemas.microsoft.com/office/powerpoint/2010/main" val="4243142974"/>
+      </p:ext>
+    </p:extLst>
+  </p:cSld>
+  <p:clrMapOvr>
+    <a:masterClrMapping/>
+  </p:clrMapOvr>
+</p:sld>
+</file>
+
+<file path=ppt/slides/slide5.xml><?xml version="1.0" encoding="utf-8"?>
+<p:sld xmlns:a="http://schemas.openxmlformats.org/drawingml/2006/main" xmlns:r="http://schemas.openxmlformats.org/officeDocument/2006/relationships" xmlns:p="http://schemas.openxmlformats.org/presentationml/2006/main">
+  <p:cSld>
+    <p:spTree>
+      <p:nvGrpSpPr>
+        <p:cNvPr id="1" name=""/>
+        <p:cNvGrpSpPr/>
+        <p:nvPr/>
+      </p:nvGrpSpPr>
+      <p:grpSpPr>
+        <a:xfrm>
+          <a:off x="0" y="0"/>
+          <a:ext cx="0" cy="0"/>
+          <a:chOff x="0" y="0"/>
+          <a:chExt cx="0" cy="0"/>
+        </a:xfrm>
+      </p:grpSpPr>
+      <p:sp>
+        <p:nvSpPr>
+          <p:cNvPr id="4" name="직사각형 3"/>
+          <p:cNvSpPr/>
+          <p:nvPr/>
+        </p:nvSpPr>
+        <p:spPr>
+          <a:xfrm>
+            <a:off x="0" y="0"/>
+            <a:ext cx="12191999" cy="982910"/>
+          </a:xfrm>
+          <a:prstGeom prst="rect">
+            <a:avLst/>
+          </a:prstGeom>
+          <a:solidFill>
+            <a:srgbClr val="B7CFCE"/>
+          </a:solidFill>
+          <a:ln>
+            <a:noFill/>
+          </a:ln>
+        </p:spPr>
+        <p:style>
+          <a:lnRef idx="2">
+            <a:schemeClr val="accent1">
+              <a:shade val="50000"/>
+            </a:schemeClr>
+          </a:lnRef>
+          <a:fillRef idx="1">
+            <a:schemeClr val="accent1"/>
+          </a:fillRef>
+          <a:effectRef idx="0">
+            <a:schemeClr val="accent1"/>
+          </a:effectRef>
+          <a:fontRef idx="minor">
+            <a:schemeClr val="lt1"/>
+          </a:fontRef>
+        </p:style>
+        <p:txBody>
+          <a:bodyPr rtlCol="0" anchor="ctr"/>
+          <a:lstStyle/>
+          <a:p>
+            <a:pPr algn="ctr"/>
+            <a:endParaRPr lang="ko-KR" altLang="en-US"/>
+          </a:p>
+        </p:txBody>
+      </p:sp>
+      <p:sp>
+        <p:nvSpPr>
+          <p:cNvPr id="50" name="TextBox 49"/>
+          <p:cNvSpPr txBox="1"/>
+          <p:nvPr/>
+        </p:nvSpPr>
+        <p:spPr>
+          <a:xfrm>
+            <a:off x="256199" y="219699"/>
+            <a:ext cx="673776" cy="523220"/>
+          </a:xfrm>
+          <a:prstGeom prst="rect">
+            <a:avLst/>
+          </a:prstGeom>
+          <a:noFill/>
+        </p:spPr>
+        <p:txBody>
+          <a:bodyPr wrap="square" rtlCol="0">
+            <a:spAutoFit/>
+          </a:bodyPr>
+          <a:lstStyle/>
+          <a:p>
+            <a:r>
+              <a:rPr lang="en-US" altLang="ko-KR" sz="2800" dirty="0">
+                <a:solidFill>
+                  <a:srgbClr val="64818D"/>
+                </a:solidFill>
+                <a:latin typeface="KoPub돋움체 Bold" panose="00000800000000000000" pitchFamily="2" charset="-127"/>
+                <a:ea typeface="KoPub돋움체 Bold" panose="00000800000000000000" pitchFamily="2" charset="-127"/>
+              </a:rPr>
               <a:t>02</a:t>
             </a:r>
             <a:endParaRPr lang="ko-KR" altLang="en-US" sz="2800" dirty="0">
@@ -8380,415 +10735,6 @@
 </p:sld>
 </file>
 
-<file path=ppt/slides/slide5.xml><?xml version="1.0" encoding="utf-8"?>
-<p:sld xmlns:a="http://schemas.openxmlformats.org/drawingml/2006/main" xmlns:r="http://schemas.openxmlformats.org/officeDocument/2006/relationships" xmlns:p="http://schemas.openxmlformats.org/presentationml/2006/main">
-  <p:cSld>
-    <p:spTree>
-      <p:nvGrpSpPr>
-        <p:cNvPr id="1" name=""/>
-        <p:cNvGrpSpPr/>
-        <p:nvPr/>
-      </p:nvGrpSpPr>
-      <p:grpSpPr>
-        <a:xfrm>
-          <a:off x="0" y="0"/>
-          <a:ext cx="0" cy="0"/>
-          <a:chOff x="0" y="0"/>
-          <a:chExt cx="0" cy="0"/>
-        </a:xfrm>
-      </p:grpSpPr>
-      <p:sp>
-        <p:nvSpPr>
-          <p:cNvPr id="4" name="직사각형 3"/>
-          <p:cNvSpPr/>
-          <p:nvPr/>
-        </p:nvSpPr>
-        <p:spPr>
-          <a:xfrm>
-            <a:off x="0" y="0"/>
-            <a:ext cx="12191999" cy="982910"/>
-          </a:xfrm>
-          <a:prstGeom prst="rect">
-            <a:avLst/>
-          </a:prstGeom>
-          <a:solidFill>
-            <a:srgbClr val="B7CFCE"/>
-          </a:solidFill>
-          <a:ln>
-            <a:noFill/>
-          </a:ln>
-        </p:spPr>
-        <p:style>
-          <a:lnRef idx="2">
-            <a:schemeClr val="accent1">
-              <a:shade val="50000"/>
-            </a:schemeClr>
-          </a:lnRef>
-          <a:fillRef idx="1">
-            <a:schemeClr val="accent1"/>
-          </a:fillRef>
-          <a:effectRef idx="0">
-            <a:schemeClr val="accent1"/>
-          </a:effectRef>
-          <a:fontRef idx="minor">
-            <a:schemeClr val="lt1"/>
-          </a:fontRef>
-        </p:style>
-        <p:txBody>
-          <a:bodyPr rtlCol="0" anchor="ctr"/>
-          <a:lstStyle/>
-          <a:p>
-            <a:pPr algn="ctr"/>
-            <a:endParaRPr lang="ko-KR" altLang="en-US"/>
-          </a:p>
-        </p:txBody>
-      </p:sp>
-      <p:sp>
-        <p:nvSpPr>
-          <p:cNvPr id="50" name="TextBox 49"/>
-          <p:cNvSpPr txBox="1"/>
-          <p:nvPr/>
-        </p:nvSpPr>
-        <p:spPr>
-          <a:xfrm>
-            <a:off x="256199" y="219699"/>
-            <a:ext cx="673776" cy="523220"/>
-          </a:xfrm>
-          <a:prstGeom prst="rect">
-            <a:avLst/>
-          </a:prstGeom>
-          <a:noFill/>
-        </p:spPr>
-        <p:txBody>
-          <a:bodyPr wrap="square" rtlCol="0">
-            <a:spAutoFit/>
-          </a:bodyPr>
-          <a:lstStyle/>
-          <a:p>
-            <a:r>
-              <a:rPr lang="en-US" altLang="ko-KR" sz="2800" dirty="0">
-                <a:solidFill>
-                  <a:srgbClr val="64818D"/>
-                </a:solidFill>
-                <a:latin typeface="KoPub돋움체 Bold" panose="00000800000000000000" pitchFamily="2" charset="-127"/>
-                <a:ea typeface="KoPub돋움체 Bold" panose="00000800000000000000" pitchFamily="2" charset="-127"/>
-              </a:rPr>
-              <a:t>03</a:t>
-            </a:r>
-            <a:endParaRPr lang="ko-KR" altLang="en-US" sz="2800" dirty="0">
-              <a:solidFill>
-                <a:srgbClr val="64818D"/>
-              </a:solidFill>
-              <a:latin typeface="KoPub돋움체 Bold" panose="00000800000000000000" pitchFamily="2" charset="-127"/>
-              <a:ea typeface="KoPub돋움체 Bold" panose="00000800000000000000" pitchFamily="2" charset="-127"/>
-            </a:endParaRPr>
-          </a:p>
-        </p:txBody>
-      </p:sp>
-      <p:sp>
-        <p:nvSpPr>
-          <p:cNvPr id="51" name="TextBox 50"/>
-          <p:cNvSpPr txBox="1"/>
-          <p:nvPr/>
-        </p:nvSpPr>
-        <p:spPr>
-          <a:xfrm>
-            <a:off x="929974" y="255211"/>
-            <a:ext cx="2694533" cy="461665"/>
-          </a:xfrm>
-          <a:prstGeom prst="rect">
-            <a:avLst/>
-          </a:prstGeom>
-          <a:noFill/>
-        </p:spPr>
-        <p:txBody>
-          <a:bodyPr wrap="square" rtlCol="0">
-            <a:spAutoFit/>
-          </a:bodyPr>
-          <a:lstStyle/>
-          <a:p>
-            <a:r>
-              <a:rPr lang="ko-KR" altLang="en-US" sz="2400" dirty="0">
-                <a:latin typeface="KoPub돋움체 Bold" panose="00000800000000000000" pitchFamily="2" charset="-127"/>
-                <a:ea typeface="KoPub돋움체 Bold" panose="00000800000000000000" pitchFamily="2" charset="-127"/>
-              </a:rPr>
-              <a:t>제품소개</a:t>
-            </a:r>
-            <a:endParaRPr lang="ko-KR" altLang="en-US" sz="2800" dirty="0">
-              <a:latin typeface="KoPub돋움체 Bold" panose="00000800000000000000" pitchFamily="2" charset="-127"/>
-              <a:ea typeface="KoPub돋움체 Bold" panose="00000800000000000000" pitchFamily="2" charset="-127"/>
-            </a:endParaRPr>
-          </a:p>
-        </p:txBody>
-      </p:sp>
-      <p:sp>
-        <p:nvSpPr>
-          <p:cNvPr id="55" name="직사각형 54"/>
-          <p:cNvSpPr/>
-          <p:nvPr/>
-        </p:nvSpPr>
-        <p:spPr>
-          <a:xfrm>
-            <a:off x="844305" y="327485"/>
-            <a:ext cx="45719" cy="307648"/>
-          </a:xfrm>
-          <a:prstGeom prst="rect">
-            <a:avLst/>
-          </a:prstGeom>
-          <a:solidFill>
-            <a:srgbClr val="64818D"/>
-          </a:solidFill>
-          <a:ln>
-            <a:noFill/>
-          </a:ln>
-        </p:spPr>
-        <p:style>
-          <a:lnRef idx="2">
-            <a:schemeClr val="accent1">
-              <a:shade val="50000"/>
-            </a:schemeClr>
-          </a:lnRef>
-          <a:fillRef idx="1">
-            <a:schemeClr val="accent1"/>
-          </a:fillRef>
-          <a:effectRef idx="0">
-            <a:schemeClr val="accent1"/>
-          </a:effectRef>
-          <a:fontRef idx="minor">
-            <a:schemeClr val="lt1"/>
-          </a:fontRef>
-        </p:style>
-        <p:txBody>
-          <a:bodyPr rtlCol="0" anchor="ctr"/>
-          <a:lstStyle/>
-          <a:p>
-            <a:pPr algn="ctr"/>
-            <a:endParaRPr lang="ko-KR" altLang="en-US"/>
-          </a:p>
-        </p:txBody>
-      </p:sp>
-      <p:sp>
-        <p:nvSpPr>
-          <p:cNvPr id="2" name="TextBox 1">
-            <a:extLst>
-              <a:ext uri="{FF2B5EF4-FFF2-40B4-BE49-F238E27FC236}">
-                <a16:creationId xmlns:a16="http://schemas.microsoft.com/office/drawing/2014/main" id="{212E600D-166E-4F1F-8225-6269E95B412C}"/>
-              </a:ext>
-            </a:extLst>
-          </p:cNvPr>
-          <p:cNvSpPr txBox="1"/>
-          <p:nvPr/>
-        </p:nvSpPr>
-        <p:spPr>
-          <a:xfrm>
-            <a:off x="689995" y="3162207"/>
-            <a:ext cx="4348933" cy="1200329"/>
-          </a:xfrm>
-          <a:prstGeom prst="rect">
-            <a:avLst/>
-          </a:prstGeom>
-          <a:noFill/>
-        </p:spPr>
-        <p:txBody>
-          <a:bodyPr wrap="square" rtlCol="0">
-            <a:spAutoFit/>
-          </a:bodyPr>
-          <a:lstStyle/>
-          <a:p>
-            <a:pPr marL="285750" indent="-285750">
-              <a:buFontTx/>
-              <a:buChar char="-"/>
-            </a:pPr>
-            <a:r>
-              <a:rPr lang="ko-KR" altLang="en-US" dirty="0"/>
-              <a:t>사람이 없는 곳에서 의식불명에 빠지거나 움직일 수 없는 상황이면 도움을 요청할 수 없으므로 구조요청이 늦어져 큰 사고로 이어질 수 있다</a:t>
-            </a:r>
-            <a:r>
-              <a:rPr lang="en-US" altLang="ko-KR" dirty="0"/>
-              <a:t>. </a:t>
-            </a:r>
-          </a:p>
-        </p:txBody>
-      </p:sp>
-      <p:sp>
-        <p:nvSpPr>
-          <p:cNvPr id="5" name="TextBox 4">
-            <a:extLst>
-              <a:ext uri="{FF2B5EF4-FFF2-40B4-BE49-F238E27FC236}">
-                <a16:creationId xmlns:a16="http://schemas.microsoft.com/office/drawing/2014/main" id="{3B6791BB-A6E3-4474-9BBC-8468C62031C2}"/>
-              </a:ext>
-            </a:extLst>
-          </p:cNvPr>
-          <p:cNvSpPr txBox="1"/>
-          <p:nvPr/>
-        </p:nvSpPr>
-        <p:spPr>
-          <a:xfrm>
-            <a:off x="7153074" y="2746708"/>
-            <a:ext cx="4367718" cy="2031325"/>
-          </a:xfrm>
-          <a:prstGeom prst="rect">
-            <a:avLst/>
-          </a:prstGeom>
-          <a:noFill/>
-        </p:spPr>
-        <p:txBody>
-          <a:bodyPr wrap="square" rtlCol="0">
-            <a:spAutoFit/>
-          </a:bodyPr>
-          <a:lstStyle/>
-          <a:p>
-            <a:pPr marL="285750" indent="-285750">
-              <a:buFontTx/>
-              <a:buChar char="-"/>
-            </a:pPr>
-            <a:r>
-              <a:rPr lang="en-US" altLang="ko-KR" dirty="0"/>
-              <a:t>CCTV</a:t>
-            </a:r>
-            <a:r>
-              <a:rPr lang="ko-KR" altLang="en-US" dirty="0"/>
-              <a:t>가 일정시간 동안의 쓰러짐을 감지하면 관리실에 알림을 보내 경고를 띄운다</a:t>
-            </a:r>
-            <a:r>
-              <a:rPr lang="en-US" altLang="ko-KR" dirty="0"/>
-              <a:t>.</a:t>
-            </a:r>
-          </a:p>
-          <a:p>
-            <a:pPr marL="285750" indent="-285750">
-              <a:buFontTx/>
-              <a:buChar char="-"/>
-            </a:pPr>
-            <a:endParaRPr lang="en-US" altLang="ko-KR" dirty="0"/>
-          </a:p>
-          <a:p>
-            <a:pPr marL="285750" indent="-285750">
-              <a:buFontTx/>
-              <a:buChar char="-"/>
-            </a:pPr>
-            <a:r>
-              <a:rPr lang="ko-KR" altLang="en-US" dirty="0"/>
-              <a:t>관리자는 해당 </a:t>
-            </a:r>
-            <a:r>
-              <a:rPr lang="en-US" altLang="ko-KR" dirty="0"/>
-              <a:t>CCTV</a:t>
-            </a:r>
-            <a:r>
-              <a:rPr lang="ko-KR" altLang="en-US" dirty="0"/>
-              <a:t>를 확인 후 출동여부를 결정하여 보다 빠른 대처가 가능하다</a:t>
-            </a:r>
-            <a:r>
-              <a:rPr lang="en-US" altLang="ko-KR" dirty="0"/>
-              <a:t>.</a:t>
-            </a:r>
-          </a:p>
-        </p:txBody>
-      </p:sp>
-      <p:sp>
-        <p:nvSpPr>
-          <p:cNvPr id="7" name="화살표: 오른쪽 6">
-            <a:extLst>
-              <a:ext uri="{FF2B5EF4-FFF2-40B4-BE49-F238E27FC236}">
-                <a16:creationId xmlns:a16="http://schemas.microsoft.com/office/drawing/2014/main" id="{9235DA6C-1107-4751-87F2-C93D9EF76A0B}"/>
-              </a:ext>
-            </a:extLst>
-          </p:cNvPr>
-          <p:cNvSpPr/>
-          <p:nvPr/>
-        </p:nvSpPr>
-        <p:spPr>
-          <a:xfrm>
-            <a:off x="5395943" y="3387856"/>
-            <a:ext cx="1381328" cy="749030"/>
-          </a:xfrm>
-          <a:prstGeom prst="rightArrow">
-            <a:avLst/>
-          </a:prstGeom>
-          <a:solidFill>
-            <a:schemeClr val="tx1"/>
-          </a:solidFill>
-          <a:ln>
-            <a:solidFill>
-              <a:schemeClr val="tx1"/>
-            </a:solidFill>
-          </a:ln>
-        </p:spPr>
-        <p:style>
-          <a:lnRef idx="2">
-            <a:schemeClr val="accent1">
-              <a:shade val="50000"/>
-            </a:schemeClr>
-          </a:lnRef>
-          <a:fillRef idx="1">
-            <a:schemeClr val="accent1"/>
-          </a:fillRef>
-          <a:effectRef idx="0">
-            <a:schemeClr val="accent1"/>
-          </a:effectRef>
-          <a:fontRef idx="minor">
-            <a:schemeClr val="lt1"/>
-          </a:fontRef>
-        </p:style>
-        <p:txBody>
-          <a:bodyPr rtlCol="0" anchor="ctr"/>
-          <a:lstStyle/>
-          <a:p>
-            <a:pPr algn="ctr"/>
-            <a:endParaRPr lang="ko-KR" altLang="en-US" dirty="0"/>
-          </a:p>
-        </p:txBody>
-      </p:sp>
-      <p:sp>
-        <p:nvSpPr>
-          <p:cNvPr id="10" name="TextBox 9">
-            <a:extLst>
-              <a:ext uri="{FF2B5EF4-FFF2-40B4-BE49-F238E27FC236}">
-                <a16:creationId xmlns:a16="http://schemas.microsoft.com/office/drawing/2014/main" id="{C0A7E4DD-A82B-4FD4-B9EA-86D2863B3C7E}"/>
-              </a:ext>
-            </a:extLst>
-          </p:cNvPr>
-          <p:cNvSpPr txBox="1"/>
-          <p:nvPr/>
-        </p:nvSpPr>
-        <p:spPr>
-          <a:xfrm>
-            <a:off x="844305" y="1381204"/>
-            <a:ext cx="9114817" cy="523220"/>
-          </a:xfrm>
-          <a:prstGeom prst="rect">
-            <a:avLst/>
-          </a:prstGeom>
-          <a:noFill/>
-        </p:spPr>
-        <p:txBody>
-          <a:bodyPr wrap="square" rtlCol="0">
-            <a:spAutoFit/>
-          </a:bodyPr>
-          <a:lstStyle/>
-          <a:p>
-            <a:r>
-              <a:rPr lang="ko-KR" altLang="en-US" sz="2800" dirty="0"/>
-              <a:t>의식불명 및 도움요청</a:t>
-            </a:r>
-            <a:endParaRPr lang="en-US" altLang="ko-KR" sz="2800" dirty="0"/>
-          </a:p>
-        </p:txBody>
-      </p:sp>
-    </p:spTree>
-    <p:extLst>
-      <p:ext uri="{BB962C8B-B14F-4D97-AF65-F5344CB8AC3E}">
-        <p14:creationId xmlns:p14="http://schemas.microsoft.com/office/powerpoint/2010/main" val="782060857"/>
-      </p:ext>
-    </p:extLst>
-  </p:cSld>
-  <p:clrMapOvr>
-    <a:masterClrMapping/>
-  </p:clrMapOvr>
-</p:sld>
-</file>
-
 <file path=ppt/slides/slide6.xml><?xml version="1.0" encoding="utf-8"?>
 <p:sld xmlns:a="http://schemas.openxmlformats.org/drawingml/2006/main" xmlns:r="http://schemas.openxmlformats.org/officeDocument/2006/relationships" xmlns:p="http://schemas.openxmlformats.org/presentationml/2006/main">
   <p:cSld>
@@ -8990,8 +10936,8 @@
         </p:nvSpPr>
         <p:spPr>
           <a:xfrm>
-            <a:off x="689995" y="2002862"/>
-            <a:ext cx="4348933" cy="4247317"/>
+            <a:off x="689995" y="2523014"/>
+            <a:ext cx="4348933" cy="1200329"/>
           </a:xfrm>
           <a:prstGeom prst="rect">
             <a:avLst/>
@@ -9004,112 +10950,18 @@
           </a:bodyPr>
           <a:lstStyle/>
           <a:p>
-            <a:endParaRPr lang="en-US" altLang="ko-KR" dirty="0"/>
-          </a:p>
-          <a:p>
             <a:pPr marL="285750" indent="-285750">
               <a:buFontTx/>
               <a:buChar char="-"/>
             </a:pPr>
             <a:r>
               <a:rPr lang="ko-KR" altLang="en-US" dirty="0"/>
-              <a:t>우범지역의 예시로 아파트 옥상은 안전사고</a:t>
-            </a:r>
-            <a:r>
-              <a:rPr lang="en-US" altLang="ko-KR" dirty="0"/>
-              <a:t>, </a:t>
-            </a:r>
-            <a:r>
-              <a:rPr lang="ko-KR" altLang="en-US" dirty="0"/>
-              <a:t>자살사건이 발생하는 곳이다</a:t>
+              <a:t>사람이 없는 곳에서 의식불명에 빠지거나 움직일 수 없는 상황이면 도움을 요청할 수 없으므로 구조요청이 늦어져 큰 사고로 이어질 수 있다</a:t>
             </a:r>
             <a:r>
               <a:rPr lang="en-US" altLang="ko-KR" dirty="0"/>
               <a:t>. </a:t>
             </a:r>
-            <a:r>
-              <a:rPr lang="ko-KR" altLang="en-US" dirty="0"/>
-              <a:t>그러나 화재와 홍수같은 비상상황 발생 시 대피 장소이기 때문에 출입제한이 어렵다</a:t>
-            </a:r>
-            <a:r>
-              <a:rPr lang="en-US" altLang="ko-KR" dirty="0"/>
-              <a:t>.</a:t>
-            </a:r>
-          </a:p>
-          <a:p>
-            <a:endParaRPr lang="en-US" altLang="ko-KR" dirty="0"/>
-          </a:p>
-          <a:p>
-            <a:pPr marL="285750" indent="-285750">
-              <a:buFontTx/>
-              <a:buChar char="-"/>
-            </a:pPr>
-            <a:r>
-              <a:rPr lang="ko-KR" altLang="en-US" dirty="0"/>
-              <a:t>아파트의 주요장소</a:t>
-            </a:r>
-            <a:r>
-              <a:rPr lang="en-US" altLang="ko-KR" sz="1200" dirty="0"/>
-              <a:t>(</a:t>
-            </a:r>
-            <a:r>
-              <a:rPr lang="ko-KR" altLang="en-US" sz="1200" dirty="0" err="1"/>
-              <a:t>전압실</a:t>
-            </a:r>
-            <a:r>
-              <a:rPr lang="en-US" altLang="ko-KR" sz="1200" dirty="0"/>
-              <a:t>, </a:t>
-            </a:r>
-            <a:r>
-              <a:rPr lang="ko-KR" altLang="en-US" sz="1200" dirty="0"/>
-              <a:t>기계실 등</a:t>
-            </a:r>
-            <a:r>
-              <a:rPr lang="en-US" altLang="ko-KR" sz="1200" dirty="0"/>
-              <a:t>)</a:t>
-            </a:r>
-            <a:r>
-              <a:rPr lang="ko-KR" altLang="en-US" dirty="0"/>
-              <a:t>에는 일반인의 출입이 불가한 곳이지만</a:t>
-            </a:r>
-            <a:r>
-              <a:rPr lang="en-US" altLang="ko-KR" dirty="0"/>
-              <a:t> </a:t>
-            </a:r>
-            <a:r>
-              <a:rPr lang="ko-KR" altLang="en-US" dirty="0"/>
-              <a:t>출입 여부를 항상 파악할 수 없다</a:t>
-            </a:r>
-            <a:r>
-              <a:rPr lang="en-US" altLang="ko-KR" dirty="0"/>
-              <a:t>.</a:t>
-            </a:r>
-          </a:p>
-          <a:p>
-            <a:pPr marL="285750" indent="-285750">
-              <a:buFontTx/>
-              <a:buChar char="-"/>
-            </a:pPr>
-            <a:endParaRPr lang="en-US" altLang="ko-KR" dirty="0"/>
-          </a:p>
-          <a:p>
-            <a:pPr marL="285750" indent="-285750">
-              <a:buFontTx/>
-              <a:buChar char="-"/>
-            </a:pPr>
-            <a:r>
-              <a:rPr lang="ko-KR" altLang="en-US" dirty="0"/>
-              <a:t>대단위 아파트 단지에서 지정된 출입구 외의 구역으로 침입을 시도하는 행위를 한정된 인력이 전면적으로 통제하기는 힘들다</a:t>
-            </a:r>
-            <a:r>
-              <a:rPr lang="en-US" altLang="ko-KR" dirty="0"/>
-              <a:t>.</a:t>
-            </a:r>
-            <a:r>
-              <a:rPr lang="ko-KR" altLang="en-US" dirty="0"/>
-              <a:t> </a:t>
-            </a:r>
-            <a:endParaRPr lang="en-US" altLang="ko-KR" dirty="0"/>
           </a:p>
         </p:txBody>
       </p:sp>
@@ -9127,8 +10979,8 @@
         </p:nvSpPr>
         <p:spPr>
           <a:xfrm>
-            <a:off x="7134287" y="2695359"/>
-            <a:ext cx="4367718" cy="2585323"/>
+            <a:off x="7153074" y="2107515"/>
+            <a:ext cx="4367718" cy="2031325"/>
           </a:xfrm>
           <a:prstGeom prst="rect">
             <a:avLst/>
@@ -9141,9 +10993,6 @@
           </a:bodyPr>
           <a:lstStyle/>
           <a:p>
-            <a:endParaRPr lang="en-US" altLang="ko-KR" dirty="0"/>
-          </a:p>
-          <a:p>
             <a:pPr marL="285750" indent="-285750">
               <a:buFontTx/>
               <a:buChar char="-"/>
@@ -9154,7 +11003,7 @@
             </a:r>
             <a:r>
               <a:rPr lang="ko-KR" altLang="en-US" dirty="0"/>
-              <a:t>에서 출입 제한 구역에 사람을 감지하면 관리자에게 알림을 보내고 관리자는 알림을 통해 해당 구역을 확인하여 사고 예방이 가능하다</a:t>
+              <a:t>가 일정시간 동안의 쓰러짐을 감지하면 관리실에 알림을 보내 경고를 띄운다</a:t>
             </a:r>
             <a:r>
               <a:rPr lang="en-US" altLang="ko-KR" dirty="0"/>
@@ -9175,57 +11024,20 @@
             </a:pPr>
             <a:r>
               <a:rPr lang="ko-KR" altLang="en-US" dirty="0"/>
-              <a:t>관리자의 출입 제한 구역 순찰을 위해 해당지역의 </a:t>
+              <a:t>관리자는 해당 </a:t>
             </a:r>
             <a:r>
               <a:rPr lang="en-US" altLang="ko-KR" dirty="0"/>
-              <a:t>CCTV </a:t>
+              <a:t>CCTV</a:t>
             </a:r>
             <a:r>
               <a:rPr lang="ko-KR" altLang="en-US" dirty="0"/>
-              <a:t>알림 기능을 일시적으로 해제할 수도 있다</a:t>
+              <a:t>를 확인 후 출동여부를 결정하여 보다 빠른 대처가 가능하다</a:t>
             </a:r>
             <a:r>
               <a:rPr lang="en-US" altLang="ko-KR" dirty="0"/>
               <a:t>.</a:t>
             </a:r>
-            <a:endParaRPr lang="ko-KR" altLang="en-US" dirty="0"/>
-          </a:p>
-        </p:txBody>
-      </p:sp>
-      <p:sp>
-        <p:nvSpPr>
-          <p:cNvPr id="6" name="TextBox 5">
-            <a:extLst>
-              <a:ext uri="{FF2B5EF4-FFF2-40B4-BE49-F238E27FC236}">
-                <a16:creationId xmlns:a16="http://schemas.microsoft.com/office/drawing/2014/main" id="{9351189A-582A-4236-AB13-146E02D4DEC2}"/>
-              </a:ext>
-            </a:extLst>
-          </p:cNvPr>
-          <p:cNvSpPr txBox="1"/>
-          <p:nvPr/>
-        </p:nvSpPr>
-        <p:spPr>
-          <a:xfrm>
-            <a:off x="844305" y="1381204"/>
-            <a:ext cx="9114817" cy="523220"/>
-          </a:xfrm>
-          <a:prstGeom prst="rect">
-            <a:avLst/>
-          </a:prstGeom>
-          <a:noFill/>
-        </p:spPr>
-        <p:txBody>
-          <a:bodyPr wrap="square" rtlCol="0">
-            <a:spAutoFit/>
-          </a:bodyPr>
-          <a:lstStyle/>
-          <a:p>
-            <a:r>
-              <a:rPr lang="ko-KR" altLang="en-US" sz="2800" dirty="0"/>
-              <a:t>금지구역 및 위험지역</a:t>
-            </a:r>
-            <a:endParaRPr lang="en-US" altLang="ko-KR" sz="2800" dirty="0"/>
           </a:p>
         </p:txBody>
       </p:sp>
@@ -9243,7 +11055,7 @@
         </p:nvSpPr>
         <p:spPr>
           <a:xfrm>
-            <a:off x="5373581" y="3613506"/>
+            <a:off x="5395943" y="2748663"/>
             <a:ext cx="1381328" cy="749030"/>
           </a:xfrm>
           <a:prstGeom prst="rightArrow">
@@ -9279,14 +11091,122 @@
           <a:lstStyle/>
           <a:p>
             <a:pPr algn="ctr"/>
-            <a:endParaRPr lang="ko-KR" altLang="en-US"/>
-          </a:p>
-        </p:txBody>
-      </p:sp>
+            <a:endParaRPr lang="ko-KR" altLang="en-US" dirty="0"/>
+          </a:p>
+        </p:txBody>
+      </p:sp>
+      <p:sp>
+        <p:nvSpPr>
+          <p:cNvPr id="10" name="TextBox 9">
+            <a:extLst>
+              <a:ext uri="{FF2B5EF4-FFF2-40B4-BE49-F238E27FC236}">
+                <a16:creationId xmlns:a16="http://schemas.microsoft.com/office/drawing/2014/main" id="{C0A7E4DD-A82B-4FD4-B9EA-86D2863B3C7E}"/>
+              </a:ext>
+            </a:extLst>
+          </p:cNvPr>
+          <p:cNvSpPr txBox="1"/>
+          <p:nvPr/>
+        </p:nvSpPr>
+        <p:spPr>
+          <a:xfrm>
+            <a:off x="844305" y="1381204"/>
+            <a:ext cx="9114817" cy="523220"/>
+          </a:xfrm>
+          <a:prstGeom prst="rect">
+            <a:avLst/>
+          </a:prstGeom>
+          <a:noFill/>
+        </p:spPr>
+        <p:txBody>
+          <a:bodyPr wrap="square" rtlCol="0">
+            <a:spAutoFit/>
+          </a:bodyPr>
+          <a:lstStyle/>
+          <a:p>
+            <a:r>
+              <a:rPr lang="ko-KR" altLang="en-US" sz="2800" dirty="0"/>
+              <a:t>의식불명 및 도움요청</a:t>
+            </a:r>
+            <a:endParaRPr lang="en-US" altLang="ko-KR" sz="2800" dirty="0"/>
+          </a:p>
+        </p:txBody>
+      </p:sp>
+      <p:pic>
+        <p:nvPicPr>
+          <p:cNvPr id="6" name="그림 5">
+            <a:extLst>
+              <a:ext uri="{FF2B5EF4-FFF2-40B4-BE49-F238E27FC236}">
+                <a16:creationId xmlns:a16="http://schemas.microsoft.com/office/drawing/2014/main" id="{83D80868-D9EA-4B8B-9D95-397921077E4F}"/>
+              </a:ext>
+            </a:extLst>
+          </p:cNvPr>
+          <p:cNvPicPr>
+            <a:picLocks noChangeAspect="1"/>
+          </p:cNvPicPr>
+          <p:nvPr/>
+        </p:nvPicPr>
+        <p:blipFill>
+          <a:blip r:embed="rId2">
+            <a:extLst>
+              <a:ext uri="{28A0092B-C50C-407E-A947-70E740481C1C}">
+                <a14:useLocalDpi xmlns:a14="http://schemas.microsoft.com/office/drawing/2010/main" val="0"/>
+              </a:ext>
+            </a:extLst>
+          </a:blip>
+          <a:stretch>
+            <a:fillRect/>
+          </a:stretch>
+        </p:blipFill>
+        <p:spPr>
+          <a:xfrm>
+            <a:off x="1099047" y="4185123"/>
+            <a:ext cx="3939881" cy="2156647"/>
+          </a:xfrm>
+          <a:prstGeom prst="rect">
+            <a:avLst/>
+          </a:prstGeom>
+        </p:spPr>
+      </p:pic>
+      <p:pic>
+        <p:nvPicPr>
+          <p:cNvPr id="9" name="그림 8">
+            <a:extLst>
+              <a:ext uri="{FF2B5EF4-FFF2-40B4-BE49-F238E27FC236}">
+                <a16:creationId xmlns:a16="http://schemas.microsoft.com/office/drawing/2014/main" id="{3B4E55A2-6570-4A25-A373-E4336AFF7766}"/>
+              </a:ext>
+            </a:extLst>
+          </p:cNvPr>
+          <p:cNvPicPr>
+            <a:picLocks noChangeAspect="1"/>
+          </p:cNvPicPr>
+          <p:nvPr/>
+        </p:nvPicPr>
+        <p:blipFill>
+          <a:blip r:embed="rId3" cstate="print">
+            <a:extLst>
+              <a:ext uri="{28A0092B-C50C-407E-A947-70E740481C1C}">
+                <a14:useLocalDpi xmlns:a14="http://schemas.microsoft.com/office/drawing/2010/main" val="0"/>
+              </a:ext>
+            </a:extLst>
+          </a:blip>
+          <a:stretch>
+            <a:fillRect/>
+          </a:stretch>
+        </p:blipFill>
+        <p:spPr>
+          <a:xfrm>
+            <a:off x="7491918" y="4185123"/>
+            <a:ext cx="4028874" cy="2156647"/>
+          </a:xfrm>
+          <a:prstGeom prst="rect">
+            <a:avLst/>
+          </a:prstGeom>
+        </p:spPr>
+      </p:pic>
     </p:spTree>
     <p:extLst>
       <p:ext uri="{BB962C8B-B14F-4D97-AF65-F5344CB8AC3E}">
-        <p14:creationId xmlns:p14="http://schemas.microsoft.com/office/powerpoint/2010/main" val="144951711"/>
+        <p14:creationId xmlns:p14="http://schemas.microsoft.com/office/powerpoint/2010/main" val="782060857"/>
       </p:ext>
     </p:extLst>
   </p:cSld>
@@ -9497,8 +11417,8 @@
         </p:nvSpPr>
         <p:spPr>
           <a:xfrm>
-            <a:off x="708781" y="2889355"/>
-            <a:ext cx="4348933" cy="2585323"/>
+            <a:off x="689995" y="2002862"/>
+            <a:ext cx="4348933" cy="4247317"/>
           </a:xfrm>
           <a:prstGeom prst="rect">
             <a:avLst/>
@@ -9511,13 +11431,32 @@
           </a:bodyPr>
           <a:lstStyle/>
           <a:p>
+            <a:endParaRPr lang="en-US" altLang="ko-KR" dirty="0"/>
+          </a:p>
+          <a:p>
             <a:pPr marL="285750" indent="-285750">
               <a:buFontTx/>
               <a:buChar char="-"/>
             </a:pPr>
             <a:r>
               <a:rPr lang="ko-KR" altLang="en-US" dirty="0"/>
-              <a:t>쓰레기 무단 투기에 대한 대처가 늦어질 경우 동일 장소에 무단 투기 발생 가능성 및 악취로 인한 입주민들의 불쾌감이 높아진다</a:t>
+              <a:t>우범지역의 예시로 아파트 옥상은 안전사고</a:t>
+            </a:r>
+            <a:r>
+              <a:rPr lang="en-US" altLang="ko-KR" dirty="0"/>
+              <a:t>, </a:t>
+            </a:r>
+            <a:r>
+              <a:rPr lang="ko-KR" altLang="en-US" dirty="0"/>
+              <a:t>자살사건이 발생하는 곳이다</a:t>
+            </a:r>
+            <a:r>
+              <a:rPr lang="en-US" altLang="ko-KR" dirty="0"/>
+              <a:t>. </a:t>
+            </a:r>
+            <a:r>
+              <a:rPr lang="ko-KR" altLang="en-US" dirty="0"/>
+              <a:t>그러나 화재와 홍수같은 비상상황 발생 시 대피 장소이기 때문에 출입제한이 어렵다</a:t>
             </a:r>
             <a:r>
               <a:rPr lang="en-US" altLang="ko-KR" dirty="0"/>
@@ -9534,15 +11473,39 @@
             </a:pPr>
             <a:r>
               <a:rPr lang="ko-KR" altLang="en-US" dirty="0"/>
-              <a:t>버려진 쓰레기를 방치하는 시간이 길어질수록</a:t>
+              <a:t>아파트의 주요장소</a:t>
+            </a:r>
+            <a:r>
+              <a:rPr lang="en-US" altLang="ko-KR" sz="1200" dirty="0"/>
+              <a:t>(</a:t>
+            </a:r>
+            <a:r>
+              <a:rPr lang="ko-KR" altLang="en-US" sz="1200" dirty="0" err="1"/>
+              <a:t>전압실</a:t>
+            </a:r>
+            <a:r>
+              <a:rPr lang="en-US" altLang="ko-KR" sz="1200" dirty="0"/>
+              <a:t>, </a:t>
+            </a:r>
+            <a:r>
+              <a:rPr lang="ko-KR" altLang="en-US" sz="1200" dirty="0"/>
+              <a:t>기계실 등</a:t>
+            </a:r>
+            <a:r>
+              <a:rPr lang="en-US" altLang="ko-KR" sz="1200" dirty="0"/>
+              <a:t>)</a:t>
+            </a:r>
+            <a:r>
+              <a:rPr lang="ko-KR" altLang="en-US" dirty="0"/>
+              <a:t>에는 일반인의 출입이 불가한 곳이지만</a:t>
             </a:r>
             <a:r>
               <a:rPr lang="en-US" altLang="ko-KR" dirty="0"/>
-              <a:t>, </a:t>
+              <a:t> </a:t>
             </a:r>
             <a:r>
               <a:rPr lang="ko-KR" altLang="en-US" dirty="0"/>
-              <a:t>무단으로 쓰레기를 투기하는 사례가 증가할 것이다</a:t>
+              <a:t>출입 여부를 항상 파악할 수 없다</a:t>
             </a:r>
             <a:r>
               <a:rPr lang="en-US" altLang="ko-KR" dirty="0"/>
@@ -9550,18 +11513,30 @@
             </a:r>
           </a:p>
           <a:p>
+            <a:pPr marL="285750" indent="-285750">
+              <a:buFontTx/>
+              <a:buChar char="-"/>
+            </a:pPr>
+            <a:endParaRPr lang="en-US" altLang="ko-KR" dirty="0"/>
+          </a:p>
+          <a:p>
+            <a:pPr marL="285750" indent="-285750">
+              <a:buFontTx/>
+              <a:buChar char="-"/>
+            </a:pPr>
+            <a:r>
+              <a:rPr lang="ko-KR" altLang="en-US" dirty="0"/>
+              <a:t>대단위 아파트 단지에서 지정된 출입구 외의 구역으로 침입을 시도하는 행위를 한정된 인력이 전면적으로 통제하기는 힘들다</a:t>
+            </a:r>
             <a:r>
               <a:rPr lang="en-US" altLang="ko-KR" dirty="0"/>
-              <a:t>    (※ </a:t>
+              <a:t>.</a:t>
             </a:r>
             <a:r>
               <a:rPr lang="ko-KR" altLang="en-US" dirty="0"/>
-              <a:t>깨진 유리창 이론</a:t>
-            </a:r>
-            <a:r>
-              <a:rPr lang="en-US" altLang="ko-KR" dirty="0"/>
-              <a:t>)</a:t>
-            </a:r>
+              <a:t> </a:t>
+            </a:r>
+            <a:endParaRPr lang="en-US" altLang="ko-KR" dirty="0"/>
           </a:p>
         </p:txBody>
       </p:sp>
@@ -9579,8 +11554,8 @@
         </p:nvSpPr>
         <p:spPr>
           <a:xfrm>
-            <a:off x="7134287" y="3166354"/>
-            <a:ext cx="4367718" cy="1477328"/>
+            <a:off x="7134287" y="2695359"/>
+            <a:ext cx="4367718" cy="2585323"/>
           </a:xfrm>
           <a:prstGeom prst="rect">
             <a:avLst/>
@@ -9593,42 +11568,55 @@
           </a:bodyPr>
           <a:lstStyle/>
           <a:p>
+            <a:endParaRPr lang="en-US" altLang="ko-KR" dirty="0"/>
+          </a:p>
+          <a:p>
             <a:pPr marL="285750" indent="-285750">
               <a:buFontTx/>
               <a:buChar char="-"/>
             </a:pPr>
             <a:r>
-              <a:rPr lang="ko-KR" altLang="en-US" dirty="0"/>
-              <a:t>쓰레기 무단투기에 대한 빠른 대처가 가능하도록 </a:t>
-            </a:r>
-            <a:r>
               <a:rPr lang="en-US" altLang="ko-KR" dirty="0"/>
               <a:t>CCTV</a:t>
             </a:r>
             <a:r>
               <a:rPr lang="ko-KR" altLang="en-US" dirty="0"/>
-              <a:t>에서 방치된 쓰레기를 감지하여 관리자에게 알림을 보내면 해당 </a:t>
-            </a:r>
-            <a:r>
-              <a:rPr lang="en-US" altLang="ko-KR" dirty="0"/>
-              <a:t>CCTV</a:t>
-            </a:r>
-            <a:r>
-              <a:rPr lang="ko-KR" altLang="en-US" dirty="0"/>
-              <a:t>를 확인 후 쓰레기가 </a:t>
-            </a:r>
-            <a:r>
-              <a:rPr lang="ko-KR" altLang="en-US" dirty="0" err="1"/>
-              <a:t>투기된</a:t>
-            </a:r>
-            <a:r>
-              <a:rPr lang="ko-KR" altLang="en-US" dirty="0"/>
-              <a:t> 장소를 파악할 수 있다</a:t>
+              <a:t>에서 출입 제한 구역에 사람을 감지하면 관리자에게 알림을 보내고 관리자는 알림을 통해 해당 구역을 확인하여 사고 예방이 가능하다</a:t>
             </a:r>
             <a:r>
               <a:rPr lang="en-US" altLang="ko-KR" dirty="0"/>
               <a:t>.</a:t>
             </a:r>
+          </a:p>
+          <a:p>
+            <a:pPr marL="285750" indent="-285750">
+              <a:buFontTx/>
+              <a:buChar char="-"/>
+            </a:pPr>
+            <a:endParaRPr lang="en-US" altLang="ko-KR" dirty="0"/>
+          </a:p>
+          <a:p>
+            <a:pPr marL="285750" indent="-285750">
+              <a:buFontTx/>
+              <a:buChar char="-"/>
+            </a:pPr>
+            <a:r>
+              <a:rPr lang="ko-KR" altLang="en-US" dirty="0"/>
+              <a:t>관리자의 출입 제한 구역 순찰을 위해 해당지역의 </a:t>
+            </a:r>
+            <a:r>
+              <a:rPr lang="en-US" altLang="ko-KR" dirty="0"/>
+              <a:t>CCTV </a:t>
+            </a:r>
+            <a:r>
+              <a:rPr lang="ko-KR" altLang="en-US" dirty="0"/>
+              <a:t>알림 기능을 일시적으로 해제할 수도 있다</a:t>
+            </a:r>
+            <a:r>
+              <a:rPr lang="en-US" altLang="ko-KR" dirty="0"/>
+              <a:t>.</a:t>
+            </a:r>
+            <a:endParaRPr lang="ko-KR" altLang="en-US" dirty="0"/>
           </a:p>
         </p:txBody>
       </p:sp>
@@ -9662,7 +11650,7 @@
           <a:p>
             <a:r>
               <a:rPr lang="ko-KR" altLang="en-US" sz="2800" dirty="0"/>
-              <a:t>쓰레기 무단 투기</a:t>
+              <a:t>금지구역 및 위험지역</a:t>
             </a:r>
             <a:endParaRPr lang="en-US" altLang="ko-KR" sz="2800" dirty="0"/>
           </a:p>
@@ -9682,7 +11670,7 @@
         </p:nvSpPr>
         <p:spPr>
           <a:xfrm>
-            <a:off x="5484528" y="3669002"/>
+            <a:off x="5373581" y="3613506"/>
             <a:ext cx="1381328" cy="749030"/>
           </a:xfrm>
           <a:prstGeom prst="rightArrow">
@@ -9718,14 +11706,14 @@
           <a:lstStyle/>
           <a:p>
             <a:pPr algn="ctr"/>
-            <a:endParaRPr lang="ko-KR" altLang="en-US" dirty="0"/>
+            <a:endParaRPr lang="ko-KR" altLang="en-US"/>
           </a:p>
         </p:txBody>
       </p:sp>
     </p:spTree>
     <p:extLst>
       <p:ext uri="{BB962C8B-B14F-4D97-AF65-F5344CB8AC3E}">
-        <p14:creationId xmlns:p14="http://schemas.microsoft.com/office/powerpoint/2010/main" val="2444879880"/>
+        <p14:creationId xmlns:p14="http://schemas.microsoft.com/office/powerpoint/2010/main" val="144951711"/>
       </p:ext>
     </p:extLst>
   </p:cSld>
@@ -9828,7 +11816,7 @@
                 <a:latin typeface="KoPub돋움체 Bold" panose="00000800000000000000" pitchFamily="2" charset="-127"/>
                 <a:ea typeface="KoPub돋움체 Bold" panose="00000800000000000000" pitchFamily="2" charset="-127"/>
               </a:rPr>
-              <a:t>04</a:t>
+              <a:t>03</a:t>
             </a:r>
             <a:endParaRPr lang="ko-KR" altLang="en-US" sz="2800" dirty="0">
               <a:solidFill>
@@ -9867,7 +11855,7 @@
                 <a:latin typeface="KoPub돋움체 Bold" panose="00000800000000000000" pitchFamily="2" charset="-127"/>
                 <a:ea typeface="KoPub돋움체 Bold" panose="00000800000000000000" pitchFamily="2" charset="-127"/>
               </a:rPr>
-              <a:t>시장 규모</a:t>
+              <a:t>제품소개</a:t>
             </a:r>
             <a:endParaRPr lang="ko-KR" altLang="en-US" sz="2800" dirty="0">
               <a:latin typeface="KoPub돋움체 Bold" panose="00000800000000000000" pitchFamily="2" charset="-127"/>
@@ -9924,10 +11912,10 @@
       </p:sp>
       <p:sp>
         <p:nvSpPr>
-          <p:cNvPr id="7" name="TextBox 6">
+          <p:cNvPr id="2" name="TextBox 1">
             <a:extLst>
               <a:ext uri="{FF2B5EF4-FFF2-40B4-BE49-F238E27FC236}">
-                <a16:creationId xmlns:a16="http://schemas.microsoft.com/office/drawing/2014/main" id="{CF7958C7-03AB-48FD-B64C-F603097D74F8}"/>
+                <a16:creationId xmlns:a16="http://schemas.microsoft.com/office/drawing/2014/main" id="{212E600D-166E-4F1F-8225-6269E95B412C}"/>
               </a:ext>
             </a:extLst>
           </p:cNvPr>
@@ -9936,8 +11924,8 @@
         </p:nvSpPr>
         <p:spPr>
           <a:xfrm>
-            <a:off x="1060204" y="1476472"/>
-            <a:ext cx="9760196" cy="2031325"/>
+            <a:off x="708781" y="2350498"/>
+            <a:ext cx="4348933" cy="2585323"/>
           </a:xfrm>
           <a:prstGeom prst="rect">
             <a:avLst/>
@@ -9955,60 +11943,8 @@
               <a:buChar char="-"/>
             </a:pPr>
             <a:r>
-              <a:rPr lang="en-US" altLang="ko-KR" dirty="0"/>
-              <a:t>2013</a:t>
-            </a:r>
-            <a:r>
               <a:rPr lang="ko-KR" altLang="en-US" dirty="0"/>
-              <a:t>년 </a:t>
-            </a:r>
-            <a:r>
-              <a:rPr lang="en-US" altLang="ko-KR" dirty="0"/>
-              <a:t>135.2</a:t>
-            </a:r>
-            <a:r>
-              <a:rPr lang="ko-KR" altLang="en-US" dirty="0"/>
-              <a:t>억 달러에서 </a:t>
-            </a:r>
-            <a:r>
-              <a:rPr lang="en-US" altLang="ko-KR" dirty="0"/>
-              <a:t>2018</a:t>
-            </a:r>
-            <a:r>
-              <a:rPr lang="ko-KR" altLang="en-US" dirty="0"/>
-              <a:t>년 </a:t>
-            </a:r>
-            <a:r>
-              <a:rPr lang="en-US" altLang="ko-KR" dirty="0"/>
-              <a:t>236.4</a:t>
-            </a:r>
-            <a:r>
-              <a:rPr lang="ko-KR" altLang="en-US" dirty="0"/>
-              <a:t>억 달러로 </a:t>
-            </a:r>
-            <a:r>
-              <a:rPr lang="en-US" altLang="ko-KR" dirty="0"/>
-              <a:t>5</a:t>
-            </a:r>
-            <a:r>
-              <a:rPr lang="ko-KR" altLang="en-US" dirty="0"/>
-              <a:t>년간 약 </a:t>
-            </a:r>
-            <a:r>
-              <a:rPr lang="en-US" altLang="ko-KR" dirty="0"/>
-              <a:t>75%</a:t>
-            </a:r>
-            <a:r>
-              <a:rPr lang="ko-KR" altLang="en-US" dirty="0"/>
-              <a:t>의 증가가 예상되었지만 </a:t>
-            </a:r>
-            <a:r>
-              <a:rPr lang="en-US" altLang="ko-KR" dirty="0"/>
-              <a:t>2013</a:t>
-            </a:r>
-            <a:r>
-              <a:rPr lang="ko-KR" altLang="en-US" dirty="0"/>
-              <a:t>년에는 전체 시장의 절반에 미치지 못하였다</a:t>
+              <a:t>쓰레기 무단 투기에 대한 대처가 늦어질 경우 동일 장소에 무단 투기 발생 가능성 및 악취로 인한 입주민들의 불쾌감이 높아진다</a:t>
             </a:r>
             <a:r>
               <a:rPr lang="en-US" altLang="ko-KR" dirty="0"/>
@@ -10016,10 +11952,6 @@
             </a:r>
           </a:p>
           <a:p>
-            <a:r>
-              <a:rPr lang="ko-KR" altLang="en-US" dirty="0"/>
-              <a:t> </a:t>
-            </a:r>
             <a:endParaRPr lang="en-US" altLang="ko-KR" dirty="0"/>
           </a:p>
           <a:p>
@@ -10028,45 +11960,65 @@
               <a:buChar char="-"/>
             </a:pPr>
             <a:r>
+              <a:rPr lang="ko-KR" altLang="en-US" dirty="0"/>
+              <a:t>버려진 쓰레기를 방치하는 시간이 길어질수록</a:t>
+            </a:r>
+            <a:r>
               <a:rPr lang="en-US" altLang="ko-KR" dirty="0"/>
-              <a:t>2018</a:t>
+              <a:t>, </a:t>
             </a:r>
             <a:r>
               <a:rPr lang="ko-KR" altLang="en-US" dirty="0"/>
-              <a:t>년도에 </a:t>
+              <a:t>무단으로 쓰레기를 투기하는 사례가 증가할 것이다</a:t>
             </a:r>
             <a:r>
               <a:rPr lang="en-US" altLang="ko-KR" dirty="0"/>
-              <a:t>154.9</a:t>
+              <a:t>.</a:t>
+            </a:r>
+          </a:p>
+          <a:p>
+            <a:r>
+              <a:rPr lang="en-US" altLang="ko-KR" dirty="0"/>
+              <a:t>    (※ </a:t>
             </a:r>
             <a:r>
               <a:rPr lang="ko-KR" altLang="en-US" dirty="0"/>
-              <a:t>억 달러로 전체시장의 </a:t>
+              <a:t>깨진 유리창 이론</a:t>
             </a:r>
             <a:r>
               <a:rPr lang="en-US" altLang="ko-KR" dirty="0"/>
-              <a:t>65%</a:t>
-            </a:r>
-            <a:r>
-              <a:rPr lang="ko-KR" altLang="en-US" dirty="0"/>
-              <a:t>를 차지하 여 연평균 </a:t>
-            </a:r>
-            <a:r>
-              <a:rPr lang="en-US" altLang="ko-KR" dirty="0"/>
-              <a:t>20.6%</a:t>
-            </a:r>
-            <a:r>
-              <a:rPr lang="ko-KR" altLang="en-US" dirty="0"/>
-              <a:t>의 고성장률을 기록할 것으로 예측된다</a:t>
-            </a:r>
-            <a:r>
-              <a:rPr lang="en-US" altLang="ko-KR" dirty="0"/>
-              <a:t>(HIS, 2015)</a:t>
-            </a:r>
-          </a:p>
-          <a:p>
-            <a:endParaRPr lang="en-US" altLang="ko-KR" dirty="0"/>
-          </a:p>
+              <a:t>)</a:t>
+            </a:r>
+          </a:p>
+        </p:txBody>
+      </p:sp>
+      <p:sp>
+        <p:nvSpPr>
+          <p:cNvPr id="5" name="TextBox 4">
+            <a:extLst>
+              <a:ext uri="{FF2B5EF4-FFF2-40B4-BE49-F238E27FC236}">
+                <a16:creationId xmlns:a16="http://schemas.microsoft.com/office/drawing/2014/main" id="{3B6791BB-A6E3-4474-9BBC-8468C62031C2}"/>
+              </a:ext>
+            </a:extLst>
+          </p:cNvPr>
+          <p:cNvSpPr txBox="1"/>
+          <p:nvPr/>
+        </p:nvSpPr>
+        <p:spPr>
+          <a:xfrm>
+            <a:off x="7134288" y="2350498"/>
+            <a:ext cx="4367718" cy="1477328"/>
+          </a:xfrm>
+          <a:prstGeom prst="rect">
+            <a:avLst/>
+          </a:prstGeom>
+          <a:noFill/>
+        </p:spPr>
+        <p:txBody>
+          <a:bodyPr wrap="square" rtlCol="0">
+            <a:spAutoFit/>
+          </a:bodyPr>
+          <a:lstStyle/>
           <a:p>
             <a:pPr marL="285750" indent="-285750">
               <a:buFontTx/>
@@ -10074,7 +12026,7 @@
             </a:pPr>
             <a:r>
               <a:rPr lang="ko-KR" altLang="en-US" dirty="0"/>
-              <a:t>아래 그래프를 참고하면 지능형 </a:t>
+              <a:t>쓰레기 무단투기에 대한 빠른 대처가 가능하도록 </a:t>
             </a:r>
             <a:r>
               <a:rPr lang="en-US" altLang="ko-KR" dirty="0"/>
@@ -10082,21 +12034,127 @@
             </a:r>
             <a:r>
               <a:rPr lang="ko-KR" altLang="en-US" dirty="0"/>
-              <a:t>의 규모가 지속적으로 성장할 것으로 전망된다</a:t>
+              <a:t>에서 방치된 쓰레기를 감지하여 관리자에게 알림을 보내면 해당 </a:t>
             </a:r>
             <a:r>
               <a:rPr lang="en-US" altLang="ko-KR" dirty="0"/>
-              <a:t>. </a:t>
-            </a:r>
+              <a:t>CCTV</a:t>
+            </a:r>
+            <a:r>
+              <a:rPr lang="ko-KR" altLang="en-US" dirty="0"/>
+              <a:t>를 확인 후 쓰레기가 </a:t>
+            </a:r>
+            <a:r>
+              <a:rPr lang="ko-KR" altLang="en-US" dirty="0" err="1"/>
+              <a:t>투기된</a:t>
+            </a:r>
+            <a:r>
+              <a:rPr lang="ko-KR" altLang="en-US" dirty="0"/>
+              <a:t> 장소를 파악할 수 있다</a:t>
+            </a:r>
+            <a:r>
+              <a:rPr lang="en-US" altLang="ko-KR" dirty="0"/>
+              <a:t>.</a:t>
+            </a:r>
+          </a:p>
+        </p:txBody>
+      </p:sp>
+      <p:sp>
+        <p:nvSpPr>
+          <p:cNvPr id="6" name="TextBox 5">
+            <a:extLst>
+              <a:ext uri="{FF2B5EF4-FFF2-40B4-BE49-F238E27FC236}">
+                <a16:creationId xmlns:a16="http://schemas.microsoft.com/office/drawing/2014/main" id="{9351189A-582A-4236-AB13-146E02D4DEC2}"/>
+              </a:ext>
+            </a:extLst>
+          </p:cNvPr>
+          <p:cNvSpPr txBox="1"/>
+          <p:nvPr/>
+        </p:nvSpPr>
+        <p:spPr>
+          <a:xfrm>
+            <a:off x="844305" y="1381204"/>
+            <a:ext cx="9114817" cy="523220"/>
+          </a:xfrm>
+          <a:prstGeom prst="rect">
+            <a:avLst/>
+          </a:prstGeom>
+          <a:noFill/>
+        </p:spPr>
+        <p:txBody>
+          <a:bodyPr wrap="square" rtlCol="0">
+            <a:spAutoFit/>
+          </a:bodyPr>
+          <a:lstStyle/>
+          <a:p>
+            <a:r>
+              <a:rPr lang="ko-KR" altLang="en-US" sz="2800" dirty="0"/>
+              <a:t>쓰레기 무단 투기</a:t>
+            </a:r>
+            <a:endParaRPr lang="en-US" altLang="ko-KR" sz="2800" dirty="0"/>
+          </a:p>
+        </p:txBody>
+      </p:sp>
+      <p:sp>
+        <p:nvSpPr>
+          <p:cNvPr id="7" name="화살표: 오른쪽 6">
+            <a:extLst>
+              <a:ext uri="{FF2B5EF4-FFF2-40B4-BE49-F238E27FC236}">
+                <a16:creationId xmlns:a16="http://schemas.microsoft.com/office/drawing/2014/main" id="{9235DA6C-1107-4751-87F2-C93D9EF76A0B}"/>
+              </a:ext>
+            </a:extLst>
+          </p:cNvPr>
+          <p:cNvSpPr/>
+          <p:nvPr/>
+        </p:nvSpPr>
+        <p:spPr>
+          <a:xfrm>
+            <a:off x="5484528" y="3254430"/>
+            <a:ext cx="1381328" cy="749030"/>
+          </a:xfrm>
+          <a:prstGeom prst="rightArrow">
+            <a:avLst/>
+          </a:prstGeom>
+          <a:solidFill>
+            <a:schemeClr val="tx1"/>
+          </a:solidFill>
+          <a:ln>
+            <a:solidFill>
+              <a:schemeClr val="tx1"/>
+            </a:solidFill>
+          </a:ln>
+        </p:spPr>
+        <p:style>
+          <a:lnRef idx="2">
+            <a:schemeClr val="accent1">
+              <a:shade val="50000"/>
+            </a:schemeClr>
+          </a:lnRef>
+          <a:fillRef idx="1">
+            <a:schemeClr val="accent1"/>
+          </a:fillRef>
+          <a:effectRef idx="0">
+            <a:schemeClr val="accent1"/>
+          </a:effectRef>
+          <a:fontRef idx="minor">
+            <a:schemeClr val="lt1"/>
+          </a:fontRef>
+        </p:style>
+        <p:txBody>
+          <a:bodyPr rtlCol="0" anchor="ctr"/>
+          <a:lstStyle/>
+          <a:p>
+            <a:pPr algn="ctr"/>
+            <a:endParaRPr lang="ko-KR" altLang="en-US" dirty="0"/>
           </a:p>
         </p:txBody>
       </p:sp>
       <p:pic>
         <p:nvPicPr>
-          <p:cNvPr id="2" name="그림 1">
+          <p:cNvPr id="8" name="그림 7">
             <a:extLst>
               <a:ext uri="{FF2B5EF4-FFF2-40B4-BE49-F238E27FC236}">
-                <a16:creationId xmlns:a16="http://schemas.microsoft.com/office/drawing/2014/main" id="{A090554A-A5A3-40AC-9F6D-9E021A9690C1}"/>
+                <a16:creationId xmlns:a16="http://schemas.microsoft.com/office/drawing/2014/main" id="{25F0B75F-A9FC-4050-92D9-760281581627}"/>
               </a:ext>
             </a:extLst>
           </p:cNvPr>
@@ -10106,191 +12164,239 @@
           <p:nvPr/>
         </p:nvPicPr>
         <p:blipFill>
-          <a:blip r:embed="rId2"/>
+          <a:blip r:embed="rId2">
+            <a:extLst>
+              <a:ext uri="{28A0092B-C50C-407E-A947-70E740481C1C}">
+                <a14:useLocalDpi xmlns:a14="http://schemas.microsoft.com/office/drawing/2010/main" val="0"/>
+              </a:ext>
+            </a:extLst>
+          </a:blip>
           <a:stretch>
             <a:fillRect/>
           </a:stretch>
         </p:blipFill>
         <p:spPr>
           <a:xfrm>
-            <a:off x="6755999" y="3857724"/>
-            <a:ext cx="4649874" cy="2247888"/>
+            <a:off x="7292670" y="3945426"/>
+            <a:ext cx="4129532" cy="2262104"/>
           </a:xfrm>
           <a:prstGeom prst="rect">
             <a:avLst/>
           </a:prstGeom>
         </p:spPr>
       </p:pic>
-      <p:pic>
-        <p:nvPicPr>
-          <p:cNvPr id="3" name="그림 2">
+      <p:sp>
+        <p:nvSpPr>
+          <p:cNvPr id="9" name="직사각형 8">
             <a:extLst>
               <a:ext uri="{FF2B5EF4-FFF2-40B4-BE49-F238E27FC236}">
-                <a16:creationId xmlns:a16="http://schemas.microsoft.com/office/drawing/2014/main" id="{01684D93-26BD-4712-B4B2-AEC422CB6821}"/>
+                <a16:creationId xmlns:a16="http://schemas.microsoft.com/office/drawing/2014/main" id="{1D665377-29D1-4FE0-8269-83A7ABAAC7D4}"/>
               </a:ext>
             </a:extLst>
           </p:cNvPr>
-          <p:cNvPicPr>
-            <a:picLocks noChangeAspect="1"/>
-          </p:cNvPicPr>
+          <p:cNvSpPr/>
           <p:nvPr/>
-        </p:nvPicPr>
-        <p:blipFill>
-          <a:blip r:embed="rId3"/>
-          <a:stretch>
-            <a:fillRect/>
-          </a:stretch>
-        </p:blipFill>
-        <p:spPr>
-          <a:xfrm>
-            <a:off x="1157839" y="3857724"/>
-            <a:ext cx="4649874" cy="2247888"/>
-          </a:xfrm>
-          <a:prstGeom prst="rect">
-            <a:avLst/>
-          </a:prstGeom>
-        </p:spPr>
-      </p:pic>
-      <p:sp>
-        <p:nvSpPr>
-          <p:cNvPr id="5" name="TextBox 4">
-            <a:extLst>
-              <a:ext uri="{FF2B5EF4-FFF2-40B4-BE49-F238E27FC236}">
-                <a16:creationId xmlns:a16="http://schemas.microsoft.com/office/drawing/2014/main" id="{06731499-C6B4-4E77-A0E7-B69FAE62F1DE}"/>
-              </a:ext>
-            </a:extLst>
-          </p:cNvPr>
-          <p:cNvSpPr txBox="1"/>
-          <p:nvPr/>
-        </p:nvSpPr>
-        <p:spPr>
-          <a:xfrm>
-            <a:off x="6755999" y="6134854"/>
-            <a:ext cx="5513071" cy="307777"/>
+        </p:nvSpPr>
+        <p:spPr>
+          <a:xfrm>
+            <a:off x="7303139" y="4811697"/>
+            <a:ext cx="633498" cy="914400"/>
           </a:xfrm>
           <a:prstGeom prst="rect">
             <a:avLst/>
           </a:prstGeom>
           <a:noFill/>
-        </p:spPr>
-        <p:txBody>
-          <a:bodyPr wrap="square" rtlCol="0">
-            <a:spAutoFit/>
-          </a:bodyPr>
-          <a:lstStyle/>
-          <a:p>
-            <a:r>
-              <a:rPr lang="ko-KR" altLang="en-US" sz="1400" dirty="0"/>
-              <a:t>▲국내 영상 감시 시스템 규모</a:t>
-            </a:r>
-            <a:endParaRPr lang="ko-KR" altLang="en-US" dirty="0"/>
-          </a:p>
-        </p:txBody>
-      </p:sp>
-      <p:sp>
-        <p:nvSpPr>
-          <p:cNvPr id="10" name="TextBox 9">
+          <a:ln w="19050">
+            <a:solidFill>
+              <a:srgbClr val="FF0000"/>
+            </a:solidFill>
+          </a:ln>
+        </p:spPr>
+        <p:style>
+          <a:lnRef idx="2">
+            <a:schemeClr val="accent1">
+              <a:shade val="50000"/>
+            </a:schemeClr>
+          </a:lnRef>
+          <a:fillRef idx="1">
+            <a:schemeClr val="accent1"/>
+          </a:fillRef>
+          <a:effectRef idx="0">
+            <a:schemeClr val="accent1"/>
+          </a:effectRef>
+          <a:fontRef idx="minor">
+            <a:schemeClr val="lt1"/>
+          </a:fontRef>
+        </p:style>
+        <p:txBody>
+          <a:bodyPr rtlCol="0" anchor="ctr"/>
+          <a:lstStyle/>
+          <a:p>
+            <a:pPr algn="ctr"/>
+            <a:endParaRPr lang="ko-KR" altLang="en-US"/>
+          </a:p>
+        </p:txBody>
+      </p:sp>
+      <p:sp>
+        <p:nvSpPr>
+          <p:cNvPr id="13" name="직사각형 12">
             <a:extLst>
               <a:ext uri="{FF2B5EF4-FFF2-40B4-BE49-F238E27FC236}">
-                <a16:creationId xmlns:a16="http://schemas.microsoft.com/office/drawing/2014/main" id="{9532F5D5-E94A-44A6-AFB4-128C5EEFA5CF}"/>
+                <a16:creationId xmlns:a16="http://schemas.microsoft.com/office/drawing/2014/main" id="{E548D15B-AA67-43D4-9894-A2BF70D858D6}"/>
               </a:ext>
             </a:extLst>
           </p:cNvPr>
-          <p:cNvSpPr txBox="1"/>
+          <p:cNvSpPr/>
           <p:nvPr/>
         </p:nvSpPr>
         <p:spPr>
           <a:xfrm>
-            <a:off x="1157839" y="6105612"/>
-            <a:ext cx="5513071" cy="307777"/>
+            <a:off x="7775093" y="5011626"/>
+            <a:ext cx="633498" cy="914400"/>
           </a:xfrm>
           <a:prstGeom prst="rect">
             <a:avLst/>
           </a:prstGeom>
           <a:noFill/>
-        </p:spPr>
-        <p:txBody>
-          <a:bodyPr wrap="square" rtlCol="0">
-            <a:spAutoFit/>
-          </a:bodyPr>
-          <a:lstStyle/>
-          <a:p>
-            <a:r>
-              <a:rPr lang="ko-KR" altLang="en-US" sz="1400" dirty="0"/>
-              <a:t>▲세계 영상 감시 시스템 시장 현황</a:t>
-            </a:r>
-          </a:p>
-        </p:txBody>
-      </p:sp>
-      <p:sp>
-        <p:nvSpPr>
-          <p:cNvPr id="11" name="TextBox 10">
+          <a:ln w="19050">
+            <a:solidFill>
+              <a:srgbClr val="FF0000"/>
+            </a:solidFill>
+          </a:ln>
+        </p:spPr>
+        <p:style>
+          <a:lnRef idx="2">
+            <a:schemeClr val="accent1">
+              <a:shade val="50000"/>
+            </a:schemeClr>
+          </a:lnRef>
+          <a:fillRef idx="1">
+            <a:schemeClr val="accent1"/>
+          </a:fillRef>
+          <a:effectRef idx="0">
+            <a:schemeClr val="accent1"/>
+          </a:effectRef>
+          <a:fontRef idx="minor">
+            <a:schemeClr val="lt1"/>
+          </a:fontRef>
+        </p:style>
+        <p:txBody>
+          <a:bodyPr rtlCol="0" anchor="ctr"/>
+          <a:lstStyle/>
+          <a:p>
+            <a:pPr algn="ctr"/>
+            <a:endParaRPr lang="ko-KR" altLang="en-US"/>
+          </a:p>
+        </p:txBody>
+      </p:sp>
+      <p:sp>
+        <p:nvSpPr>
+          <p:cNvPr id="14" name="직사각형 13">
             <a:extLst>
               <a:ext uri="{FF2B5EF4-FFF2-40B4-BE49-F238E27FC236}">
-                <a16:creationId xmlns:a16="http://schemas.microsoft.com/office/drawing/2014/main" id="{3A747FA5-2EEE-4CD5-BDD8-2F068014BE0C}"/>
+                <a16:creationId xmlns:a16="http://schemas.microsoft.com/office/drawing/2014/main" id="{85DC816A-6671-4351-B05B-E83CA54EECEC}"/>
               </a:ext>
             </a:extLst>
           </p:cNvPr>
-          <p:cNvSpPr txBox="1"/>
+          <p:cNvSpPr/>
           <p:nvPr/>
         </p:nvSpPr>
         <p:spPr>
           <a:xfrm>
-            <a:off x="6268561" y="6549444"/>
-            <a:ext cx="5820981" cy="261610"/>
+            <a:off x="8432041" y="4941739"/>
+            <a:ext cx="633498" cy="914400"/>
           </a:xfrm>
           <a:prstGeom prst="rect">
             <a:avLst/>
           </a:prstGeom>
           <a:noFill/>
-        </p:spPr>
-        <p:txBody>
-          <a:bodyPr wrap="square" rtlCol="0">
-            <a:spAutoFit/>
-          </a:bodyPr>
-          <a:lstStyle/>
-          <a:p>
-            <a:pPr algn="r"/>
-            <a:r>
-              <a:rPr lang="ko-KR" altLang="en-US" sz="1100" dirty="0"/>
-              <a:t>자료제공</a:t>
-            </a:r>
-            <a:r>
-              <a:rPr lang="en-US" altLang="ko-KR" sz="1100" dirty="0"/>
-              <a:t>: </a:t>
-            </a:r>
-            <a:r>
-              <a:rPr lang="ko-KR" altLang="en-US" sz="1100" dirty="0"/>
-              <a:t>한국지역정보개발원 </a:t>
-            </a:r>
-            <a:r>
-              <a:rPr lang="en-US" altLang="ko-KR" sz="1100" dirty="0"/>
-              <a:t>/ </a:t>
-            </a:r>
-            <a:r>
-              <a:rPr lang="ko-KR" altLang="en-US" sz="1100" dirty="0"/>
-              <a:t>보안전문 매거진 </a:t>
-            </a:r>
-            <a:r>
-              <a:rPr lang="en-US" altLang="ko-KR" sz="1100" dirty="0"/>
-              <a:t>‘</a:t>
-            </a:r>
-            <a:r>
-              <a:rPr lang="ko-KR" altLang="en-US" sz="1100" dirty="0" err="1"/>
-              <a:t>시큐리티월드</a:t>
-            </a:r>
-            <a:r>
-              <a:rPr lang="en-US" altLang="ko-KR" sz="1100" dirty="0"/>
-              <a:t>’</a:t>
-            </a:r>
-            <a:endParaRPr lang="ko-KR" altLang="en-US" sz="1100" dirty="0"/>
+          <a:ln w="19050">
+            <a:solidFill>
+              <a:srgbClr val="FF0000"/>
+            </a:solidFill>
+          </a:ln>
+        </p:spPr>
+        <p:style>
+          <a:lnRef idx="2">
+            <a:schemeClr val="accent1">
+              <a:shade val="50000"/>
+            </a:schemeClr>
+          </a:lnRef>
+          <a:fillRef idx="1">
+            <a:schemeClr val="accent1"/>
+          </a:fillRef>
+          <a:effectRef idx="0">
+            <a:schemeClr val="accent1"/>
+          </a:effectRef>
+          <a:fontRef idx="minor">
+            <a:schemeClr val="lt1"/>
+          </a:fontRef>
+        </p:style>
+        <p:txBody>
+          <a:bodyPr rtlCol="0" anchor="ctr"/>
+          <a:lstStyle/>
+          <a:p>
+            <a:pPr algn="ctr"/>
+            <a:endParaRPr lang="ko-KR" altLang="en-US"/>
+          </a:p>
+        </p:txBody>
+      </p:sp>
+      <p:sp>
+        <p:nvSpPr>
+          <p:cNvPr id="15" name="직사각형 14">
+            <a:extLst>
+              <a:ext uri="{FF2B5EF4-FFF2-40B4-BE49-F238E27FC236}">
+                <a16:creationId xmlns:a16="http://schemas.microsoft.com/office/drawing/2014/main" id="{0A73DC5D-E077-4648-830D-B05C88D3DB57}"/>
+              </a:ext>
+            </a:extLst>
+          </p:cNvPr>
+          <p:cNvSpPr/>
+          <p:nvPr/>
+        </p:nvSpPr>
+        <p:spPr>
+          <a:xfrm>
+            <a:off x="9526795" y="5263078"/>
+            <a:ext cx="633498" cy="914400"/>
+          </a:xfrm>
+          <a:prstGeom prst="rect">
+            <a:avLst/>
+          </a:prstGeom>
+          <a:noFill/>
+          <a:ln w="19050">
+            <a:solidFill>
+              <a:srgbClr val="FF0000"/>
+            </a:solidFill>
+          </a:ln>
+        </p:spPr>
+        <p:style>
+          <a:lnRef idx="2">
+            <a:schemeClr val="accent1">
+              <a:shade val="50000"/>
+            </a:schemeClr>
+          </a:lnRef>
+          <a:fillRef idx="1">
+            <a:schemeClr val="accent1"/>
+          </a:fillRef>
+          <a:effectRef idx="0">
+            <a:schemeClr val="accent1"/>
+          </a:effectRef>
+          <a:fontRef idx="minor">
+            <a:schemeClr val="lt1"/>
+          </a:fontRef>
+        </p:style>
+        <p:txBody>
+          <a:bodyPr rtlCol="0" anchor="ctr"/>
+          <a:lstStyle/>
+          <a:p>
+            <a:pPr algn="ctr"/>
+            <a:endParaRPr lang="ko-KR" altLang="en-US"/>
           </a:p>
         </p:txBody>
       </p:sp>
     </p:spTree>
     <p:extLst>
       <p:ext uri="{BB962C8B-B14F-4D97-AF65-F5344CB8AC3E}">
-        <p14:creationId xmlns:p14="http://schemas.microsoft.com/office/powerpoint/2010/main" val="3649261476"/>
+        <p14:creationId xmlns:p14="http://schemas.microsoft.com/office/powerpoint/2010/main" val="2444879880"/>
       </p:ext>
     </p:extLst>
   </p:cSld>
@@ -10393,7 +12499,7 @@
                 <a:latin typeface="KoPub돋움체 Bold" panose="00000800000000000000" pitchFamily="2" charset="-127"/>
                 <a:ea typeface="KoPub돋움체 Bold" panose="00000800000000000000" pitchFamily="2" charset="-127"/>
               </a:rPr>
-              <a:t>05</a:t>
+              <a:t>04</a:t>
             </a:r>
             <a:endParaRPr lang="ko-KR" altLang="en-US" sz="2800" dirty="0">
               <a:solidFill>
@@ -10432,7 +12538,7 @@
                 <a:latin typeface="KoPub돋움체 Bold" panose="00000800000000000000" pitchFamily="2" charset="-127"/>
                 <a:ea typeface="KoPub돋움체 Bold" panose="00000800000000000000" pitchFamily="2" charset="-127"/>
               </a:rPr>
-              <a:t>경쟁업체</a:t>
+              <a:t>시장 규모</a:t>
             </a:r>
             <a:endParaRPr lang="ko-KR" altLang="en-US" sz="2800" dirty="0">
               <a:latin typeface="KoPub돋움체 Bold" panose="00000800000000000000" pitchFamily="2" charset="-127"/>
@@ -10487,478 +12593,12 @@
           </a:p>
         </p:txBody>
       </p:sp>
-      <p:graphicFrame>
-        <p:nvGraphicFramePr>
-          <p:cNvPr id="3" name="표 2">
+      <p:sp>
+        <p:nvSpPr>
+          <p:cNvPr id="7" name="TextBox 6">
             <a:extLst>
               <a:ext uri="{FF2B5EF4-FFF2-40B4-BE49-F238E27FC236}">
-                <a16:creationId xmlns:a16="http://schemas.microsoft.com/office/drawing/2014/main" id="{4AF33FA3-0E34-4583-8841-51C6CC8F5A89}"/>
-              </a:ext>
-            </a:extLst>
-          </p:cNvPr>
-          <p:cNvGraphicFramePr>
-            <a:graphicFrameLocks noGrp="1"/>
-          </p:cNvGraphicFramePr>
-          <p:nvPr>
-            <p:extLst>
-              <p:ext uri="{D42A27DB-BD31-4B8C-83A1-F6EECF244321}">
-                <p14:modId xmlns:p14="http://schemas.microsoft.com/office/powerpoint/2010/main" val="3773139280"/>
-              </p:ext>
-            </p:extLst>
-          </p:nvPr>
-        </p:nvGraphicFramePr>
-        <p:xfrm>
-          <a:off x="1148565" y="1211161"/>
-          <a:ext cx="9894867" cy="3904943"/>
-        </p:xfrm>
-        <a:graphic>
-          <a:graphicData uri="http://schemas.openxmlformats.org/drawingml/2006/table">
-            <a:tbl>
-              <a:tblPr firstRow="1" bandRow="1">
-                <a:tableStyleId>{5C22544A-7EE6-4342-B048-85BDC9FD1C3A}</a:tableStyleId>
-              </a:tblPr>
-              <a:tblGrid>
-                <a:gridCol w="3298289">
-                  <a:extLst>
-                    <a:ext uri="{9D8B030D-6E8A-4147-A177-3AD203B41FA5}">
-                      <a16:colId xmlns:a16="http://schemas.microsoft.com/office/drawing/2014/main" val="3938485811"/>
-                    </a:ext>
-                  </a:extLst>
-                </a:gridCol>
-                <a:gridCol w="3298289">
-                  <a:extLst>
-                    <a:ext uri="{9D8B030D-6E8A-4147-A177-3AD203B41FA5}">
-                      <a16:colId xmlns:a16="http://schemas.microsoft.com/office/drawing/2014/main" val="1614459584"/>
-                    </a:ext>
-                  </a:extLst>
-                </a:gridCol>
-                <a:gridCol w="3298289">
-                  <a:extLst>
-                    <a:ext uri="{9D8B030D-6E8A-4147-A177-3AD203B41FA5}">
-                      <a16:colId xmlns:a16="http://schemas.microsoft.com/office/drawing/2014/main" val="1457949304"/>
-                    </a:ext>
-                  </a:extLst>
-                </a:gridCol>
-              </a:tblGrid>
-              <a:tr h="354319">
-                <a:tc>
-                  <a:txBody>
-                    <a:bodyPr/>
-                    <a:lstStyle/>
-                    <a:p>
-                      <a:pPr algn="ctr" latinLnBrk="1"/>
-                      <a:r>
-                        <a:rPr lang="ko-KR" altLang="en-US" dirty="0">
-                          <a:solidFill>
-                            <a:schemeClr val="tx1"/>
-                          </a:solidFill>
-                        </a:rPr>
-                        <a:t>기가 아이즈</a:t>
-                      </a:r>
-                    </a:p>
-                  </a:txBody>
-                  <a:tcPr>
-                    <a:solidFill>
-                      <a:srgbClr val="B7CFCE"/>
-                    </a:solidFill>
-                  </a:tcPr>
-                </a:tc>
-                <a:tc>
-                  <a:txBody>
-                    <a:bodyPr/>
-                    <a:lstStyle/>
-                    <a:p>
-                      <a:pPr algn="ctr" latinLnBrk="1"/>
-                      <a:r>
-                        <a:rPr lang="ko-KR" altLang="en-US" dirty="0" err="1">
-                          <a:solidFill>
-                            <a:schemeClr val="tx1"/>
-                          </a:solidFill>
-                        </a:rPr>
-                        <a:t>에스원</a:t>
-                      </a:r>
-                      <a:endParaRPr lang="ko-KR" altLang="en-US" dirty="0">
-                        <a:solidFill>
-                          <a:schemeClr val="tx1"/>
-                        </a:solidFill>
-                      </a:endParaRPr>
-                    </a:p>
-                  </a:txBody>
-                  <a:tcPr>
-                    <a:solidFill>
-                      <a:srgbClr val="B7CFCE"/>
-                    </a:solidFill>
-                  </a:tcPr>
-                </a:tc>
-                <a:tc>
-                  <a:txBody>
-                    <a:bodyPr/>
-                    <a:lstStyle/>
-                    <a:p>
-                      <a:pPr algn="ctr" latinLnBrk="1"/>
-                      <a:r>
-                        <a:rPr lang="ko-KR" altLang="en-US" dirty="0" err="1">
-                          <a:solidFill>
-                            <a:schemeClr val="tx1"/>
-                          </a:solidFill>
-                        </a:rPr>
-                        <a:t>일리시스</a:t>
-                      </a:r>
-                      <a:endParaRPr lang="ko-KR" altLang="en-US" dirty="0">
-                        <a:solidFill>
-                          <a:schemeClr val="tx1"/>
-                        </a:solidFill>
-                      </a:endParaRPr>
-                    </a:p>
-                  </a:txBody>
-                  <a:tcPr>
-                    <a:solidFill>
-                      <a:srgbClr val="B7CFCE"/>
-                    </a:solidFill>
-                  </a:tcPr>
-                </a:tc>
-                <a:extLst>
-                  <a:ext uri="{0D108BD9-81ED-4DB2-BD59-A6C34878D82A}">
-                    <a16:rowId xmlns:a16="http://schemas.microsoft.com/office/drawing/2014/main" val="1506682631"/>
-                  </a:ext>
-                </a:extLst>
-              </a:tr>
-              <a:tr h="1856168">
-                <a:tc>
-                  <a:txBody>
-                    <a:bodyPr/>
-                    <a:lstStyle/>
-                    <a:p>
-                      <a:pPr algn="ctr" latinLnBrk="1"/>
-                      <a:endParaRPr lang="ko-KR" altLang="en-US" dirty="0"/>
-                    </a:p>
-                  </a:txBody>
-                  <a:tcPr>
-                    <a:blipFill>
-                      <a:blip r:embed="rId2"/>
-                      <a:stretch>
-                        <a:fillRect/>
-                      </a:stretch>
-                    </a:blipFill>
-                  </a:tcPr>
-                </a:tc>
-                <a:tc>
-                  <a:txBody>
-                    <a:bodyPr/>
-                    <a:lstStyle/>
-                    <a:p>
-                      <a:pPr algn="ctr" latinLnBrk="1"/>
-                      <a:endParaRPr lang="ko-KR" altLang="en-US" dirty="0"/>
-                    </a:p>
-                  </a:txBody>
-                  <a:tcPr>
-                    <a:blipFill>
-                      <a:blip r:embed="rId3"/>
-                      <a:stretch>
-                        <a:fillRect/>
-                      </a:stretch>
-                    </a:blipFill>
-                  </a:tcPr>
-                </a:tc>
-                <a:tc>
-                  <a:txBody>
-                    <a:bodyPr/>
-                    <a:lstStyle/>
-                    <a:p>
-                      <a:pPr algn="ctr" latinLnBrk="1"/>
-                      <a:endParaRPr lang="ko-KR" altLang="en-US" dirty="0"/>
-                    </a:p>
-                  </a:txBody>
-                  <a:tcPr>
-                    <a:blipFill>
-                      <a:blip r:embed="rId4"/>
-                      <a:stretch>
-                        <a:fillRect/>
-                      </a:stretch>
-                    </a:blipFill>
-                  </a:tcPr>
-                </a:tc>
-                <a:extLst>
-                  <a:ext uri="{0D108BD9-81ED-4DB2-BD59-A6C34878D82A}">
-                    <a16:rowId xmlns:a16="http://schemas.microsoft.com/office/drawing/2014/main" val="2321513984"/>
-                  </a:ext>
-                </a:extLst>
-              </a:tr>
-              <a:tr h="1683015">
-                <a:tc>
-                  <a:txBody>
-                    <a:bodyPr/>
-                    <a:lstStyle/>
-                    <a:p>
-                      <a:pPr marL="0" indent="0" algn="l" latinLnBrk="1">
-                        <a:buFontTx/>
-                        <a:buNone/>
-                      </a:pPr>
-                      <a:endParaRPr lang="en-US" altLang="ko-KR" sz="700" dirty="0"/>
-                    </a:p>
-                    <a:p>
-                      <a:pPr marL="285750" indent="-285750" algn="l" latinLnBrk="1">
-                        <a:buFontTx/>
-                        <a:buChar char="-"/>
-                      </a:pPr>
-                      <a:r>
-                        <a:rPr lang="ko-KR" altLang="en-US" dirty="0"/>
-                        <a:t>‘</a:t>
-                      </a:r>
-                      <a:r>
-                        <a:rPr lang="en-US" altLang="ko-KR" dirty="0"/>
-                        <a:t>KT’</a:t>
-                      </a:r>
-                      <a:r>
-                        <a:rPr lang="ko-KR" altLang="en-US" dirty="0"/>
-                        <a:t>에서 출시한 제품</a:t>
-                      </a:r>
-                      <a:endParaRPr lang="en-US" altLang="ko-KR" dirty="0"/>
-                    </a:p>
-                    <a:p>
-                      <a:pPr marL="0" indent="0" algn="l" latinLnBrk="1">
-                        <a:buFontTx/>
-                        <a:buNone/>
-                      </a:pPr>
-                      <a:endParaRPr lang="en-US" altLang="ko-KR" sz="700" dirty="0"/>
-                    </a:p>
-                    <a:p>
-                      <a:pPr marL="285750" indent="-285750" algn="l" latinLnBrk="1">
-                        <a:buFontTx/>
-                        <a:buChar char="-"/>
-                      </a:pPr>
-                      <a:r>
-                        <a:rPr lang="ko-KR" altLang="en-US" dirty="0"/>
-                        <a:t>침입감지</a:t>
-                      </a:r>
-                      <a:r>
-                        <a:rPr lang="en-US" altLang="ko-KR" dirty="0"/>
-                        <a:t>, </a:t>
-                      </a:r>
-                      <a:r>
-                        <a:rPr lang="ko-KR" altLang="en-US" dirty="0" err="1"/>
-                        <a:t>피플카운트</a:t>
-                      </a:r>
-                      <a:r>
-                        <a:rPr lang="en-US" altLang="ko-KR" dirty="0"/>
-                        <a:t>, </a:t>
-                      </a:r>
-                      <a:r>
-                        <a:rPr lang="ko-KR" altLang="en-US" dirty="0"/>
-                        <a:t>체류시간분석</a:t>
-                      </a:r>
-                      <a:r>
-                        <a:rPr lang="en-US" altLang="ko-KR" dirty="0"/>
-                        <a:t>, </a:t>
-                      </a:r>
-                      <a:r>
-                        <a:rPr lang="ko-KR" altLang="en-US" dirty="0"/>
-                        <a:t>카메라 훼손감지 기능제공</a:t>
-                      </a:r>
-                      <a:endParaRPr lang="en-US" altLang="ko-KR" dirty="0"/>
-                    </a:p>
-                  </a:txBody>
-                  <a:tcPr>
-                    <a:solidFill>
-                      <a:srgbClr val="D8E3E5"/>
-                    </a:solidFill>
-                  </a:tcPr>
-                </a:tc>
-                <a:tc>
-                  <a:txBody>
-                    <a:bodyPr/>
-                    <a:lstStyle/>
-                    <a:p>
-                      <a:pPr marL="0" indent="0" algn="l" latinLnBrk="1">
-                        <a:buFontTx/>
-                        <a:buNone/>
-                      </a:pPr>
-                      <a:endParaRPr lang="en-US" altLang="ko-KR" sz="700" dirty="0"/>
-                    </a:p>
-                    <a:p>
-                      <a:pPr marL="285750" indent="-285750" algn="l" latinLnBrk="1">
-                        <a:buFontTx/>
-                        <a:buChar char="-"/>
-                      </a:pPr>
-                      <a:r>
-                        <a:rPr lang="en-US" altLang="ko-KR" dirty="0"/>
-                        <a:t>‘</a:t>
-                      </a:r>
-                      <a:r>
-                        <a:rPr lang="ko-KR" altLang="en-US" dirty="0" err="1"/>
-                        <a:t>에스원</a:t>
-                      </a:r>
-                      <a:r>
-                        <a:rPr lang="en-US" altLang="ko-KR" dirty="0"/>
-                        <a:t>’</a:t>
-                      </a:r>
-                      <a:r>
-                        <a:rPr lang="ko-KR" altLang="en-US" dirty="0"/>
-                        <a:t>에서 출시한 제품</a:t>
-                      </a:r>
-                      <a:endParaRPr lang="en-US" altLang="ko-KR" dirty="0"/>
-                    </a:p>
-                    <a:p>
-                      <a:pPr marL="0" indent="0" algn="l" latinLnBrk="1">
-                        <a:buFontTx/>
-                        <a:buNone/>
-                      </a:pPr>
-                      <a:endParaRPr lang="en-US" altLang="ko-KR" sz="700" dirty="0"/>
-                    </a:p>
-                    <a:p>
-                      <a:pPr marL="285750" indent="-285750" algn="l" latinLnBrk="1">
-                        <a:buFontTx/>
-                        <a:buChar char="-"/>
-                      </a:pPr>
-                      <a:r>
-                        <a:rPr lang="ko-KR" altLang="en-US" dirty="0"/>
-                        <a:t>침입감지</a:t>
-                      </a:r>
-                      <a:r>
-                        <a:rPr lang="en-US" altLang="ko-KR" dirty="0"/>
-                        <a:t>, </a:t>
-                      </a:r>
-                      <a:r>
-                        <a:rPr lang="ko-KR" altLang="en-US" dirty="0"/>
-                        <a:t>가상펜스</a:t>
-                      </a:r>
-                      <a:r>
-                        <a:rPr lang="en-US" altLang="ko-KR" dirty="0"/>
-                        <a:t>, </a:t>
-                      </a:r>
-                      <a:r>
-                        <a:rPr lang="ko-KR" altLang="en-US" dirty="0"/>
-                        <a:t>도난</a:t>
-                      </a:r>
-                      <a:r>
-                        <a:rPr lang="en-US" altLang="ko-KR" dirty="0"/>
-                        <a:t>, </a:t>
-                      </a:r>
-                      <a:r>
-                        <a:rPr lang="ko-KR" altLang="en-US" dirty="0"/>
-                        <a:t>번호판 인식</a:t>
-                      </a:r>
-                      <a:r>
-                        <a:rPr lang="en-US" altLang="ko-KR" dirty="0"/>
-                        <a:t>, </a:t>
-                      </a:r>
-                      <a:r>
-                        <a:rPr lang="ko-KR" altLang="en-US" dirty="0"/>
-                        <a:t>넘어짐 감지 기능제공</a:t>
-                      </a:r>
-                    </a:p>
-                  </a:txBody>
-                  <a:tcPr>
-                    <a:solidFill>
-                      <a:srgbClr val="D8E3E5"/>
-                    </a:solidFill>
-                  </a:tcPr>
-                </a:tc>
-                <a:tc>
-                  <a:txBody>
-                    <a:bodyPr/>
-                    <a:lstStyle/>
-                    <a:p>
-                      <a:pPr marL="0" indent="0" algn="l" latinLnBrk="1">
-                        <a:buFontTx/>
-                        <a:buNone/>
-                      </a:pPr>
-                      <a:endParaRPr lang="en-US" altLang="ko-KR" sz="700" dirty="0"/>
-                    </a:p>
-                    <a:p>
-                      <a:pPr marL="285750" indent="-285750" algn="l" latinLnBrk="1">
-                        <a:buFontTx/>
-                        <a:buChar char="-"/>
-                      </a:pPr>
-                      <a:r>
-                        <a:rPr lang="en-US" altLang="ko-KR" dirty="0"/>
-                        <a:t>‘</a:t>
-                      </a:r>
-                      <a:r>
-                        <a:rPr lang="ko-KR" altLang="en-US" dirty="0" err="1"/>
-                        <a:t>일리시스</a:t>
-                      </a:r>
-                      <a:r>
-                        <a:rPr lang="en-US" altLang="ko-KR" dirty="0"/>
-                        <a:t>’</a:t>
-                      </a:r>
-                      <a:r>
-                        <a:rPr lang="ko-KR" altLang="en-US" dirty="0"/>
-                        <a:t>에서 출시한 제품</a:t>
-                      </a:r>
-                      <a:endParaRPr lang="en-US" altLang="ko-KR" dirty="0"/>
-                    </a:p>
-                    <a:p>
-                      <a:pPr marL="285750" indent="-285750" algn="l" latinLnBrk="1">
-                        <a:buFontTx/>
-                        <a:buChar char="-"/>
-                      </a:pPr>
-                      <a:endParaRPr lang="en-US" altLang="ko-KR" sz="700" dirty="0"/>
-                    </a:p>
-                    <a:p>
-                      <a:pPr marL="285750" indent="-285750" algn="l" latinLnBrk="1">
-                        <a:buFontTx/>
-                        <a:buChar char="-"/>
-                      </a:pPr>
-                      <a:r>
-                        <a:rPr lang="ko-KR" altLang="en-US" dirty="0"/>
-                        <a:t>실시간 보행자 감지</a:t>
-                      </a:r>
-                      <a:r>
-                        <a:rPr lang="en-US" altLang="ko-KR" dirty="0"/>
-                        <a:t>, </a:t>
-                      </a:r>
-                      <a:r>
-                        <a:rPr lang="ko-KR" altLang="en-US" dirty="0"/>
-                        <a:t>사물식별</a:t>
-                      </a:r>
-                      <a:r>
-                        <a:rPr lang="en-US" altLang="ko-KR" dirty="0"/>
-                        <a:t> </a:t>
-                      </a:r>
-                      <a:r>
-                        <a:rPr lang="ko-KR" altLang="en-US" dirty="0"/>
-                        <a:t>기능제공</a:t>
-                      </a:r>
-                      <a:endParaRPr lang="en-US" altLang="ko-KR" dirty="0"/>
-                    </a:p>
-                    <a:p>
-                      <a:pPr marL="285750" indent="-285750" algn="l" latinLnBrk="1">
-                        <a:buFontTx/>
-                        <a:buChar char="-"/>
-                      </a:pPr>
-                      <a:endParaRPr lang="en-US" altLang="ko-KR" dirty="0"/>
-                    </a:p>
-                    <a:p>
-                      <a:pPr marL="285750" indent="-285750" algn="l" latinLnBrk="1">
-                        <a:buFontTx/>
-                        <a:buChar char="-"/>
-                      </a:pPr>
-                      <a:endParaRPr lang="ko-KR" altLang="en-US" dirty="0"/>
-                    </a:p>
-                  </a:txBody>
-                  <a:tcPr>
-                    <a:solidFill>
-                      <a:srgbClr val="D8E3E5"/>
-                    </a:solidFill>
-                  </a:tcPr>
-                </a:tc>
-                <a:extLst>
-                  <a:ext uri="{0D108BD9-81ED-4DB2-BD59-A6C34878D82A}">
-                    <a16:rowId xmlns:a16="http://schemas.microsoft.com/office/drawing/2014/main" val="4161032376"/>
-                  </a:ext>
-                </a:extLst>
-              </a:tr>
-            </a:tbl>
-          </a:graphicData>
-        </a:graphic>
-      </p:graphicFrame>
-      <p:sp>
-        <p:nvSpPr>
-          <p:cNvPr id="2" name="TextBox 1">
-            <a:extLst>
-              <a:ext uri="{FF2B5EF4-FFF2-40B4-BE49-F238E27FC236}">
-                <a16:creationId xmlns:a16="http://schemas.microsoft.com/office/drawing/2014/main" id="{9C545382-C469-4C20-8FDF-5031AAE76625}"/>
+                <a16:creationId xmlns:a16="http://schemas.microsoft.com/office/drawing/2014/main" id="{CF7958C7-03AB-48FD-B64C-F603097D74F8}"/>
               </a:ext>
             </a:extLst>
           </p:cNvPr>
@@ -10967,8 +12607,8 @@
         </p:nvSpPr>
         <p:spPr>
           <a:xfrm>
-            <a:off x="1630530" y="5291087"/>
-            <a:ext cx="8930935" cy="1292662"/>
+            <a:off x="1060204" y="1476472"/>
+            <a:ext cx="9760196" cy="2308324"/>
           </a:xfrm>
           <a:prstGeom prst="rect">
             <a:avLst/>
@@ -10981,24 +12621,77 @@
           </a:bodyPr>
           <a:lstStyle/>
           <a:p>
-            <a:r>
-              <a:rPr lang="ko-KR" altLang="en-US" sz="2400" b="1" dirty="0"/>
-              <a:t>경쟁업체에 대한 강점</a:t>
-            </a:r>
-            <a:endParaRPr lang="ko-KR" altLang="en-US" sz="2000" dirty="0"/>
-          </a:p>
-          <a:p>
             <a:pPr marL="285750" indent="-285750">
               <a:buFontTx/>
               <a:buChar char="-"/>
             </a:pPr>
             <a:r>
+              <a:rPr lang="ko-KR" altLang="en-US" dirty="0"/>
+              <a:t>세계 </a:t>
+            </a:r>
+            <a:r>
               <a:rPr lang="en-US" altLang="ko-KR" dirty="0"/>
-              <a:t>IP </a:t>
+              <a:t>CCTV </a:t>
             </a:r>
             <a:r>
               <a:rPr lang="ko-KR" altLang="en-US" dirty="0"/>
-              <a:t>카메라를 이용하지 않고 기존의 </a:t>
+              <a:t>시장 규모는 </a:t>
+            </a:r>
+            <a:r>
+              <a:rPr lang="en-US" altLang="ko-KR" dirty="0"/>
+              <a:t>2013</a:t>
+            </a:r>
+            <a:r>
+              <a:rPr lang="ko-KR" altLang="en-US" dirty="0"/>
+              <a:t>년 </a:t>
+            </a:r>
+            <a:r>
+              <a:rPr lang="en-US" altLang="ko-KR" dirty="0"/>
+              <a:t>135.2</a:t>
+            </a:r>
+            <a:r>
+              <a:rPr lang="ko-KR" altLang="en-US" dirty="0"/>
+              <a:t>억 달러에서 </a:t>
+            </a:r>
+            <a:r>
+              <a:rPr lang="en-US" altLang="ko-KR" dirty="0"/>
+              <a:t>2018</a:t>
+            </a:r>
+            <a:r>
+              <a:rPr lang="ko-KR" altLang="en-US" dirty="0"/>
+              <a:t>년 </a:t>
+            </a:r>
+            <a:r>
+              <a:rPr lang="en-US" altLang="ko-KR" dirty="0"/>
+              <a:t>236.4</a:t>
+            </a:r>
+            <a:r>
+              <a:rPr lang="ko-KR" altLang="en-US" dirty="0"/>
+              <a:t>억 달러로 </a:t>
+            </a:r>
+            <a:r>
+              <a:rPr lang="en-US" altLang="ko-KR" dirty="0"/>
+              <a:t>5</a:t>
+            </a:r>
+            <a:r>
+              <a:rPr lang="ko-KR" altLang="en-US" dirty="0"/>
+              <a:t>년간 약 </a:t>
+            </a:r>
+            <a:r>
+              <a:rPr lang="en-US" altLang="ko-KR" dirty="0"/>
+              <a:t>75%</a:t>
+            </a:r>
+            <a:r>
+              <a:rPr lang="ko-KR" altLang="en-US" dirty="0"/>
+              <a:t>의 증가가 예상되고</a:t>
+            </a:r>
+            <a:r>
+              <a:rPr lang="en-US" altLang="ko-KR" dirty="0"/>
+              <a:t>, </a:t>
+            </a:r>
+            <a:r>
+              <a:rPr lang="ko-KR" altLang="en-US" dirty="0"/>
+              <a:t>이 중 지능형 </a:t>
             </a:r>
             <a:r>
               <a:rPr lang="en-US" altLang="ko-KR" dirty="0"/>
@@ -11006,12 +12699,27 @@
             </a:r>
             <a:r>
               <a:rPr lang="ko-KR" altLang="en-US" dirty="0"/>
-              <a:t>를 통해 서비스를 제공한다</a:t>
+              <a:t>의 규모는  </a:t>
+            </a:r>
+            <a:r>
+              <a:rPr lang="en-US" altLang="ko-KR" dirty="0"/>
+              <a:t>2013</a:t>
+            </a:r>
+            <a:r>
+              <a:rPr lang="ko-KR" altLang="en-US" dirty="0"/>
+              <a:t>년 기준 전체 시장의 절반에 미치지 못하였다</a:t>
             </a:r>
             <a:r>
               <a:rPr lang="en-US" altLang="ko-KR" dirty="0"/>
               <a:t>.</a:t>
             </a:r>
+          </a:p>
+          <a:p>
+            <a:r>
+              <a:rPr lang="ko-KR" altLang="en-US" dirty="0"/>
+              <a:t> </a:t>
+            </a:r>
+            <a:endParaRPr lang="en-US" altLang="ko-KR" dirty="0"/>
           </a:p>
           <a:p>
             <a:pPr marL="285750" indent="-285750">
@@ -11020,26 +12728,272 @@
             </a:pPr>
             <a:r>
               <a:rPr lang="ko-KR" altLang="en-US" dirty="0"/>
-              <a:t>운영 및 홍보 비용이 포함되지 않아 보다 저렴한 비용으로 서비스를 제공한다</a:t>
+              <a:t>그러나</a:t>
             </a:r>
             <a:r>
               <a:rPr lang="en-US" altLang="ko-KR" dirty="0"/>
-              <a:t>.</a:t>
-            </a:r>
+              <a:t>, 2018</a:t>
+            </a:r>
+            <a:r>
+              <a:rPr lang="ko-KR" altLang="en-US" dirty="0"/>
+              <a:t>년도에 </a:t>
+            </a:r>
+            <a:r>
+              <a:rPr lang="en-US" altLang="ko-KR" dirty="0"/>
+              <a:t>154.9</a:t>
+            </a:r>
+            <a:r>
+              <a:rPr lang="ko-KR" altLang="en-US" dirty="0"/>
+              <a:t>억 달러로 전체시장의 </a:t>
+            </a:r>
+            <a:r>
+              <a:rPr lang="en-US" altLang="ko-KR" dirty="0"/>
+              <a:t>65%</a:t>
+            </a:r>
+            <a:r>
+              <a:rPr lang="ko-KR" altLang="en-US" dirty="0"/>
+              <a:t>를 차지하며 연평균 </a:t>
+            </a:r>
+            <a:r>
+              <a:rPr lang="en-US" altLang="ko-KR" dirty="0"/>
+              <a:t>20.6%</a:t>
+            </a:r>
+            <a:r>
+              <a:rPr lang="ko-KR" altLang="en-US" dirty="0"/>
+              <a:t>의 고성장률을 기록할 것으로 예측된다</a:t>
+            </a:r>
+            <a:r>
+              <a:rPr lang="en-US" altLang="ko-KR" dirty="0"/>
+              <a:t>.(HIS, 2015)</a:t>
+            </a:r>
+          </a:p>
+          <a:p>
+            <a:endParaRPr lang="en-US" altLang="ko-KR" dirty="0"/>
           </a:p>
           <a:p>
             <a:pPr marL="285750" indent="-285750">
               <a:buFontTx/>
               <a:buChar char="-"/>
             </a:pPr>
+            <a:r>
+              <a:rPr lang="ko-KR" altLang="en-US" dirty="0"/>
+              <a:t>아래 그래프를 참고하면 지능형 </a:t>
+            </a:r>
+            <a:r>
+              <a:rPr lang="en-US" altLang="ko-KR" dirty="0"/>
+              <a:t>CCTV</a:t>
+            </a:r>
+            <a:r>
+              <a:rPr lang="ko-KR" altLang="en-US" dirty="0"/>
+              <a:t>의 규모가 지속적으로 성장할 것으로 전망된다</a:t>
+            </a:r>
+            <a:r>
+              <a:rPr lang="en-US" altLang="ko-KR" dirty="0"/>
+              <a:t>. </a:t>
+            </a:r>
+          </a:p>
+        </p:txBody>
+      </p:sp>
+      <p:pic>
+        <p:nvPicPr>
+          <p:cNvPr id="2" name="그림 1">
+            <a:extLst>
+              <a:ext uri="{FF2B5EF4-FFF2-40B4-BE49-F238E27FC236}">
+                <a16:creationId xmlns:a16="http://schemas.microsoft.com/office/drawing/2014/main" id="{A090554A-A5A3-40AC-9F6D-9E021A9690C1}"/>
+              </a:ext>
+            </a:extLst>
+          </p:cNvPr>
+          <p:cNvPicPr>
+            <a:picLocks noChangeAspect="1"/>
+          </p:cNvPicPr>
+          <p:nvPr/>
+        </p:nvPicPr>
+        <p:blipFill>
+          <a:blip r:embed="rId2"/>
+          <a:stretch>
+            <a:fillRect/>
+          </a:stretch>
+        </p:blipFill>
+        <p:spPr>
+          <a:xfrm>
+            <a:off x="6755999" y="3857724"/>
+            <a:ext cx="4649874" cy="2247888"/>
+          </a:xfrm>
+          <a:prstGeom prst="rect">
+            <a:avLst/>
+          </a:prstGeom>
+        </p:spPr>
+      </p:pic>
+      <p:pic>
+        <p:nvPicPr>
+          <p:cNvPr id="3" name="그림 2">
+            <a:extLst>
+              <a:ext uri="{FF2B5EF4-FFF2-40B4-BE49-F238E27FC236}">
+                <a16:creationId xmlns:a16="http://schemas.microsoft.com/office/drawing/2014/main" id="{01684D93-26BD-4712-B4B2-AEC422CB6821}"/>
+              </a:ext>
+            </a:extLst>
+          </p:cNvPr>
+          <p:cNvPicPr>
+            <a:picLocks noChangeAspect="1"/>
+          </p:cNvPicPr>
+          <p:nvPr/>
+        </p:nvPicPr>
+        <p:blipFill>
+          <a:blip r:embed="rId3"/>
+          <a:stretch>
+            <a:fillRect/>
+          </a:stretch>
+        </p:blipFill>
+        <p:spPr>
+          <a:xfrm>
+            <a:off x="1157839" y="3857724"/>
+            <a:ext cx="4649874" cy="2247888"/>
+          </a:xfrm>
+          <a:prstGeom prst="rect">
+            <a:avLst/>
+          </a:prstGeom>
+        </p:spPr>
+      </p:pic>
+      <p:sp>
+        <p:nvSpPr>
+          <p:cNvPr id="5" name="TextBox 4">
+            <a:extLst>
+              <a:ext uri="{FF2B5EF4-FFF2-40B4-BE49-F238E27FC236}">
+                <a16:creationId xmlns:a16="http://schemas.microsoft.com/office/drawing/2014/main" id="{06731499-C6B4-4E77-A0E7-B69FAE62F1DE}"/>
+              </a:ext>
+            </a:extLst>
+          </p:cNvPr>
+          <p:cNvSpPr txBox="1"/>
+          <p:nvPr/>
+        </p:nvSpPr>
+        <p:spPr>
+          <a:xfrm>
+            <a:off x="6755999" y="6134854"/>
+            <a:ext cx="5513071" cy="307777"/>
+          </a:xfrm>
+          <a:prstGeom prst="rect">
+            <a:avLst/>
+          </a:prstGeom>
+          <a:noFill/>
+        </p:spPr>
+        <p:txBody>
+          <a:bodyPr wrap="square" rtlCol="0">
+            <a:spAutoFit/>
+          </a:bodyPr>
+          <a:lstStyle/>
+          <a:p>
+            <a:r>
+              <a:rPr lang="ko-KR" altLang="en-US" sz="1400" dirty="0"/>
+              <a:t>▲국내 영상 감시 시스템 규모</a:t>
+            </a:r>
             <a:endParaRPr lang="ko-KR" altLang="en-US" dirty="0"/>
+          </a:p>
+        </p:txBody>
+      </p:sp>
+      <p:sp>
+        <p:nvSpPr>
+          <p:cNvPr id="10" name="TextBox 9">
+            <a:extLst>
+              <a:ext uri="{FF2B5EF4-FFF2-40B4-BE49-F238E27FC236}">
+                <a16:creationId xmlns:a16="http://schemas.microsoft.com/office/drawing/2014/main" id="{9532F5D5-E94A-44A6-AFB4-128C5EEFA5CF}"/>
+              </a:ext>
+            </a:extLst>
+          </p:cNvPr>
+          <p:cNvSpPr txBox="1"/>
+          <p:nvPr/>
+        </p:nvSpPr>
+        <p:spPr>
+          <a:xfrm>
+            <a:off x="1157839" y="6105612"/>
+            <a:ext cx="5513071" cy="307777"/>
+          </a:xfrm>
+          <a:prstGeom prst="rect">
+            <a:avLst/>
+          </a:prstGeom>
+          <a:noFill/>
+        </p:spPr>
+        <p:txBody>
+          <a:bodyPr wrap="square" rtlCol="0">
+            <a:spAutoFit/>
+          </a:bodyPr>
+          <a:lstStyle/>
+          <a:p>
+            <a:r>
+              <a:rPr lang="ko-KR" altLang="en-US" sz="1400" dirty="0"/>
+              <a:t>▲세계 영상 감시 시스템 시장 현황</a:t>
+            </a:r>
+          </a:p>
+        </p:txBody>
+      </p:sp>
+      <p:sp>
+        <p:nvSpPr>
+          <p:cNvPr id="11" name="TextBox 10">
+            <a:extLst>
+              <a:ext uri="{FF2B5EF4-FFF2-40B4-BE49-F238E27FC236}">
+                <a16:creationId xmlns:a16="http://schemas.microsoft.com/office/drawing/2014/main" id="{3A747FA5-2EEE-4CD5-BDD8-2F068014BE0C}"/>
+              </a:ext>
+            </a:extLst>
+          </p:cNvPr>
+          <p:cNvSpPr txBox="1"/>
+          <p:nvPr/>
+        </p:nvSpPr>
+        <p:spPr>
+          <a:xfrm>
+            <a:off x="6268561" y="6549444"/>
+            <a:ext cx="5820981" cy="261610"/>
+          </a:xfrm>
+          <a:prstGeom prst="rect">
+            <a:avLst/>
+          </a:prstGeom>
+          <a:noFill/>
+        </p:spPr>
+        <p:txBody>
+          <a:bodyPr wrap="square" rtlCol="0">
+            <a:spAutoFit/>
+          </a:bodyPr>
+          <a:lstStyle/>
+          <a:p>
+            <a:pPr algn="r"/>
+            <a:r>
+              <a:rPr lang="ko-KR" altLang="en-US" sz="1100" dirty="0"/>
+              <a:t>자료제공</a:t>
+            </a:r>
+            <a:r>
+              <a:rPr lang="en-US" altLang="ko-KR" sz="1100" dirty="0"/>
+              <a:t>: </a:t>
+            </a:r>
+            <a:r>
+              <a:rPr lang="ko-KR" altLang="en-US" sz="1100" dirty="0"/>
+              <a:t>한국지역정보개발원 </a:t>
+            </a:r>
+            <a:r>
+              <a:rPr lang="en-US" altLang="ko-KR" sz="1100" dirty="0"/>
+              <a:t>/ </a:t>
+            </a:r>
+            <a:r>
+              <a:rPr lang="ko-KR" altLang="en-US" sz="1100" dirty="0"/>
+              <a:t>보안전문 매거진 </a:t>
+            </a:r>
+            <a:r>
+              <a:rPr lang="en-US" altLang="ko-KR" sz="1100" dirty="0"/>
+              <a:t>‘</a:t>
+            </a:r>
+            <a:r>
+              <a:rPr lang="ko-KR" altLang="en-US" sz="1100" dirty="0" err="1"/>
+              <a:t>시큐리티월드</a:t>
+            </a:r>
+            <a:r>
+              <a:rPr lang="en-US" altLang="ko-KR" sz="1100" dirty="0"/>
+              <a:t>’</a:t>
+            </a:r>
+            <a:endParaRPr lang="ko-KR" altLang="en-US" sz="1100" dirty="0"/>
           </a:p>
         </p:txBody>
       </p:sp>
     </p:spTree>
     <p:extLst>
       <p:ext uri="{BB962C8B-B14F-4D97-AF65-F5344CB8AC3E}">
-        <p14:creationId xmlns:p14="http://schemas.microsoft.com/office/powerpoint/2010/main" val="1421510249"/>
+        <p14:creationId xmlns:p14="http://schemas.microsoft.com/office/powerpoint/2010/main" val="3649261476"/>
       </p:ext>
     </p:extLst>
   </p:cSld>

--- a/Docs/사업계획서.pptx
+++ b/Docs/사업계획서.pptx
@@ -4916,13 +4916,13 @@
           <p:nvPr>
             <p:extLst>
               <p:ext uri="{D42A27DB-BD31-4B8C-83A1-F6EECF244321}">
-                <p14:modId xmlns:p14="http://schemas.microsoft.com/office/powerpoint/2010/main" val="3773139280"/>
+                <p14:modId xmlns:p14="http://schemas.microsoft.com/office/powerpoint/2010/main" val="4146779137"/>
               </p:ext>
             </p:extLst>
           </p:nvPr>
         </p:nvGraphicFramePr>
         <p:xfrm>
-          <a:off x="1148565" y="1211161"/>
+          <a:off x="1148565" y="1928801"/>
           <a:ext cx="9894867" cy="3904943"/>
         </p:xfrm>
         <a:graphic>
@@ -5367,70 +5367,6 @@
           </a:graphicData>
         </a:graphic>
       </p:graphicFrame>
-      <p:sp>
-        <p:nvSpPr>
-          <p:cNvPr id="2" name="TextBox 1">
-            <a:extLst>
-              <a:ext uri="{FF2B5EF4-FFF2-40B4-BE49-F238E27FC236}">
-                <a16:creationId xmlns:a16="http://schemas.microsoft.com/office/drawing/2014/main" id="{9C545382-C469-4C20-8FDF-5031AAE76625}"/>
-              </a:ext>
-            </a:extLst>
-          </p:cNvPr>
-          <p:cNvSpPr txBox="1"/>
-          <p:nvPr/>
-        </p:nvSpPr>
-        <p:spPr>
-          <a:xfrm>
-            <a:off x="1630532" y="5291087"/>
-            <a:ext cx="8930935" cy="1177245"/>
-          </a:xfrm>
-          <a:prstGeom prst="rect">
-            <a:avLst/>
-          </a:prstGeom>
-          <a:noFill/>
-        </p:spPr>
-        <p:txBody>
-          <a:bodyPr wrap="square" rtlCol="0">
-            <a:spAutoFit/>
-          </a:bodyPr>
-          <a:lstStyle/>
-          <a:p>
-            <a:r>
-              <a:rPr lang="ko-KR" altLang="en-US" sz="2400" b="1" dirty="0"/>
-              <a:t>경쟁업체에 대한 강점</a:t>
-            </a:r>
-            <a:endParaRPr lang="ko-KR" altLang="en-US" sz="2000" dirty="0"/>
-          </a:p>
-          <a:p>
-            <a:pPr marL="285750" indent="-285750">
-              <a:buFontTx/>
-              <a:buChar char="-"/>
-            </a:pPr>
-            <a:endParaRPr lang="en-US" altLang="ko-KR" sz="1000" dirty="0"/>
-          </a:p>
-          <a:p>
-            <a:pPr marL="285750" indent="-285750">
-              <a:buFontTx/>
-              <a:buChar char="-"/>
-            </a:pPr>
-            <a:r>
-              <a:rPr lang="ko-KR" altLang="en-US" dirty="0"/>
-              <a:t>운영 및 홍보 비용이 포함되지 않아 보다 저렴한 비용으로 서비스를 제공한다</a:t>
-            </a:r>
-            <a:r>
-              <a:rPr lang="en-US" altLang="ko-KR" dirty="0"/>
-              <a:t>.</a:t>
-            </a:r>
-          </a:p>
-          <a:p>
-            <a:pPr marL="285750" indent="-285750">
-              <a:buFontTx/>
-              <a:buChar char="-"/>
-            </a:pPr>
-            <a:endParaRPr lang="ko-KR" altLang="en-US" dirty="0"/>
-          </a:p>
-        </p:txBody>
-      </p:sp>
     </p:spTree>
     <p:extLst>
       <p:ext uri="{BB962C8B-B14F-4D97-AF65-F5344CB8AC3E}">
